--- a/Documentation/Презентация.pptx
+++ b/Documentation/Презентация.pptx
@@ -1,11 +1,35 @@
 
 <file path=ppt/presentation.xml><?xml version="1.0" encoding="utf-8"?>
-<p:presentation xmlns:a="http://schemas.openxmlformats.org/drawingml/2006/main" xmlns:r="http://schemas.openxmlformats.org/officeDocument/2006/relationships" xmlns:p="http://schemas.openxmlformats.org/presentationml/2006/main" saveSubsetFonts="1">
+<p:presentation xmlns:a="http://schemas.openxmlformats.org/drawingml/2006/main" xmlns:r="http://schemas.openxmlformats.org/officeDocument/2006/relationships" xmlns:p="http://schemas.openxmlformats.org/presentationml/2006/main" showSpecialPlsOnTitleSld="0" saveSubsetFonts="1">
   <p:sldMasterIdLst>
     <p:sldMasterId id="2147483648" r:id="rId1"/>
   </p:sldMasterIdLst>
+  <p:notesMasterIdLst>
+    <p:notesMasterId r:id="rId24"/>
+  </p:notesMasterIdLst>
   <p:sldIdLst>
-    <p:sldId id="256" r:id="rId2"/>
+    <p:sldId id="257" r:id="rId2"/>
+    <p:sldId id="258" r:id="rId3"/>
+    <p:sldId id="259" r:id="rId4"/>
+    <p:sldId id="260" r:id="rId5"/>
+    <p:sldId id="261" r:id="rId6"/>
+    <p:sldId id="286" r:id="rId7"/>
+    <p:sldId id="263" r:id="rId8"/>
+    <p:sldId id="264" r:id="rId9"/>
+    <p:sldId id="266" r:id="rId10"/>
+    <p:sldId id="279" r:id="rId11"/>
+    <p:sldId id="265" r:id="rId12"/>
+    <p:sldId id="267" r:id="rId13"/>
+    <p:sldId id="282" r:id="rId14"/>
+    <p:sldId id="287" r:id="rId15"/>
+    <p:sldId id="277" r:id="rId16"/>
+    <p:sldId id="278" r:id="rId17"/>
+    <p:sldId id="273" r:id="rId18"/>
+    <p:sldId id="272" r:id="rId19"/>
+    <p:sldId id="274" r:id="rId20"/>
+    <p:sldId id="276" r:id="rId21"/>
+    <p:sldId id="262" r:id="rId22"/>
+    <p:sldId id="281" r:id="rId23"/>
   </p:sldIdLst>
   <p:sldSz cx="12192000" cy="6858000"/>
   <p:notesSz cx="6858000" cy="9144000"/>
@@ -104,7 +128,361 @@
       </a:defRPr>
     </a:lvl9pPr>
   </p:defaultTextStyle>
+  <p:extLst>
+    <p:ext uri="{EFAFB233-063F-42B5-8137-9DF3F51BA10A}">
+      <p15:sldGuideLst xmlns:p15="http://schemas.microsoft.com/office/powerpoint/2012/main"/>
+    </p:ext>
+  </p:extLst>
 </p:presentation>
+</file>
+
+<file path=ppt/notesMasters/notesMaster1.xml><?xml version="1.0" encoding="utf-8"?>
+<p:notesMaster xmlns:a="http://schemas.openxmlformats.org/drawingml/2006/main" xmlns:r="http://schemas.openxmlformats.org/officeDocument/2006/relationships" xmlns:p="http://schemas.openxmlformats.org/presentationml/2006/main">
+  <p:cSld>
+    <p:bg>
+      <p:bgRef idx="1001">
+        <a:schemeClr val="bg1"/>
+      </p:bgRef>
+    </p:bg>
+    <p:spTree>
+      <p:nvGrpSpPr>
+        <p:cNvPr id="1" name=""/>
+        <p:cNvGrpSpPr/>
+        <p:nvPr/>
+      </p:nvGrpSpPr>
+      <p:grpSpPr>
+        <a:xfrm>
+          <a:off x="0" y="0"/>
+          <a:ext cx="0" cy="0"/>
+          <a:chOff x="0" y="0"/>
+          <a:chExt cx="0" cy="0"/>
+        </a:xfrm>
+      </p:grpSpPr>
+      <p:sp>
+        <p:nvSpPr>
+          <p:cNvPr id="2" name="Верхний колонтитул 1"/>
+          <p:cNvSpPr>
+            <a:spLocks noGrp="1"/>
+          </p:cNvSpPr>
+          <p:nvPr>
+            <p:ph type="hdr" sz="quarter"/>
+          </p:nvPr>
+        </p:nvSpPr>
+        <p:spPr>
+          <a:xfrm>
+            <a:off x="0" y="0"/>
+            <a:ext cx="2971800" cy="458788"/>
+          </a:xfrm>
+          <a:prstGeom prst="rect">
+            <a:avLst/>
+          </a:prstGeom>
+        </p:spPr>
+        <p:txBody>
+          <a:bodyPr vert="horz" lIns="91440" tIns="45720" rIns="91440" bIns="45720" rtlCol="0"/>
+          <a:lstStyle>
+            <a:lvl1pPr algn="l">
+              <a:defRPr sz="1200"/>
+            </a:lvl1pPr>
+          </a:lstStyle>
+          <a:p>
+            <a:endParaRPr lang="ru-RU"/>
+          </a:p>
+        </p:txBody>
+      </p:sp>
+      <p:sp>
+        <p:nvSpPr>
+          <p:cNvPr id="3" name="Дата 2"/>
+          <p:cNvSpPr>
+            <a:spLocks noGrp="1"/>
+          </p:cNvSpPr>
+          <p:nvPr>
+            <p:ph type="dt" idx="1"/>
+          </p:nvPr>
+        </p:nvSpPr>
+        <p:spPr>
+          <a:xfrm>
+            <a:off x="3884613" y="0"/>
+            <a:ext cx="2971800" cy="458788"/>
+          </a:xfrm>
+          <a:prstGeom prst="rect">
+            <a:avLst/>
+          </a:prstGeom>
+        </p:spPr>
+        <p:txBody>
+          <a:bodyPr vert="horz" lIns="91440" tIns="45720" rIns="91440" bIns="45720" rtlCol="0"/>
+          <a:lstStyle>
+            <a:lvl1pPr algn="r">
+              <a:defRPr sz="1200"/>
+            </a:lvl1pPr>
+          </a:lstStyle>
+          <a:p>
+            <a:fld id="{07C807C6-F0AF-4E55-BBC9-55A8F7FFBB9F}" type="datetimeFigureOut">
+              <a:rPr lang="ru-RU" smtClean="0"/>
+              <a:t>15.06.2020</a:t>
+            </a:fld>
+            <a:endParaRPr lang="ru-RU"/>
+          </a:p>
+        </p:txBody>
+      </p:sp>
+      <p:sp>
+        <p:nvSpPr>
+          <p:cNvPr id="4" name="Образ слайда 3"/>
+          <p:cNvSpPr>
+            <a:spLocks noGrp="1" noRot="1" noChangeAspect="1"/>
+          </p:cNvSpPr>
+          <p:nvPr>
+            <p:ph type="sldImg" idx="2"/>
+          </p:nvPr>
+        </p:nvSpPr>
+        <p:spPr>
+          <a:xfrm>
+            <a:off x="685800" y="1143000"/>
+            <a:ext cx="5486400" cy="3086100"/>
+          </a:xfrm>
+          <a:prstGeom prst="rect">
+            <a:avLst/>
+          </a:prstGeom>
+          <a:noFill/>
+          <a:ln w="12700">
+            <a:solidFill>
+              <a:prstClr val="black"/>
+            </a:solidFill>
+          </a:ln>
+        </p:spPr>
+        <p:txBody>
+          <a:bodyPr vert="horz" lIns="91440" tIns="45720" rIns="91440" bIns="45720" rtlCol="0" anchor="ctr"/>
+          <a:lstStyle/>
+          <a:p>
+            <a:endParaRPr lang="ru-RU"/>
+          </a:p>
+        </p:txBody>
+      </p:sp>
+      <p:sp>
+        <p:nvSpPr>
+          <p:cNvPr id="5" name="Заметки 4"/>
+          <p:cNvSpPr>
+            <a:spLocks noGrp="1"/>
+          </p:cNvSpPr>
+          <p:nvPr>
+            <p:ph type="body" sz="quarter" idx="3"/>
+          </p:nvPr>
+        </p:nvSpPr>
+        <p:spPr>
+          <a:xfrm>
+            <a:off x="685800" y="4400550"/>
+            <a:ext cx="5486400" cy="3600450"/>
+          </a:xfrm>
+          <a:prstGeom prst="rect">
+            <a:avLst/>
+          </a:prstGeom>
+        </p:spPr>
+        <p:txBody>
+          <a:bodyPr vert="horz" lIns="91440" tIns="45720" rIns="91440" bIns="45720" rtlCol="0"/>
+          <a:lstStyle/>
+          <a:p>
+            <a:pPr lvl="0"/>
+            <a:r>
+              <a:rPr lang="ru-RU"/>
+              <a:t>Образец текста</a:t>
+            </a:r>
+          </a:p>
+          <a:p>
+            <a:pPr lvl="1"/>
+            <a:r>
+              <a:rPr lang="ru-RU"/>
+              <a:t>Второй уровень</a:t>
+            </a:r>
+          </a:p>
+          <a:p>
+            <a:pPr lvl="2"/>
+            <a:r>
+              <a:rPr lang="ru-RU"/>
+              <a:t>Третий уровень</a:t>
+            </a:r>
+          </a:p>
+          <a:p>
+            <a:pPr lvl="3"/>
+            <a:r>
+              <a:rPr lang="ru-RU"/>
+              <a:t>Четвертый уровень</a:t>
+            </a:r>
+          </a:p>
+          <a:p>
+            <a:pPr lvl="4"/>
+            <a:r>
+              <a:rPr lang="ru-RU"/>
+              <a:t>Пятый уровень</a:t>
+            </a:r>
+          </a:p>
+        </p:txBody>
+      </p:sp>
+      <p:sp>
+        <p:nvSpPr>
+          <p:cNvPr id="6" name="Нижний колонтитул 5"/>
+          <p:cNvSpPr>
+            <a:spLocks noGrp="1"/>
+          </p:cNvSpPr>
+          <p:nvPr>
+            <p:ph type="ftr" sz="quarter" idx="4"/>
+          </p:nvPr>
+        </p:nvSpPr>
+        <p:spPr>
+          <a:xfrm>
+            <a:off x="0" y="8685213"/>
+            <a:ext cx="2971800" cy="458787"/>
+          </a:xfrm>
+          <a:prstGeom prst="rect">
+            <a:avLst/>
+          </a:prstGeom>
+        </p:spPr>
+        <p:txBody>
+          <a:bodyPr vert="horz" lIns="91440" tIns="45720" rIns="91440" bIns="45720" rtlCol="0" anchor="b"/>
+          <a:lstStyle>
+            <a:lvl1pPr algn="l">
+              <a:defRPr sz="1200"/>
+            </a:lvl1pPr>
+          </a:lstStyle>
+          <a:p>
+            <a:endParaRPr lang="ru-RU"/>
+          </a:p>
+        </p:txBody>
+      </p:sp>
+      <p:sp>
+        <p:nvSpPr>
+          <p:cNvPr id="7" name="Номер слайда 6"/>
+          <p:cNvSpPr>
+            <a:spLocks noGrp="1"/>
+          </p:cNvSpPr>
+          <p:nvPr>
+            <p:ph type="sldNum" sz="quarter" idx="5"/>
+          </p:nvPr>
+        </p:nvSpPr>
+        <p:spPr>
+          <a:xfrm>
+            <a:off x="3884613" y="8685213"/>
+            <a:ext cx="2971800" cy="458787"/>
+          </a:xfrm>
+          <a:prstGeom prst="rect">
+            <a:avLst/>
+          </a:prstGeom>
+        </p:spPr>
+        <p:txBody>
+          <a:bodyPr vert="horz" lIns="91440" tIns="45720" rIns="91440" bIns="45720" rtlCol="0" anchor="b"/>
+          <a:lstStyle>
+            <a:lvl1pPr algn="r">
+              <a:defRPr sz="1200"/>
+            </a:lvl1pPr>
+          </a:lstStyle>
+          <a:p>
+            <a:fld id="{6DDE8872-5A24-419B-8A52-4C76A4E78033}" type="slidenum">
+              <a:rPr lang="ru-RU" smtClean="0"/>
+              <a:t>‹#›</a:t>
+            </a:fld>
+            <a:endParaRPr lang="ru-RU"/>
+          </a:p>
+        </p:txBody>
+      </p:sp>
+    </p:spTree>
+    <p:extLst>
+      <p:ext uri="{BB962C8B-B14F-4D97-AF65-F5344CB8AC3E}">
+        <p14:creationId xmlns:p14="http://schemas.microsoft.com/office/powerpoint/2010/main" val="3561043148"/>
+      </p:ext>
+    </p:extLst>
+  </p:cSld>
+  <p:clrMap bg1="lt1" tx1="dk1" bg2="lt2" tx2="dk2" accent1="accent1" accent2="accent2" accent3="accent3" accent4="accent4" accent5="accent5" accent6="accent6" hlink="hlink" folHlink="folHlink"/>
+  <p:notesStyle>
+    <a:lvl1pPr marL="0" algn="l" defTabSz="914400" rtl="0" eaLnBrk="1" latinLnBrk="0" hangingPunct="1">
+      <a:defRPr sz="1200" kern="1200">
+        <a:solidFill>
+          <a:schemeClr val="tx1"/>
+        </a:solidFill>
+        <a:latin typeface="+mn-lt"/>
+        <a:ea typeface="+mn-ea"/>
+        <a:cs typeface="+mn-cs"/>
+      </a:defRPr>
+    </a:lvl1pPr>
+    <a:lvl2pPr marL="457200" algn="l" defTabSz="914400" rtl="0" eaLnBrk="1" latinLnBrk="0" hangingPunct="1">
+      <a:defRPr sz="1200" kern="1200">
+        <a:solidFill>
+          <a:schemeClr val="tx1"/>
+        </a:solidFill>
+        <a:latin typeface="+mn-lt"/>
+        <a:ea typeface="+mn-ea"/>
+        <a:cs typeface="+mn-cs"/>
+      </a:defRPr>
+    </a:lvl2pPr>
+    <a:lvl3pPr marL="914400" algn="l" defTabSz="914400" rtl="0" eaLnBrk="1" latinLnBrk="0" hangingPunct="1">
+      <a:defRPr sz="1200" kern="1200">
+        <a:solidFill>
+          <a:schemeClr val="tx1"/>
+        </a:solidFill>
+        <a:latin typeface="+mn-lt"/>
+        <a:ea typeface="+mn-ea"/>
+        <a:cs typeface="+mn-cs"/>
+      </a:defRPr>
+    </a:lvl3pPr>
+    <a:lvl4pPr marL="1371600" algn="l" defTabSz="914400" rtl="0" eaLnBrk="1" latinLnBrk="0" hangingPunct="1">
+      <a:defRPr sz="1200" kern="1200">
+        <a:solidFill>
+          <a:schemeClr val="tx1"/>
+        </a:solidFill>
+        <a:latin typeface="+mn-lt"/>
+        <a:ea typeface="+mn-ea"/>
+        <a:cs typeface="+mn-cs"/>
+      </a:defRPr>
+    </a:lvl4pPr>
+    <a:lvl5pPr marL="1828800" algn="l" defTabSz="914400" rtl="0" eaLnBrk="1" latinLnBrk="0" hangingPunct="1">
+      <a:defRPr sz="1200" kern="1200">
+        <a:solidFill>
+          <a:schemeClr val="tx1"/>
+        </a:solidFill>
+        <a:latin typeface="+mn-lt"/>
+        <a:ea typeface="+mn-ea"/>
+        <a:cs typeface="+mn-cs"/>
+      </a:defRPr>
+    </a:lvl5pPr>
+    <a:lvl6pPr marL="2286000" algn="l" defTabSz="914400" rtl="0" eaLnBrk="1" latinLnBrk="0" hangingPunct="1">
+      <a:defRPr sz="1200" kern="1200">
+        <a:solidFill>
+          <a:schemeClr val="tx1"/>
+        </a:solidFill>
+        <a:latin typeface="+mn-lt"/>
+        <a:ea typeface="+mn-ea"/>
+        <a:cs typeface="+mn-cs"/>
+      </a:defRPr>
+    </a:lvl6pPr>
+    <a:lvl7pPr marL="2743200" algn="l" defTabSz="914400" rtl="0" eaLnBrk="1" latinLnBrk="0" hangingPunct="1">
+      <a:defRPr sz="1200" kern="1200">
+        <a:solidFill>
+          <a:schemeClr val="tx1"/>
+        </a:solidFill>
+        <a:latin typeface="+mn-lt"/>
+        <a:ea typeface="+mn-ea"/>
+        <a:cs typeface="+mn-cs"/>
+      </a:defRPr>
+    </a:lvl7pPr>
+    <a:lvl8pPr marL="3200400" algn="l" defTabSz="914400" rtl="0" eaLnBrk="1" latinLnBrk="0" hangingPunct="1">
+      <a:defRPr sz="1200" kern="1200">
+        <a:solidFill>
+          <a:schemeClr val="tx1"/>
+        </a:solidFill>
+        <a:latin typeface="+mn-lt"/>
+        <a:ea typeface="+mn-ea"/>
+        <a:cs typeface="+mn-cs"/>
+      </a:defRPr>
+    </a:lvl8pPr>
+    <a:lvl9pPr marL="3657600" algn="l" defTabSz="914400" rtl="0" eaLnBrk="1" latinLnBrk="0" hangingPunct="1">
+      <a:defRPr sz="1200" kern="1200">
+        <a:solidFill>
+          <a:schemeClr val="tx1"/>
+        </a:solidFill>
+        <a:latin typeface="+mn-lt"/>
+        <a:ea typeface="+mn-ea"/>
+        <a:cs typeface="+mn-cs"/>
+      </a:defRPr>
+    </a:lvl9pPr>
+  </p:notesStyle>
+</p:notesMaster>
 </file>
 
 <file path=ppt/slideLayouts/slideLayout1.xml><?xml version="1.0" encoding="utf-8"?>
@@ -252,9 +630,9 @@
           <a:bodyPr/>
           <a:lstStyle/>
           <a:p>
-            <a:fld id="{306A2439-E6AE-4284-BD2C-C643915D61F7}" type="datetimeFigureOut">
+            <a:fld id="{D8BFA1C4-454C-4348-B147-F3D7CC3A353F}" type="datetime1">
               <a:rPr lang="ru-RU" smtClean="0"/>
-              <a:t>10.06.2020</a:t>
+              <a:t>15.06.2020</a:t>
             </a:fld>
             <a:endParaRPr lang="ru-RU"/>
           </a:p>
@@ -450,9 +828,9 @@
           <a:bodyPr/>
           <a:lstStyle/>
           <a:p>
-            <a:fld id="{306A2439-E6AE-4284-BD2C-C643915D61F7}" type="datetimeFigureOut">
+            <a:fld id="{2BAC0AF2-63F0-4C16-85A7-BD7E297DC277}" type="datetime1">
               <a:rPr lang="ru-RU" smtClean="0"/>
-              <a:t>10.06.2020</a:t>
+              <a:t>15.06.2020</a:t>
             </a:fld>
             <a:endParaRPr lang="ru-RU"/>
           </a:p>
@@ -658,9 +1036,9 @@
           <a:bodyPr/>
           <a:lstStyle/>
           <a:p>
-            <a:fld id="{306A2439-E6AE-4284-BD2C-C643915D61F7}" type="datetimeFigureOut">
+            <a:fld id="{CA231444-F753-40A3-98CC-467AC5D977F1}" type="datetime1">
               <a:rPr lang="ru-RU" smtClean="0"/>
-              <a:t>10.06.2020</a:t>
+              <a:t>15.06.2020</a:t>
             </a:fld>
             <a:endParaRPr lang="ru-RU"/>
           </a:p>
@@ -856,9 +1234,9 @@
           <a:bodyPr/>
           <a:lstStyle/>
           <a:p>
-            <a:fld id="{306A2439-E6AE-4284-BD2C-C643915D61F7}" type="datetimeFigureOut">
+            <a:fld id="{BB4C5401-636F-43E3-9B72-B659E5AA4B25}" type="datetime1">
               <a:rPr lang="ru-RU" smtClean="0"/>
-              <a:t>10.06.2020</a:t>
+              <a:t>15.06.2020</a:t>
             </a:fld>
             <a:endParaRPr lang="ru-RU"/>
           </a:p>
@@ -1131,9 +1509,9 @@
           <a:bodyPr/>
           <a:lstStyle/>
           <a:p>
-            <a:fld id="{306A2439-E6AE-4284-BD2C-C643915D61F7}" type="datetimeFigureOut">
+            <a:fld id="{7648A072-45B5-4F9E-BD9E-2F3DAE3932B4}" type="datetime1">
               <a:rPr lang="ru-RU" smtClean="0"/>
-              <a:t>10.06.2020</a:t>
+              <a:t>15.06.2020</a:t>
             </a:fld>
             <a:endParaRPr lang="ru-RU"/>
           </a:p>
@@ -1396,9 +1774,9 @@
           <a:bodyPr/>
           <a:lstStyle/>
           <a:p>
-            <a:fld id="{306A2439-E6AE-4284-BD2C-C643915D61F7}" type="datetimeFigureOut">
+            <a:fld id="{5A2270A8-3EED-42C1-B66C-1E978B4F7611}" type="datetime1">
               <a:rPr lang="ru-RU" smtClean="0"/>
-              <a:t>10.06.2020</a:t>
+              <a:t>15.06.2020</a:t>
             </a:fld>
             <a:endParaRPr lang="ru-RU"/>
           </a:p>
@@ -1808,9 +2186,9 @@
           <a:bodyPr/>
           <a:lstStyle/>
           <a:p>
-            <a:fld id="{306A2439-E6AE-4284-BD2C-C643915D61F7}" type="datetimeFigureOut">
+            <a:fld id="{6F0EC0DD-1FD1-43D4-ABF3-A65844427CD1}" type="datetime1">
               <a:rPr lang="ru-RU" smtClean="0"/>
-              <a:t>10.06.2020</a:t>
+              <a:t>15.06.2020</a:t>
             </a:fld>
             <a:endParaRPr lang="ru-RU"/>
           </a:p>
@@ -1949,9 +2327,9 @@
           <a:bodyPr/>
           <a:lstStyle/>
           <a:p>
-            <a:fld id="{306A2439-E6AE-4284-BD2C-C643915D61F7}" type="datetimeFigureOut">
+            <a:fld id="{E539D2FD-F04A-4CD6-A8E4-A7BC68B24D18}" type="datetime1">
               <a:rPr lang="ru-RU" smtClean="0"/>
-              <a:t>10.06.2020</a:t>
+              <a:t>15.06.2020</a:t>
             </a:fld>
             <a:endParaRPr lang="ru-RU"/>
           </a:p>
@@ -2062,9 +2440,9 @@
           <a:bodyPr/>
           <a:lstStyle/>
           <a:p>
-            <a:fld id="{306A2439-E6AE-4284-BD2C-C643915D61F7}" type="datetimeFigureOut">
+            <a:fld id="{2D297B78-63A1-43B1-A0A5-A58493968141}" type="datetime1">
               <a:rPr lang="ru-RU" smtClean="0"/>
-              <a:t>10.06.2020</a:t>
+              <a:t>15.06.2020</a:t>
             </a:fld>
             <a:endParaRPr lang="ru-RU"/>
           </a:p>
@@ -2373,9 +2751,9 @@
           <a:bodyPr/>
           <a:lstStyle/>
           <a:p>
-            <a:fld id="{306A2439-E6AE-4284-BD2C-C643915D61F7}" type="datetimeFigureOut">
+            <a:fld id="{BF498DED-C91C-46A3-8DBF-1C350A992944}" type="datetime1">
               <a:rPr lang="ru-RU" smtClean="0"/>
-              <a:t>10.06.2020</a:t>
+              <a:t>15.06.2020</a:t>
             </a:fld>
             <a:endParaRPr lang="ru-RU"/>
           </a:p>
@@ -2661,9 +3039,9 @@
           <a:bodyPr/>
           <a:lstStyle/>
           <a:p>
-            <a:fld id="{306A2439-E6AE-4284-BD2C-C643915D61F7}" type="datetimeFigureOut">
+            <a:fld id="{721FFEE3-F54B-4D1E-9DFA-6F3162350786}" type="datetime1">
               <a:rPr lang="ru-RU" smtClean="0"/>
-              <a:t>10.06.2020</a:t>
+              <a:t>15.06.2020</a:t>
             </a:fld>
             <a:endParaRPr lang="ru-RU"/>
           </a:p>
@@ -2902,9 +3280,9 @@
             </a:lvl1pPr>
           </a:lstStyle>
           <a:p>
-            <a:fld id="{306A2439-E6AE-4284-BD2C-C643915D61F7}" type="datetimeFigureOut">
+            <a:fld id="{0B1CC7B4-D069-4A5E-90A4-3A3A4D345E57}" type="datetime1">
               <a:rPr lang="ru-RU" smtClean="0"/>
-              <a:t>10.06.2020</a:t>
+              <a:t>15.06.2020</a:t>
             </a:fld>
             <a:endParaRPr lang="ru-RU"/>
           </a:p>
@@ -3021,6 +3399,7 @@
     <p:sldLayoutId id="2147483658" r:id="rId10"/>
     <p:sldLayoutId id="2147483659" r:id="rId11"/>
   </p:sldLayoutIdLst>
+  <p:hf hdr="0" ftr="0" dt="0"/>
   <p:txStyles>
     <p:titleStyle>
       <a:lvl1pPr algn="l" defTabSz="914400" rtl="0" eaLnBrk="1" latinLnBrk="0" hangingPunct="1">
@@ -3326,7 +3705,7 @@
           <p:cNvPr id="2" name="Заголовок 1">
             <a:extLst>
               <a:ext uri="{FF2B5EF4-FFF2-40B4-BE49-F238E27FC236}">
-                <a16:creationId xmlns:a16="http://schemas.microsoft.com/office/drawing/2014/main" id="{7CDE4C7F-9CF5-40B6-9A02-2DFCBD4CB88F}"/>
+                <a16:creationId xmlns:a16="http://schemas.microsoft.com/office/drawing/2014/main" id="{02441C18-ADE7-4359-96BC-680B4EBA89D2}"/>
               </a:ext>
             </a:extLst>
           </p:cNvPr>
@@ -3337,12 +3716,29 @@
             <p:ph type="ctrTitle"/>
           </p:nvPr>
         </p:nvSpPr>
-        <p:spPr/>
-        <p:txBody>
-          <a:bodyPr/>
+        <p:spPr>
+          <a:xfrm>
+            <a:off x="1523999" y="2406257"/>
+            <a:ext cx="9144000" cy="1350069"/>
+          </a:xfrm>
+        </p:spPr>
+        <p:txBody>
+          <a:bodyPr>
+            <a:normAutofit/>
+          </a:bodyPr>
           <a:lstStyle/>
           <a:p>
-            <a:endParaRPr lang="ru-RU"/>
+            <a:r>
+              <a:rPr lang="ru-RU" sz="4400" u="sng" dirty="0"/>
+              <a:t>Курсовой проект</a:t>
+            </a:r>
+            <a:br>
+              <a:rPr lang="ru-RU" sz="4400" u="sng" dirty="0"/>
+            </a:br>
+            <a:r>
+              <a:rPr lang="ru-RU" sz="4400" dirty="0"/>
+              <a:t>на тему: «Корпоративный блог»</a:t>
+            </a:r>
           </a:p>
         </p:txBody>
       </p:sp>
@@ -3351,7 +3747,7 @@
           <p:cNvPr id="3" name="Подзаголовок 2">
             <a:extLst>
               <a:ext uri="{FF2B5EF4-FFF2-40B4-BE49-F238E27FC236}">
-                <a16:creationId xmlns:a16="http://schemas.microsoft.com/office/drawing/2014/main" id="{8FDEB35D-3A5C-422E-9424-761EB7A2CE27}"/>
+                <a16:creationId xmlns:a16="http://schemas.microsoft.com/office/drawing/2014/main" id="{FF544F22-9AD1-4FEE-A77A-368F71A5E271}"/>
               </a:ext>
             </a:extLst>
           </p:cNvPr>
@@ -3362,19 +3758,6897 @@
             <p:ph type="subTitle" idx="1"/>
           </p:nvPr>
         </p:nvSpPr>
-        <p:spPr/>
-        <p:txBody>
-          <a:bodyPr/>
+        <p:spPr>
+          <a:xfrm>
+            <a:off x="1007389" y="4704503"/>
+            <a:ext cx="10177221" cy="1350068"/>
+          </a:xfrm>
+        </p:spPr>
+        <p:txBody>
+          <a:bodyPr numCol="2">
+            <a:normAutofit fontScale="85000" lnSpcReduction="20000"/>
+          </a:bodyPr>
           <a:lstStyle/>
           <a:p>
-            <a:endParaRPr lang="ru-RU"/>
+            <a:pPr algn="l"/>
+            <a:r>
+              <a:rPr lang="ru-RU" dirty="0"/>
+              <a:t>Выполнили ст. 3 курса оч. отд.</a:t>
+            </a:r>
+          </a:p>
+          <a:p>
+            <a:pPr algn="l"/>
+            <a:r>
+              <a:rPr lang="ru-RU" dirty="0"/>
+              <a:t>Руководитель</a:t>
+            </a:r>
+            <a:r>
+              <a:rPr lang="ru-RU" i="1" dirty="0"/>
+              <a:t> </a:t>
+            </a:r>
+            <a:r>
+              <a:rPr lang="ru-RU" dirty="0"/>
+              <a:t> </a:t>
+            </a:r>
+          </a:p>
+          <a:p>
+            <a:pPr algn="l"/>
+            <a:endParaRPr lang="ru-RU" dirty="0"/>
+          </a:p>
+          <a:p>
+            <a:pPr algn="l"/>
+            <a:endParaRPr lang="ru-RU" dirty="0"/>
+          </a:p>
+          <a:p>
+            <a:pPr algn="r"/>
+            <a:r>
+              <a:rPr lang="ru-RU" dirty="0"/>
+              <a:t>А.О. Бородин, Н.О. Буйлов, М.А. Свиридов</a:t>
+            </a:r>
+          </a:p>
+          <a:p>
+            <a:pPr algn="l"/>
+            <a:endParaRPr lang="ru-RU" dirty="0"/>
+          </a:p>
+          <a:p>
+            <a:pPr algn="l"/>
+            <a:endParaRPr lang="ru-RU" dirty="0"/>
+          </a:p>
+        </p:txBody>
+      </p:sp>
+      <p:sp>
+        <p:nvSpPr>
+          <p:cNvPr id="4" name="Подзаголовок 2">
+            <a:extLst>
+              <a:ext uri="{FF2B5EF4-FFF2-40B4-BE49-F238E27FC236}">
+                <a16:creationId xmlns:a16="http://schemas.microsoft.com/office/drawing/2014/main" id="{4A3B1525-ECF3-423C-856A-0812197483EC}"/>
+              </a:ext>
+            </a:extLst>
+          </p:cNvPr>
+          <p:cNvSpPr txBox="1">
+            <a:spLocks/>
+          </p:cNvSpPr>
+          <p:nvPr/>
+        </p:nvSpPr>
+        <p:spPr>
+          <a:xfrm>
+            <a:off x="1524000" y="6054571"/>
+            <a:ext cx="9144000" cy="803429"/>
+          </a:xfrm>
+          <a:prstGeom prst="rect">
+            <a:avLst/>
+          </a:prstGeom>
+        </p:spPr>
+        <p:txBody>
+          <a:bodyPr vert="horz" lIns="91440" tIns="45720" rIns="91440" bIns="45720" rtlCol="0">
+            <a:normAutofit/>
+          </a:bodyPr>
+          <a:lstStyle>
+            <a:lvl1pPr marL="0" indent="0" algn="ctr" defTabSz="914400" rtl="0" eaLnBrk="1" latinLnBrk="0" hangingPunct="1">
+              <a:lnSpc>
+                <a:spcPct val="90000"/>
+              </a:lnSpc>
+              <a:spcBef>
+                <a:spcPts val="1000"/>
+              </a:spcBef>
+              <a:buFont typeface="Arial" panose="020B0604020202020204" pitchFamily="34" charset="0"/>
+              <a:buNone/>
+              <a:defRPr sz="2400" kern="1200">
+                <a:solidFill>
+                  <a:schemeClr val="tx1"/>
+                </a:solidFill>
+                <a:latin typeface="+mn-lt"/>
+                <a:ea typeface="+mn-ea"/>
+                <a:cs typeface="+mn-cs"/>
+              </a:defRPr>
+            </a:lvl1pPr>
+            <a:lvl2pPr marL="457200" indent="0" algn="ctr" defTabSz="914400" rtl="0" eaLnBrk="1" latinLnBrk="0" hangingPunct="1">
+              <a:lnSpc>
+                <a:spcPct val="90000"/>
+              </a:lnSpc>
+              <a:spcBef>
+                <a:spcPts val="500"/>
+              </a:spcBef>
+              <a:buFont typeface="Arial" panose="020B0604020202020204" pitchFamily="34" charset="0"/>
+              <a:buNone/>
+              <a:defRPr sz="2000" kern="1200">
+                <a:solidFill>
+                  <a:schemeClr val="tx1"/>
+                </a:solidFill>
+                <a:latin typeface="+mn-lt"/>
+                <a:ea typeface="+mn-ea"/>
+                <a:cs typeface="+mn-cs"/>
+              </a:defRPr>
+            </a:lvl2pPr>
+            <a:lvl3pPr marL="914400" indent="0" algn="ctr" defTabSz="914400" rtl="0" eaLnBrk="1" latinLnBrk="0" hangingPunct="1">
+              <a:lnSpc>
+                <a:spcPct val="90000"/>
+              </a:lnSpc>
+              <a:spcBef>
+                <a:spcPts val="500"/>
+              </a:spcBef>
+              <a:buFont typeface="Arial" panose="020B0604020202020204" pitchFamily="34" charset="0"/>
+              <a:buNone/>
+              <a:defRPr sz="1800" kern="1200">
+                <a:solidFill>
+                  <a:schemeClr val="tx1"/>
+                </a:solidFill>
+                <a:latin typeface="+mn-lt"/>
+                <a:ea typeface="+mn-ea"/>
+                <a:cs typeface="+mn-cs"/>
+              </a:defRPr>
+            </a:lvl3pPr>
+            <a:lvl4pPr marL="1371600" indent="0" algn="ctr" defTabSz="914400" rtl="0" eaLnBrk="1" latinLnBrk="0" hangingPunct="1">
+              <a:lnSpc>
+                <a:spcPct val="90000"/>
+              </a:lnSpc>
+              <a:spcBef>
+                <a:spcPts val="500"/>
+              </a:spcBef>
+              <a:buFont typeface="Arial" panose="020B0604020202020204" pitchFamily="34" charset="0"/>
+              <a:buNone/>
+              <a:defRPr sz="1600" kern="1200">
+                <a:solidFill>
+                  <a:schemeClr val="tx1"/>
+                </a:solidFill>
+                <a:latin typeface="+mn-lt"/>
+                <a:ea typeface="+mn-ea"/>
+                <a:cs typeface="+mn-cs"/>
+              </a:defRPr>
+            </a:lvl4pPr>
+            <a:lvl5pPr marL="1828800" indent="0" algn="ctr" defTabSz="914400" rtl="0" eaLnBrk="1" latinLnBrk="0" hangingPunct="1">
+              <a:lnSpc>
+                <a:spcPct val="90000"/>
+              </a:lnSpc>
+              <a:spcBef>
+                <a:spcPts val="500"/>
+              </a:spcBef>
+              <a:buFont typeface="Arial" panose="020B0604020202020204" pitchFamily="34" charset="0"/>
+              <a:buNone/>
+              <a:defRPr sz="1600" kern="1200">
+                <a:solidFill>
+                  <a:schemeClr val="tx1"/>
+                </a:solidFill>
+                <a:latin typeface="+mn-lt"/>
+                <a:ea typeface="+mn-ea"/>
+                <a:cs typeface="+mn-cs"/>
+              </a:defRPr>
+            </a:lvl5pPr>
+            <a:lvl6pPr marL="2286000" indent="0" algn="ctr" defTabSz="914400" rtl="0" eaLnBrk="1" latinLnBrk="0" hangingPunct="1">
+              <a:lnSpc>
+                <a:spcPct val="90000"/>
+              </a:lnSpc>
+              <a:spcBef>
+                <a:spcPts val="500"/>
+              </a:spcBef>
+              <a:buFont typeface="Arial" panose="020B0604020202020204" pitchFamily="34" charset="0"/>
+              <a:buNone/>
+              <a:defRPr sz="1600" kern="1200">
+                <a:solidFill>
+                  <a:schemeClr val="tx1"/>
+                </a:solidFill>
+                <a:latin typeface="+mn-lt"/>
+                <a:ea typeface="+mn-ea"/>
+                <a:cs typeface="+mn-cs"/>
+              </a:defRPr>
+            </a:lvl6pPr>
+            <a:lvl7pPr marL="2743200" indent="0" algn="ctr" defTabSz="914400" rtl="0" eaLnBrk="1" latinLnBrk="0" hangingPunct="1">
+              <a:lnSpc>
+                <a:spcPct val="90000"/>
+              </a:lnSpc>
+              <a:spcBef>
+                <a:spcPts val="500"/>
+              </a:spcBef>
+              <a:buFont typeface="Arial" panose="020B0604020202020204" pitchFamily="34" charset="0"/>
+              <a:buNone/>
+              <a:defRPr sz="1600" kern="1200">
+                <a:solidFill>
+                  <a:schemeClr val="tx1"/>
+                </a:solidFill>
+                <a:latin typeface="+mn-lt"/>
+                <a:ea typeface="+mn-ea"/>
+                <a:cs typeface="+mn-cs"/>
+              </a:defRPr>
+            </a:lvl7pPr>
+            <a:lvl8pPr marL="3200400" indent="0" algn="ctr" defTabSz="914400" rtl="0" eaLnBrk="1" latinLnBrk="0" hangingPunct="1">
+              <a:lnSpc>
+                <a:spcPct val="90000"/>
+              </a:lnSpc>
+              <a:spcBef>
+                <a:spcPts val="500"/>
+              </a:spcBef>
+              <a:buFont typeface="Arial" panose="020B0604020202020204" pitchFamily="34" charset="0"/>
+              <a:buNone/>
+              <a:defRPr sz="1600" kern="1200">
+                <a:solidFill>
+                  <a:schemeClr val="tx1"/>
+                </a:solidFill>
+                <a:latin typeface="+mn-lt"/>
+                <a:ea typeface="+mn-ea"/>
+                <a:cs typeface="+mn-cs"/>
+              </a:defRPr>
+            </a:lvl8pPr>
+            <a:lvl9pPr marL="3657600" indent="0" algn="ctr" defTabSz="914400" rtl="0" eaLnBrk="1" latinLnBrk="0" hangingPunct="1">
+              <a:lnSpc>
+                <a:spcPct val="90000"/>
+              </a:lnSpc>
+              <a:spcBef>
+                <a:spcPts val="500"/>
+              </a:spcBef>
+              <a:buFont typeface="Arial" panose="020B0604020202020204" pitchFamily="34" charset="0"/>
+              <a:buNone/>
+              <a:defRPr sz="1600" kern="1200">
+                <a:solidFill>
+                  <a:schemeClr val="tx1"/>
+                </a:solidFill>
+                <a:latin typeface="+mn-lt"/>
+                <a:ea typeface="+mn-ea"/>
+                <a:cs typeface="+mn-cs"/>
+              </a:defRPr>
+            </a:lvl9pPr>
+          </a:lstStyle>
+          <a:p>
+            <a:r>
+              <a:rPr lang="ru-RU" dirty="0"/>
+              <a:t>Воронеж, 2020</a:t>
+            </a:r>
+          </a:p>
+        </p:txBody>
+      </p:sp>
+      <p:sp>
+        <p:nvSpPr>
+          <p:cNvPr id="5" name="Подзаголовок 2">
+            <a:extLst>
+              <a:ext uri="{FF2B5EF4-FFF2-40B4-BE49-F238E27FC236}">
+                <a16:creationId xmlns:a16="http://schemas.microsoft.com/office/drawing/2014/main" id="{F6D1A47E-B44B-44E8-8086-191B46DD13DF}"/>
+              </a:ext>
+            </a:extLst>
+          </p:cNvPr>
+          <p:cNvSpPr txBox="1">
+            <a:spLocks/>
+          </p:cNvSpPr>
+          <p:nvPr/>
+        </p:nvSpPr>
+        <p:spPr>
+          <a:xfrm>
+            <a:off x="1524000" y="108012"/>
+            <a:ext cx="9144000" cy="1350068"/>
+          </a:xfrm>
+          <a:prstGeom prst="rect">
+            <a:avLst/>
+          </a:prstGeom>
+        </p:spPr>
+        <p:txBody>
+          <a:bodyPr vert="horz" lIns="91440" tIns="45720" rIns="91440" bIns="45720" numCol="1" rtlCol="0">
+            <a:normAutofit fontScale="55000" lnSpcReduction="20000"/>
+          </a:bodyPr>
+          <a:lstStyle>
+            <a:lvl1pPr marL="0" indent="0" algn="ctr" defTabSz="914400" rtl="0" eaLnBrk="1" latinLnBrk="0" hangingPunct="1">
+              <a:lnSpc>
+                <a:spcPct val="90000"/>
+              </a:lnSpc>
+              <a:spcBef>
+                <a:spcPts val="1000"/>
+              </a:spcBef>
+              <a:buFont typeface="Arial" panose="020B0604020202020204" pitchFamily="34" charset="0"/>
+              <a:buNone/>
+              <a:defRPr sz="2400" kern="1200">
+                <a:solidFill>
+                  <a:schemeClr val="tx1"/>
+                </a:solidFill>
+                <a:latin typeface="+mn-lt"/>
+                <a:ea typeface="+mn-ea"/>
+                <a:cs typeface="+mn-cs"/>
+              </a:defRPr>
+            </a:lvl1pPr>
+            <a:lvl2pPr marL="457200" indent="0" algn="ctr" defTabSz="914400" rtl="0" eaLnBrk="1" latinLnBrk="0" hangingPunct="1">
+              <a:lnSpc>
+                <a:spcPct val="90000"/>
+              </a:lnSpc>
+              <a:spcBef>
+                <a:spcPts val="500"/>
+              </a:spcBef>
+              <a:buFont typeface="Arial" panose="020B0604020202020204" pitchFamily="34" charset="0"/>
+              <a:buNone/>
+              <a:defRPr sz="2000" kern="1200">
+                <a:solidFill>
+                  <a:schemeClr val="tx1"/>
+                </a:solidFill>
+                <a:latin typeface="+mn-lt"/>
+                <a:ea typeface="+mn-ea"/>
+                <a:cs typeface="+mn-cs"/>
+              </a:defRPr>
+            </a:lvl2pPr>
+            <a:lvl3pPr marL="914400" indent="0" algn="ctr" defTabSz="914400" rtl="0" eaLnBrk="1" latinLnBrk="0" hangingPunct="1">
+              <a:lnSpc>
+                <a:spcPct val="90000"/>
+              </a:lnSpc>
+              <a:spcBef>
+                <a:spcPts val="500"/>
+              </a:spcBef>
+              <a:buFont typeface="Arial" panose="020B0604020202020204" pitchFamily="34" charset="0"/>
+              <a:buNone/>
+              <a:defRPr sz="1800" kern="1200">
+                <a:solidFill>
+                  <a:schemeClr val="tx1"/>
+                </a:solidFill>
+                <a:latin typeface="+mn-lt"/>
+                <a:ea typeface="+mn-ea"/>
+                <a:cs typeface="+mn-cs"/>
+              </a:defRPr>
+            </a:lvl3pPr>
+            <a:lvl4pPr marL="1371600" indent="0" algn="ctr" defTabSz="914400" rtl="0" eaLnBrk="1" latinLnBrk="0" hangingPunct="1">
+              <a:lnSpc>
+                <a:spcPct val="90000"/>
+              </a:lnSpc>
+              <a:spcBef>
+                <a:spcPts val="500"/>
+              </a:spcBef>
+              <a:buFont typeface="Arial" panose="020B0604020202020204" pitchFamily="34" charset="0"/>
+              <a:buNone/>
+              <a:defRPr sz="1600" kern="1200">
+                <a:solidFill>
+                  <a:schemeClr val="tx1"/>
+                </a:solidFill>
+                <a:latin typeface="+mn-lt"/>
+                <a:ea typeface="+mn-ea"/>
+                <a:cs typeface="+mn-cs"/>
+              </a:defRPr>
+            </a:lvl4pPr>
+            <a:lvl5pPr marL="1828800" indent="0" algn="ctr" defTabSz="914400" rtl="0" eaLnBrk="1" latinLnBrk="0" hangingPunct="1">
+              <a:lnSpc>
+                <a:spcPct val="90000"/>
+              </a:lnSpc>
+              <a:spcBef>
+                <a:spcPts val="500"/>
+              </a:spcBef>
+              <a:buFont typeface="Arial" panose="020B0604020202020204" pitchFamily="34" charset="0"/>
+              <a:buNone/>
+              <a:defRPr sz="1600" kern="1200">
+                <a:solidFill>
+                  <a:schemeClr val="tx1"/>
+                </a:solidFill>
+                <a:latin typeface="+mn-lt"/>
+                <a:ea typeface="+mn-ea"/>
+                <a:cs typeface="+mn-cs"/>
+              </a:defRPr>
+            </a:lvl5pPr>
+            <a:lvl6pPr marL="2286000" indent="0" algn="ctr" defTabSz="914400" rtl="0" eaLnBrk="1" latinLnBrk="0" hangingPunct="1">
+              <a:lnSpc>
+                <a:spcPct val="90000"/>
+              </a:lnSpc>
+              <a:spcBef>
+                <a:spcPts val="500"/>
+              </a:spcBef>
+              <a:buFont typeface="Arial" panose="020B0604020202020204" pitchFamily="34" charset="0"/>
+              <a:buNone/>
+              <a:defRPr sz="1600" kern="1200">
+                <a:solidFill>
+                  <a:schemeClr val="tx1"/>
+                </a:solidFill>
+                <a:latin typeface="+mn-lt"/>
+                <a:ea typeface="+mn-ea"/>
+                <a:cs typeface="+mn-cs"/>
+              </a:defRPr>
+            </a:lvl6pPr>
+            <a:lvl7pPr marL="2743200" indent="0" algn="ctr" defTabSz="914400" rtl="0" eaLnBrk="1" latinLnBrk="0" hangingPunct="1">
+              <a:lnSpc>
+                <a:spcPct val="90000"/>
+              </a:lnSpc>
+              <a:spcBef>
+                <a:spcPts val="500"/>
+              </a:spcBef>
+              <a:buFont typeface="Arial" panose="020B0604020202020204" pitchFamily="34" charset="0"/>
+              <a:buNone/>
+              <a:defRPr sz="1600" kern="1200">
+                <a:solidFill>
+                  <a:schemeClr val="tx1"/>
+                </a:solidFill>
+                <a:latin typeface="+mn-lt"/>
+                <a:ea typeface="+mn-ea"/>
+                <a:cs typeface="+mn-cs"/>
+              </a:defRPr>
+            </a:lvl7pPr>
+            <a:lvl8pPr marL="3200400" indent="0" algn="ctr" defTabSz="914400" rtl="0" eaLnBrk="1" latinLnBrk="0" hangingPunct="1">
+              <a:lnSpc>
+                <a:spcPct val="90000"/>
+              </a:lnSpc>
+              <a:spcBef>
+                <a:spcPts val="500"/>
+              </a:spcBef>
+              <a:buFont typeface="Arial" panose="020B0604020202020204" pitchFamily="34" charset="0"/>
+              <a:buNone/>
+              <a:defRPr sz="1600" kern="1200">
+                <a:solidFill>
+                  <a:schemeClr val="tx1"/>
+                </a:solidFill>
+                <a:latin typeface="+mn-lt"/>
+                <a:ea typeface="+mn-ea"/>
+                <a:cs typeface="+mn-cs"/>
+              </a:defRPr>
+            </a:lvl8pPr>
+            <a:lvl9pPr marL="3657600" indent="0" algn="ctr" defTabSz="914400" rtl="0" eaLnBrk="1" latinLnBrk="0" hangingPunct="1">
+              <a:lnSpc>
+                <a:spcPct val="90000"/>
+              </a:lnSpc>
+              <a:spcBef>
+                <a:spcPts val="500"/>
+              </a:spcBef>
+              <a:buFont typeface="Arial" panose="020B0604020202020204" pitchFamily="34" charset="0"/>
+              <a:buNone/>
+              <a:defRPr sz="1600" kern="1200">
+                <a:solidFill>
+                  <a:schemeClr val="tx1"/>
+                </a:solidFill>
+                <a:latin typeface="+mn-lt"/>
+                <a:ea typeface="+mn-ea"/>
+                <a:cs typeface="+mn-cs"/>
+              </a:defRPr>
+            </a:lvl9pPr>
+          </a:lstStyle>
+          <a:p>
+            <a:r>
+              <a:rPr lang="ru-RU" dirty="0"/>
+              <a:t>МИНОБРНАУКИ РОССИИ</a:t>
+            </a:r>
+          </a:p>
+          <a:p>
+            <a:r>
+              <a:rPr lang="ru-RU" dirty="0"/>
+              <a:t>ФЕДЕРАЛЬНОЕ ГОСУДАРСТВЕННОЕ БЮДЖЕТНОЕ ОБРАЗОВАТЕЛЬНОЕ УЧРЕЖДЕНИЕ </a:t>
+            </a:r>
+          </a:p>
+          <a:p>
+            <a:r>
+              <a:rPr lang="ru-RU" dirty="0"/>
+              <a:t>ВЫСШЕГО ОБРАЗОВАНИЯ</a:t>
+            </a:r>
+          </a:p>
+          <a:p>
+            <a:r>
+              <a:rPr lang="ru-RU" dirty="0"/>
+              <a:t>«ВОРОНЕЖСКИЙ ГОСУДАРСТВЕННЫЙ УНИВЕРСИТЕТ»</a:t>
+            </a:r>
+          </a:p>
+          <a:p>
+            <a:r>
+              <a:rPr lang="ru-RU" dirty="0"/>
+              <a:t>(ФГБОУ ВО «ВГУ»)</a:t>
+            </a:r>
           </a:p>
         </p:txBody>
       </p:sp>
     </p:spTree>
     <p:extLst>
       <p:ext uri="{BB962C8B-B14F-4D97-AF65-F5344CB8AC3E}">
-        <p14:creationId xmlns:p14="http://schemas.microsoft.com/office/powerpoint/2010/main" val="2223321977"/>
+        <p14:creationId xmlns:p14="http://schemas.microsoft.com/office/powerpoint/2010/main" val="1781311438"/>
+      </p:ext>
+    </p:extLst>
+  </p:cSld>
+  <p:clrMapOvr>
+    <a:masterClrMapping/>
+  </p:clrMapOvr>
+</p:sld>
+</file>
+
+<file path=ppt/slides/slide10.xml><?xml version="1.0" encoding="utf-8"?>
+<p:sld xmlns:a="http://schemas.openxmlformats.org/drawingml/2006/main" xmlns:r="http://schemas.openxmlformats.org/officeDocument/2006/relationships" xmlns:p="http://schemas.openxmlformats.org/presentationml/2006/main">
+  <p:cSld>
+    <p:spTree>
+      <p:nvGrpSpPr>
+        <p:cNvPr id="1" name=""/>
+        <p:cNvGrpSpPr/>
+        <p:nvPr/>
+      </p:nvGrpSpPr>
+      <p:grpSpPr>
+        <a:xfrm>
+          <a:off x="0" y="0"/>
+          <a:ext cx="0" cy="0"/>
+          <a:chOff x="0" y="0"/>
+          <a:chExt cx="0" cy="0"/>
+        </a:xfrm>
+      </p:grpSpPr>
+      <p:sp>
+        <p:nvSpPr>
+          <p:cNvPr id="2" name="Заголовок 1">
+            <a:extLst>
+              <a:ext uri="{FF2B5EF4-FFF2-40B4-BE49-F238E27FC236}">
+                <a16:creationId xmlns:a16="http://schemas.microsoft.com/office/drawing/2014/main" id="{AE5ECD35-CEDC-4A5A-ACCE-3FB198D06F9B}"/>
+              </a:ext>
+            </a:extLst>
+          </p:cNvPr>
+          <p:cNvSpPr>
+            <a:spLocks noGrp="1"/>
+          </p:cNvSpPr>
+          <p:nvPr>
+            <p:ph type="title"/>
+          </p:nvPr>
+        </p:nvSpPr>
+        <p:spPr/>
+        <p:txBody>
+          <a:bodyPr/>
+          <a:lstStyle/>
+          <a:p>
+            <a:r>
+              <a:rPr lang="ru-RU" dirty="0"/>
+              <a:t>Выбранные инструменты</a:t>
+            </a:r>
+          </a:p>
+        </p:txBody>
+      </p:sp>
+      <p:sp>
+        <p:nvSpPr>
+          <p:cNvPr id="3" name="Объект 2">
+            <a:extLst>
+              <a:ext uri="{FF2B5EF4-FFF2-40B4-BE49-F238E27FC236}">
+                <a16:creationId xmlns:a16="http://schemas.microsoft.com/office/drawing/2014/main" id="{E23D0A59-BF1F-48EF-A71F-F49D1C696A1F}"/>
+              </a:ext>
+            </a:extLst>
+          </p:cNvPr>
+          <p:cNvSpPr>
+            <a:spLocks noGrp="1"/>
+          </p:cNvSpPr>
+          <p:nvPr>
+            <p:ph idx="1"/>
+          </p:nvPr>
+        </p:nvSpPr>
+        <p:spPr>
+          <a:xfrm>
+            <a:off x="838200" y="1825625"/>
+            <a:ext cx="5257800" cy="4351338"/>
+          </a:xfrm>
+        </p:spPr>
+        <p:txBody>
+          <a:bodyPr anchor="t"/>
+          <a:lstStyle/>
+          <a:p>
+            <a:pPr marL="0" indent="0" algn="ctr">
+              <a:buNone/>
+            </a:pPr>
+            <a:r>
+              <a:rPr lang="ru-RU" dirty="0"/>
+              <a:t>Клиентская часть</a:t>
+            </a:r>
+          </a:p>
+          <a:p>
+            <a:r>
+              <a:rPr lang="en-US" dirty="0"/>
+              <a:t>HTML</a:t>
+            </a:r>
+          </a:p>
+          <a:p>
+            <a:r>
+              <a:rPr lang="en-US" dirty="0"/>
+              <a:t>CSS</a:t>
+            </a:r>
+          </a:p>
+          <a:p>
+            <a:r>
+              <a:rPr lang="en-US" dirty="0"/>
+              <a:t>JavaScript</a:t>
+            </a:r>
+            <a:endParaRPr lang="ru-RU" dirty="0"/>
+          </a:p>
+        </p:txBody>
+      </p:sp>
+      <p:sp>
+        <p:nvSpPr>
+          <p:cNvPr id="4" name="Номер слайда 3">
+            <a:extLst>
+              <a:ext uri="{FF2B5EF4-FFF2-40B4-BE49-F238E27FC236}">
+                <a16:creationId xmlns:a16="http://schemas.microsoft.com/office/drawing/2014/main" id="{638BBF60-4DD0-45D7-8B5F-51306F340734}"/>
+              </a:ext>
+            </a:extLst>
+          </p:cNvPr>
+          <p:cNvSpPr>
+            <a:spLocks noGrp="1"/>
+          </p:cNvSpPr>
+          <p:nvPr>
+            <p:ph type="sldNum" sz="quarter" idx="12"/>
+          </p:nvPr>
+        </p:nvSpPr>
+        <p:spPr/>
+        <p:txBody>
+          <a:bodyPr/>
+          <a:lstStyle/>
+          <a:p>
+            <a:fld id="{FFB6C268-143E-4CE1-AEAF-03F5A77D796B}" type="slidenum">
+              <a:rPr lang="ru-RU" smtClean="0"/>
+              <a:t>10</a:t>
+            </a:fld>
+            <a:endParaRPr lang="ru-RU"/>
+          </a:p>
+        </p:txBody>
+      </p:sp>
+      <p:sp>
+        <p:nvSpPr>
+          <p:cNvPr id="5" name="Объект 2">
+            <a:extLst>
+              <a:ext uri="{FF2B5EF4-FFF2-40B4-BE49-F238E27FC236}">
+                <a16:creationId xmlns:a16="http://schemas.microsoft.com/office/drawing/2014/main" id="{06E3E9E4-DA73-4E59-BC69-58E83752995D}"/>
+              </a:ext>
+            </a:extLst>
+          </p:cNvPr>
+          <p:cNvSpPr txBox="1">
+            <a:spLocks/>
+          </p:cNvSpPr>
+          <p:nvPr/>
+        </p:nvSpPr>
+        <p:spPr>
+          <a:xfrm>
+            <a:off x="6096000" y="1825625"/>
+            <a:ext cx="5257800" cy="4351338"/>
+          </a:xfrm>
+          <a:prstGeom prst="rect">
+            <a:avLst/>
+          </a:prstGeom>
+        </p:spPr>
+        <p:txBody>
+          <a:bodyPr vert="horz" lIns="91440" tIns="45720" rIns="91440" bIns="45720" rtlCol="0">
+            <a:normAutofit/>
+          </a:bodyPr>
+          <a:lstStyle>
+            <a:lvl1pPr marL="228600" indent="-228600" algn="l" defTabSz="914400" rtl="0" eaLnBrk="1" latinLnBrk="0" hangingPunct="1">
+              <a:lnSpc>
+                <a:spcPct val="90000"/>
+              </a:lnSpc>
+              <a:spcBef>
+                <a:spcPts val="1000"/>
+              </a:spcBef>
+              <a:buFont typeface="Arial" panose="020B0604020202020204" pitchFamily="34" charset="0"/>
+              <a:buChar char="•"/>
+              <a:defRPr sz="2800" kern="1200">
+                <a:solidFill>
+                  <a:schemeClr val="tx1"/>
+                </a:solidFill>
+                <a:latin typeface="+mn-lt"/>
+                <a:ea typeface="+mn-ea"/>
+                <a:cs typeface="+mn-cs"/>
+              </a:defRPr>
+            </a:lvl1pPr>
+            <a:lvl2pPr marL="685800" indent="-228600" algn="l" defTabSz="914400" rtl="0" eaLnBrk="1" latinLnBrk="0" hangingPunct="1">
+              <a:lnSpc>
+                <a:spcPct val="90000"/>
+              </a:lnSpc>
+              <a:spcBef>
+                <a:spcPts val="500"/>
+              </a:spcBef>
+              <a:buFont typeface="Arial" panose="020B0604020202020204" pitchFamily="34" charset="0"/>
+              <a:buChar char="•"/>
+              <a:defRPr sz="2400" kern="1200">
+                <a:solidFill>
+                  <a:schemeClr val="tx1"/>
+                </a:solidFill>
+                <a:latin typeface="+mn-lt"/>
+                <a:ea typeface="+mn-ea"/>
+                <a:cs typeface="+mn-cs"/>
+              </a:defRPr>
+            </a:lvl2pPr>
+            <a:lvl3pPr marL="1143000" indent="-228600" algn="l" defTabSz="914400" rtl="0" eaLnBrk="1" latinLnBrk="0" hangingPunct="1">
+              <a:lnSpc>
+                <a:spcPct val="90000"/>
+              </a:lnSpc>
+              <a:spcBef>
+                <a:spcPts val="500"/>
+              </a:spcBef>
+              <a:buFont typeface="Arial" panose="020B0604020202020204" pitchFamily="34" charset="0"/>
+              <a:buChar char="•"/>
+              <a:defRPr sz="2000" kern="1200">
+                <a:solidFill>
+                  <a:schemeClr val="tx1"/>
+                </a:solidFill>
+                <a:latin typeface="+mn-lt"/>
+                <a:ea typeface="+mn-ea"/>
+                <a:cs typeface="+mn-cs"/>
+              </a:defRPr>
+            </a:lvl3pPr>
+            <a:lvl4pPr marL="1600200" indent="-228600" algn="l" defTabSz="914400" rtl="0" eaLnBrk="1" latinLnBrk="0" hangingPunct="1">
+              <a:lnSpc>
+                <a:spcPct val="90000"/>
+              </a:lnSpc>
+              <a:spcBef>
+                <a:spcPts val="500"/>
+              </a:spcBef>
+              <a:buFont typeface="Arial" panose="020B0604020202020204" pitchFamily="34" charset="0"/>
+              <a:buChar char="•"/>
+              <a:defRPr sz="1800" kern="1200">
+                <a:solidFill>
+                  <a:schemeClr val="tx1"/>
+                </a:solidFill>
+                <a:latin typeface="+mn-lt"/>
+                <a:ea typeface="+mn-ea"/>
+                <a:cs typeface="+mn-cs"/>
+              </a:defRPr>
+            </a:lvl4pPr>
+            <a:lvl5pPr marL="2057400" indent="-228600" algn="l" defTabSz="914400" rtl="0" eaLnBrk="1" latinLnBrk="0" hangingPunct="1">
+              <a:lnSpc>
+                <a:spcPct val="90000"/>
+              </a:lnSpc>
+              <a:spcBef>
+                <a:spcPts val="500"/>
+              </a:spcBef>
+              <a:buFont typeface="Arial" panose="020B0604020202020204" pitchFamily="34" charset="0"/>
+              <a:buChar char="•"/>
+              <a:defRPr sz="1800" kern="1200">
+                <a:solidFill>
+                  <a:schemeClr val="tx1"/>
+                </a:solidFill>
+                <a:latin typeface="+mn-lt"/>
+                <a:ea typeface="+mn-ea"/>
+                <a:cs typeface="+mn-cs"/>
+              </a:defRPr>
+            </a:lvl5pPr>
+            <a:lvl6pPr marL="2514600" indent="-228600" algn="l" defTabSz="914400" rtl="0" eaLnBrk="1" latinLnBrk="0" hangingPunct="1">
+              <a:lnSpc>
+                <a:spcPct val="90000"/>
+              </a:lnSpc>
+              <a:spcBef>
+                <a:spcPts val="500"/>
+              </a:spcBef>
+              <a:buFont typeface="Arial" panose="020B0604020202020204" pitchFamily="34" charset="0"/>
+              <a:buChar char="•"/>
+              <a:defRPr sz="1800" kern="1200">
+                <a:solidFill>
+                  <a:schemeClr val="tx1"/>
+                </a:solidFill>
+                <a:latin typeface="+mn-lt"/>
+                <a:ea typeface="+mn-ea"/>
+                <a:cs typeface="+mn-cs"/>
+              </a:defRPr>
+            </a:lvl6pPr>
+            <a:lvl7pPr marL="2971800" indent="-228600" algn="l" defTabSz="914400" rtl="0" eaLnBrk="1" latinLnBrk="0" hangingPunct="1">
+              <a:lnSpc>
+                <a:spcPct val="90000"/>
+              </a:lnSpc>
+              <a:spcBef>
+                <a:spcPts val="500"/>
+              </a:spcBef>
+              <a:buFont typeface="Arial" panose="020B0604020202020204" pitchFamily="34" charset="0"/>
+              <a:buChar char="•"/>
+              <a:defRPr sz="1800" kern="1200">
+                <a:solidFill>
+                  <a:schemeClr val="tx1"/>
+                </a:solidFill>
+                <a:latin typeface="+mn-lt"/>
+                <a:ea typeface="+mn-ea"/>
+                <a:cs typeface="+mn-cs"/>
+              </a:defRPr>
+            </a:lvl7pPr>
+            <a:lvl8pPr marL="3429000" indent="-228600" algn="l" defTabSz="914400" rtl="0" eaLnBrk="1" latinLnBrk="0" hangingPunct="1">
+              <a:lnSpc>
+                <a:spcPct val="90000"/>
+              </a:lnSpc>
+              <a:spcBef>
+                <a:spcPts val="500"/>
+              </a:spcBef>
+              <a:buFont typeface="Arial" panose="020B0604020202020204" pitchFamily="34" charset="0"/>
+              <a:buChar char="•"/>
+              <a:defRPr sz="1800" kern="1200">
+                <a:solidFill>
+                  <a:schemeClr val="tx1"/>
+                </a:solidFill>
+                <a:latin typeface="+mn-lt"/>
+                <a:ea typeface="+mn-ea"/>
+                <a:cs typeface="+mn-cs"/>
+              </a:defRPr>
+            </a:lvl8pPr>
+            <a:lvl9pPr marL="3886200" indent="-228600" algn="l" defTabSz="914400" rtl="0" eaLnBrk="1" latinLnBrk="0" hangingPunct="1">
+              <a:lnSpc>
+                <a:spcPct val="90000"/>
+              </a:lnSpc>
+              <a:spcBef>
+                <a:spcPts val="500"/>
+              </a:spcBef>
+              <a:buFont typeface="Arial" panose="020B0604020202020204" pitchFamily="34" charset="0"/>
+              <a:buChar char="•"/>
+              <a:defRPr sz="1800" kern="1200">
+                <a:solidFill>
+                  <a:schemeClr val="tx1"/>
+                </a:solidFill>
+                <a:latin typeface="+mn-lt"/>
+                <a:ea typeface="+mn-ea"/>
+                <a:cs typeface="+mn-cs"/>
+              </a:defRPr>
+            </a:lvl9pPr>
+          </a:lstStyle>
+          <a:p>
+            <a:pPr marL="0" indent="0" algn="ctr">
+              <a:buNone/>
+            </a:pPr>
+            <a:r>
+              <a:rPr lang="ru-RU" dirty="0"/>
+              <a:t>Серверная часть</a:t>
+            </a:r>
+            <a:endParaRPr lang="en-US" dirty="0"/>
+          </a:p>
+          <a:p>
+            <a:r>
+              <a:rPr lang="en-US" dirty="0"/>
+              <a:t>Django</a:t>
+            </a:r>
+          </a:p>
+          <a:p>
+            <a:r>
+              <a:rPr lang="en-US" dirty="0"/>
+              <a:t>Django REST Framework</a:t>
+            </a:r>
+          </a:p>
+          <a:p>
+            <a:r>
+              <a:rPr lang="en-US" dirty="0"/>
+              <a:t>MySQL</a:t>
+            </a:r>
+            <a:endParaRPr lang="ru-RU" dirty="0"/>
+          </a:p>
+        </p:txBody>
+      </p:sp>
+    </p:spTree>
+    <p:extLst>
+      <p:ext uri="{BB962C8B-B14F-4D97-AF65-F5344CB8AC3E}">
+        <p14:creationId xmlns:p14="http://schemas.microsoft.com/office/powerpoint/2010/main" val="1991263993"/>
+      </p:ext>
+    </p:extLst>
+  </p:cSld>
+  <p:clrMapOvr>
+    <a:masterClrMapping/>
+  </p:clrMapOvr>
+</p:sld>
+</file>
+
+<file path=ppt/slides/slide11.xml><?xml version="1.0" encoding="utf-8"?>
+<p:sld xmlns:a="http://schemas.openxmlformats.org/drawingml/2006/main" xmlns:r="http://schemas.openxmlformats.org/officeDocument/2006/relationships" xmlns:p="http://schemas.openxmlformats.org/presentationml/2006/main">
+  <p:cSld>
+    <p:spTree>
+      <p:nvGrpSpPr>
+        <p:cNvPr id="1" name=""/>
+        <p:cNvGrpSpPr/>
+        <p:nvPr/>
+      </p:nvGrpSpPr>
+      <p:grpSpPr>
+        <a:xfrm>
+          <a:off x="0" y="0"/>
+          <a:ext cx="0" cy="0"/>
+          <a:chOff x="0" y="0"/>
+          <a:chExt cx="0" cy="0"/>
+        </a:xfrm>
+      </p:grpSpPr>
+      <p:sp>
+        <p:nvSpPr>
+          <p:cNvPr id="2" name="Заголовок 1">
+            <a:extLst>
+              <a:ext uri="{FF2B5EF4-FFF2-40B4-BE49-F238E27FC236}">
+                <a16:creationId xmlns:a16="http://schemas.microsoft.com/office/drawing/2014/main" id="{3B44303D-E2F7-4A4B-B54F-89FA01CE2BA7}"/>
+              </a:ext>
+            </a:extLst>
+          </p:cNvPr>
+          <p:cNvSpPr>
+            <a:spLocks noGrp="1"/>
+          </p:cNvSpPr>
+          <p:nvPr>
+            <p:ph type="title"/>
+          </p:nvPr>
+        </p:nvSpPr>
+        <p:spPr/>
+        <p:txBody>
+          <a:bodyPr/>
+          <a:lstStyle/>
+          <a:p>
+            <a:r>
+              <a:rPr lang="ru-RU" dirty="0"/>
+              <a:t>Серверная часть – </a:t>
+            </a:r>
+            <a:r>
+              <a:rPr lang="en-US" dirty="0"/>
+              <a:t>Django</a:t>
+            </a:r>
+            <a:endParaRPr lang="ru-RU" dirty="0"/>
+          </a:p>
+        </p:txBody>
+      </p:sp>
+      <p:sp>
+        <p:nvSpPr>
+          <p:cNvPr id="4" name="Номер слайда 3">
+            <a:extLst>
+              <a:ext uri="{FF2B5EF4-FFF2-40B4-BE49-F238E27FC236}">
+                <a16:creationId xmlns:a16="http://schemas.microsoft.com/office/drawing/2014/main" id="{FF7BFD40-69AA-4D16-A4D6-05CA774905AA}"/>
+              </a:ext>
+            </a:extLst>
+          </p:cNvPr>
+          <p:cNvSpPr>
+            <a:spLocks noGrp="1"/>
+          </p:cNvSpPr>
+          <p:nvPr>
+            <p:ph type="sldNum" sz="quarter" idx="12"/>
+          </p:nvPr>
+        </p:nvSpPr>
+        <p:spPr/>
+        <p:txBody>
+          <a:bodyPr/>
+          <a:lstStyle/>
+          <a:p>
+            <a:fld id="{FFB6C268-143E-4CE1-AEAF-03F5A77D796B}" type="slidenum">
+              <a:rPr lang="ru-RU" smtClean="0"/>
+              <a:t>11</a:t>
+            </a:fld>
+            <a:endParaRPr lang="ru-RU"/>
+          </a:p>
+        </p:txBody>
+      </p:sp>
+      <p:graphicFrame>
+        <p:nvGraphicFramePr>
+          <p:cNvPr id="14" name="Таблица 14">
+            <a:extLst>
+              <a:ext uri="{FF2B5EF4-FFF2-40B4-BE49-F238E27FC236}">
+                <a16:creationId xmlns:a16="http://schemas.microsoft.com/office/drawing/2014/main" id="{EF5FDA8B-D768-4AFA-978C-5C8E88E3BEC6}"/>
+              </a:ext>
+            </a:extLst>
+          </p:cNvPr>
+          <p:cNvGraphicFramePr>
+            <a:graphicFrameLocks noGrp="1"/>
+          </p:cNvGraphicFramePr>
+          <p:nvPr>
+            <p:extLst>
+              <p:ext uri="{D42A27DB-BD31-4B8C-83A1-F6EECF244321}">
+                <p14:modId xmlns:p14="http://schemas.microsoft.com/office/powerpoint/2010/main" val="2931818466"/>
+              </p:ext>
+            </p:extLst>
+          </p:nvPr>
+        </p:nvGraphicFramePr>
+        <p:xfrm>
+          <a:off x="502920" y="1690688"/>
+          <a:ext cx="11186160" cy="4665662"/>
+        </p:xfrm>
+        <a:graphic>
+          <a:graphicData uri="http://schemas.openxmlformats.org/drawingml/2006/table">
+            <a:tbl>
+              <a:tblPr firstRow="1" bandRow="1">
+                <a:tableStyleId>{5940675A-B579-460E-94D1-54222C63F5DA}</a:tableStyleId>
+              </a:tblPr>
+              <a:tblGrid>
+                <a:gridCol w="3408680">
+                  <a:extLst>
+                    <a:ext uri="{9D8B030D-6E8A-4147-A177-3AD203B41FA5}">
+                      <a16:colId xmlns:a16="http://schemas.microsoft.com/office/drawing/2014/main" val="770405815"/>
+                    </a:ext>
+                  </a:extLst>
+                </a:gridCol>
+                <a:gridCol w="7777480">
+                  <a:extLst>
+                    <a:ext uri="{9D8B030D-6E8A-4147-A177-3AD203B41FA5}">
+                      <a16:colId xmlns:a16="http://schemas.microsoft.com/office/drawing/2014/main" val="82574077"/>
+                    </a:ext>
+                  </a:extLst>
+                </a:gridCol>
+              </a:tblGrid>
+              <a:tr h="727666">
+                <a:tc gridSpan="2">
+                  <a:txBody>
+                    <a:bodyPr/>
+                    <a:lstStyle/>
+                    <a:p>
+                      <a:pPr algn="ctr"/>
+                      <a:r>
+                        <a:rPr lang="ru-RU" dirty="0"/>
+                        <a:t>Преимущества </a:t>
+                      </a:r>
+                      <a:r>
+                        <a:rPr lang="en-US" dirty="0"/>
+                        <a:t>Django</a:t>
+                      </a:r>
+                      <a:endParaRPr lang="ru-RU" dirty="0"/>
+                    </a:p>
+                  </a:txBody>
+                  <a:tcPr anchor="ctr"/>
+                </a:tc>
+                <a:tc hMerge="1">
+                  <a:txBody>
+                    <a:bodyPr/>
+                    <a:lstStyle/>
+                    <a:p>
+                      <a:endParaRPr lang="ru-RU" dirty="0"/>
+                    </a:p>
+                  </a:txBody>
+                  <a:tcPr/>
+                </a:tc>
+                <a:extLst>
+                  <a:ext uri="{0D108BD9-81ED-4DB2-BD59-A6C34878D82A}">
+                    <a16:rowId xmlns:a16="http://schemas.microsoft.com/office/drawing/2014/main" val="4057002194"/>
+                  </a:ext>
+                </a:extLst>
+              </a:tr>
+              <a:tr h="1019040">
+                <a:tc>
+                  <a:txBody>
+                    <a:bodyPr/>
+                    <a:lstStyle/>
+                    <a:p>
+                      <a:pPr algn="ctr"/>
+                      <a:r>
+                        <a:rPr lang="ru-RU" dirty="0"/>
+                        <a:t>Принцип «Всё включено»</a:t>
+                      </a:r>
+                    </a:p>
+                  </a:txBody>
+                  <a:tcPr anchor="ctr"/>
+                </a:tc>
+                <a:tc>
+                  <a:txBody>
+                    <a:bodyPr/>
+                    <a:lstStyle/>
+                    <a:p>
+                      <a:pPr algn="ctr"/>
+                      <a:r>
+                        <a:rPr lang="en-US" dirty="0"/>
+                        <a:t>ORM, </a:t>
+                      </a:r>
+                      <a:r>
+                        <a:rPr lang="ru-RU" dirty="0"/>
+                        <a:t>миграции базы данных, аутентификация, панель администратора, формы</a:t>
+                      </a:r>
+                    </a:p>
+                  </a:txBody>
+                  <a:tcPr anchor="ctr"/>
+                </a:tc>
+                <a:extLst>
+                  <a:ext uri="{0D108BD9-81ED-4DB2-BD59-A6C34878D82A}">
+                    <a16:rowId xmlns:a16="http://schemas.microsoft.com/office/drawing/2014/main" val="806464390"/>
+                  </a:ext>
+                </a:extLst>
+              </a:tr>
+              <a:tr h="582309">
+                <a:tc>
+                  <a:txBody>
+                    <a:bodyPr/>
+                    <a:lstStyle/>
+                    <a:p>
+                      <a:pPr algn="ctr"/>
+                      <a:r>
+                        <a:rPr lang="ru-RU" dirty="0"/>
+                        <a:t>Стандартизированная структура</a:t>
+                      </a:r>
+                    </a:p>
+                  </a:txBody>
+                  <a:tcPr anchor="ctr"/>
+                </a:tc>
+                <a:tc>
+                  <a:txBody>
+                    <a:bodyPr/>
+                    <a:lstStyle/>
+                    <a:p>
+                      <a:pPr algn="ctr"/>
+                      <a:r>
+                        <a:rPr lang="ru-RU" dirty="0"/>
+                        <a:t>Единая структура для всех проектов</a:t>
+                      </a:r>
+                    </a:p>
+                  </a:txBody>
+                  <a:tcPr anchor="ctr"/>
+                </a:tc>
+                <a:extLst>
+                  <a:ext uri="{0D108BD9-81ED-4DB2-BD59-A6C34878D82A}">
+                    <a16:rowId xmlns:a16="http://schemas.microsoft.com/office/drawing/2014/main" val="1372203251"/>
+                  </a:ext>
+                </a:extLst>
+              </a:tr>
+              <a:tr h="1019040">
+                <a:tc>
+                  <a:txBody>
+                    <a:bodyPr/>
+                    <a:lstStyle/>
+                    <a:p>
+                      <a:pPr algn="ctr"/>
+                      <a:r>
+                        <a:rPr lang="ru-RU" dirty="0"/>
+                        <a:t>Приложения </a:t>
+                      </a:r>
+                      <a:r>
+                        <a:rPr lang="en-US" dirty="0"/>
+                        <a:t>Django</a:t>
+                      </a:r>
+                      <a:endParaRPr lang="ru-RU" dirty="0"/>
+                    </a:p>
+                  </a:txBody>
+                  <a:tcPr anchor="ctr"/>
+                </a:tc>
+                <a:tc>
+                  <a:txBody>
+                    <a:bodyPr/>
+                    <a:lstStyle/>
+                    <a:p>
+                      <a:pPr algn="ctr"/>
+                      <a:r>
+                        <a:rPr lang="ru-RU" dirty="0"/>
+                        <a:t>Разделение проекта на независимые приложения</a:t>
+                      </a:r>
+                    </a:p>
+                    <a:p>
+                      <a:pPr algn="ctr"/>
+                      <a:r>
+                        <a:rPr lang="ru-RU" dirty="0"/>
+                        <a:t>Интеграция готовых решений</a:t>
+                      </a:r>
+                    </a:p>
+                  </a:txBody>
+                  <a:tcPr anchor="ctr"/>
+                </a:tc>
+                <a:extLst>
+                  <a:ext uri="{0D108BD9-81ED-4DB2-BD59-A6C34878D82A}">
+                    <a16:rowId xmlns:a16="http://schemas.microsoft.com/office/drawing/2014/main" val="3309514110"/>
+                  </a:ext>
+                </a:extLst>
+              </a:tr>
+              <a:tr h="582309">
+                <a:tc>
+                  <a:txBody>
+                    <a:bodyPr/>
+                    <a:lstStyle/>
+                    <a:p>
+                      <a:pPr algn="ctr"/>
+                      <a:r>
+                        <a:rPr lang="ru-RU" dirty="0"/>
+                        <a:t>Безопасность</a:t>
+                      </a:r>
+                    </a:p>
+                  </a:txBody>
+                  <a:tcPr anchor="ctr"/>
+                </a:tc>
+                <a:tc>
+                  <a:txBody>
+                    <a:bodyPr/>
+                    <a:lstStyle/>
+                    <a:p>
+                      <a:pPr algn="ctr"/>
+                      <a:r>
+                        <a:rPr lang="ru-RU" dirty="0"/>
+                        <a:t>Защита от </a:t>
+                      </a:r>
+                      <a:r>
+                        <a:rPr lang="en-US" dirty="0"/>
+                        <a:t>SQL-</a:t>
+                      </a:r>
+                      <a:r>
+                        <a:rPr lang="ru-RU" dirty="0"/>
+                        <a:t>инъекций (</a:t>
+                      </a:r>
+                      <a:r>
+                        <a:rPr lang="en-US" dirty="0"/>
+                        <a:t>XSS) </a:t>
+                      </a:r>
+                      <a:r>
+                        <a:rPr lang="ru-RU" dirty="0"/>
+                        <a:t>и подделки межсайтовых запросов (</a:t>
+                      </a:r>
+                      <a:r>
+                        <a:rPr lang="en-US" dirty="0"/>
+                        <a:t>CSRF)</a:t>
+                      </a:r>
+                      <a:endParaRPr lang="ru-RU" dirty="0"/>
+                    </a:p>
+                  </a:txBody>
+                  <a:tcPr anchor="ctr"/>
+                </a:tc>
+                <a:extLst>
+                  <a:ext uri="{0D108BD9-81ED-4DB2-BD59-A6C34878D82A}">
+                    <a16:rowId xmlns:a16="http://schemas.microsoft.com/office/drawing/2014/main" val="1279112339"/>
+                  </a:ext>
+                </a:extLst>
+              </a:tr>
+              <a:tr h="735298">
+                <a:tc>
+                  <a:txBody>
+                    <a:bodyPr/>
+                    <a:lstStyle/>
+                    <a:p>
+                      <a:pPr algn="ctr"/>
+                      <a:r>
+                        <a:rPr lang="en-US" dirty="0"/>
+                        <a:t>Django REST Framework</a:t>
+                      </a:r>
+                      <a:endParaRPr lang="ru-RU" dirty="0"/>
+                    </a:p>
+                  </a:txBody>
+                  <a:tcPr anchor="ctr"/>
+                </a:tc>
+                <a:tc>
+                  <a:txBody>
+                    <a:bodyPr/>
+                    <a:lstStyle/>
+                    <a:p>
+                      <a:pPr algn="ctr"/>
+                      <a:r>
+                        <a:rPr lang="ru-RU" dirty="0"/>
+                        <a:t>Модульная и настраиваемая архитектура для создания простых и сложных </a:t>
+                      </a:r>
+                      <a:r>
+                        <a:rPr lang="en-US" dirty="0"/>
+                        <a:t>API</a:t>
+                      </a:r>
+                      <a:endParaRPr lang="ru-RU" dirty="0"/>
+                    </a:p>
+                  </a:txBody>
+                  <a:tcPr anchor="ctr"/>
+                </a:tc>
+                <a:extLst>
+                  <a:ext uri="{0D108BD9-81ED-4DB2-BD59-A6C34878D82A}">
+                    <a16:rowId xmlns:a16="http://schemas.microsoft.com/office/drawing/2014/main" val="2948973040"/>
+                  </a:ext>
+                </a:extLst>
+              </a:tr>
+            </a:tbl>
+          </a:graphicData>
+        </a:graphic>
+      </p:graphicFrame>
+    </p:spTree>
+    <p:extLst>
+      <p:ext uri="{BB962C8B-B14F-4D97-AF65-F5344CB8AC3E}">
+        <p14:creationId xmlns:p14="http://schemas.microsoft.com/office/powerpoint/2010/main" val="2436261336"/>
+      </p:ext>
+    </p:extLst>
+  </p:cSld>
+  <p:clrMapOvr>
+    <a:masterClrMapping/>
+  </p:clrMapOvr>
+</p:sld>
+</file>
+
+<file path=ppt/slides/slide12.xml><?xml version="1.0" encoding="utf-8"?>
+<p:sld xmlns:a="http://schemas.openxmlformats.org/drawingml/2006/main" xmlns:r="http://schemas.openxmlformats.org/officeDocument/2006/relationships" xmlns:p="http://schemas.openxmlformats.org/presentationml/2006/main">
+  <p:cSld>
+    <p:spTree>
+      <p:nvGrpSpPr>
+        <p:cNvPr id="1" name=""/>
+        <p:cNvGrpSpPr/>
+        <p:nvPr/>
+      </p:nvGrpSpPr>
+      <p:grpSpPr>
+        <a:xfrm>
+          <a:off x="0" y="0"/>
+          <a:ext cx="0" cy="0"/>
+          <a:chOff x="0" y="0"/>
+          <a:chExt cx="0" cy="0"/>
+        </a:xfrm>
+      </p:grpSpPr>
+      <p:sp>
+        <p:nvSpPr>
+          <p:cNvPr id="2" name="Заголовок 1">
+            <a:extLst>
+              <a:ext uri="{FF2B5EF4-FFF2-40B4-BE49-F238E27FC236}">
+                <a16:creationId xmlns:a16="http://schemas.microsoft.com/office/drawing/2014/main" id="{3B44303D-E2F7-4A4B-B54F-89FA01CE2BA7}"/>
+              </a:ext>
+            </a:extLst>
+          </p:cNvPr>
+          <p:cNvSpPr>
+            <a:spLocks noGrp="1"/>
+          </p:cNvSpPr>
+          <p:nvPr>
+            <p:ph type="title"/>
+          </p:nvPr>
+        </p:nvSpPr>
+        <p:spPr/>
+        <p:txBody>
+          <a:bodyPr/>
+          <a:lstStyle/>
+          <a:p>
+            <a:r>
+              <a:rPr lang="ru-RU" dirty="0"/>
+              <a:t>Серверная часть – </a:t>
+            </a:r>
+            <a:r>
+              <a:rPr lang="en-US" dirty="0"/>
+              <a:t>Django</a:t>
+            </a:r>
+            <a:r>
+              <a:rPr lang="ru-RU" dirty="0"/>
+              <a:t> </a:t>
+            </a:r>
+            <a:r>
+              <a:rPr lang="en-US" dirty="0"/>
+              <a:t>REST Framework</a:t>
+            </a:r>
+            <a:endParaRPr lang="ru-RU" dirty="0"/>
+          </a:p>
+        </p:txBody>
+      </p:sp>
+      <p:sp>
+        <p:nvSpPr>
+          <p:cNvPr id="4" name="Номер слайда 3">
+            <a:extLst>
+              <a:ext uri="{FF2B5EF4-FFF2-40B4-BE49-F238E27FC236}">
+                <a16:creationId xmlns:a16="http://schemas.microsoft.com/office/drawing/2014/main" id="{FF7BFD40-69AA-4D16-A4D6-05CA774905AA}"/>
+              </a:ext>
+            </a:extLst>
+          </p:cNvPr>
+          <p:cNvSpPr>
+            <a:spLocks noGrp="1"/>
+          </p:cNvSpPr>
+          <p:nvPr>
+            <p:ph type="sldNum" sz="quarter" idx="12"/>
+          </p:nvPr>
+        </p:nvSpPr>
+        <p:spPr/>
+        <p:txBody>
+          <a:bodyPr/>
+          <a:lstStyle/>
+          <a:p>
+            <a:fld id="{FFB6C268-143E-4CE1-AEAF-03F5A77D796B}" type="slidenum">
+              <a:rPr lang="ru-RU" smtClean="0"/>
+              <a:t>12</a:t>
+            </a:fld>
+            <a:endParaRPr lang="ru-RU"/>
+          </a:p>
+        </p:txBody>
+      </p:sp>
+      <p:graphicFrame>
+        <p:nvGraphicFramePr>
+          <p:cNvPr id="14" name="Таблица 14">
+            <a:extLst>
+              <a:ext uri="{FF2B5EF4-FFF2-40B4-BE49-F238E27FC236}">
+                <a16:creationId xmlns:a16="http://schemas.microsoft.com/office/drawing/2014/main" id="{EF5FDA8B-D768-4AFA-978C-5C8E88E3BEC6}"/>
+              </a:ext>
+            </a:extLst>
+          </p:cNvPr>
+          <p:cNvGraphicFramePr>
+            <a:graphicFrameLocks noGrp="1"/>
+          </p:cNvGraphicFramePr>
+          <p:nvPr>
+            <p:extLst>
+              <p:ext uri="{D42A27DB-BD31-4B8C-83A1-F6EECF244321}">
+                <p14:modId xmlns:p14="http://schemas.microsoft.com/office/powerpoint/2010/main" val="372003349"/>
+              </p:ext>
+            </p:extLst>
+          </p:nvPr>
+        </p:nvGraphicFramePr>
+        <p:xfrm>
+          <a:off x="502920" y="1690689"/>
+          <a:ext cx="11186160" cy="4665662"/>
+        </p:xfrm>
+        <a:graphic>
+          <a:graphicData uri="http://schemas.openxmlformats.org/drawingml/2006/table">
+            <a:tbl>
+              <a:tblPr firstRow="1" bandRow="1">
+                <a:tableStyleId>{5940675A-B579-460E-94D1-54222C63F5DA}</a:tableStyleId>
+              </a:tblPr>
+              <a:tblGrid>
+                <a:gridCol w="3408680">
+                  <a:extLst>
+                    <a:ext uri="{9D8B030D-6E8A-4147-A177-3AD203B41FA5}">
+                      <a16:colId xmlns:a16="http://schemas.microsoft.com/office/drawing/2014/main" val="770405815"/>
+                    </a:ext>
+                  </a:extLst>
+                </a:gridCol>
+                <a:gridCol w="7777480">
+                  <a:extLst>
+                    <a:ext uri="{9D8B030D-6E8A-4147-A177-3AD203B41FA5}">
+                      <a16:colId xmlns:a16="http://schemas.microsoft.com/office/drawing/2014/main" val="82574077"/>
+                    </a:ext>
+                  </a:extLst>
+                </a:gridCol>
+              </a:tblGrid>
+              <a:tr h="709316">
+                <a:tc gridSpan="2">
+                  <a:txBody>
+                    <a:bodyPr/>
+                    <a:lstStyle/>
+                    <a:p>
+                      <a:pPr algn="ctr"/>
+                      <a:r>
+                        <a:rPr lang="ru-RU" dirty="0"/>
+                        <a:t>Преимущества </a:t>
+                      </a:r>
+                      <a:r>
+                        <a:rPr lang="en-US" dirty="0"/>
+                        <a:t>Django REST Framework</a:t>
+                      </a:r>
+                      <a:endParaRPr lang="ru-RU" dirty="0"/>
+                    </a:p>
+                  </a:txBody>
+                  <a:tcPr anchor="ctr"/>
+                </a:tc>
+                <a:tc hMerge="1">
+                  <a:txBody>
+                    <a:bodyPr/>
+                    <a:lstStyle/>
+                    <a:p>
+                      <a:endParaRPr lang="ru-RU" dirty="0"/>
+                    </a:p>
+                  </a:txBody>
+                  <a:tcPr/>
+                </a:tc>
+                <a:extLst>
+                  <a:ext uri="{0D108BD9-81ED-4DB2-BD59-A6C34878D82A}">
+                    <a16:rowId xmlns:a16="http://schemas.microsoft.com/office/drawing/2014/main" val="4057002194"/>
+                  </a:ext>
+                </a:extLst>
+              </a:tr>
+              <a:tr h="716757">
+                <a:tc>
+                  <a:txBody>
+                    <a:bodyPr/>
+                    <a:lstStyle/>
+                    <a:p>
+                      <a:pPr algn="ctr"/>
+                      <a:r>
+                        <a:rPr lang="en-US" sz="1800" b="0" i="0" u="none" strike="noStrike" kern="1200" dirty="0">
+                          <a:solidFill>
+                            <a:schemeClr val="tx1"/>
+                          </a:solidFill>
+                          <a:effectLst/>
+                          <a:latin typeface="+mn-lt"/>
+                          <a:ea typeface="+mn-ea"/>
+                          <a:cs typeface="+mn-cs"/>
+                        </a:rPr>
+                        <a:t>Browsable API</a:t>
+                      </a:r>
+                      <a:endParaRPr lang="ru-RU" dirty="0"/>
+                    </a:p>
+                  </a:txBody>
+                  <a:tcPr anchor="ctr"/>
+                </a:tc>
+                <a:tc>
+                  <a:txBody>
+                    <a:bodyPr/>
+                    <a:lstStyle/>
+                    <a:p>
+                      <a:pPr algn="ctr"/>
+                      <a:r>
+                        <a:rPr lang="ru-RU" sz="1800" b="0" i="0" kern="1200" dirty="0">
+                          <a:solidFill>
+                            <a:schemeClr val="tx1"/>
+                          </a:solidFill>
+                          <a:effectLst/>
+                          <a:latin typeface="+mn-lt"/>
+                          <a:ea typeface="+mn-ea"/>
+                          <a:cs typeface="+mn-cs"/>
+                        </a:rPr>
+                        <a:t>Разрабатываемое API автоматически документируется с помощью удобного и понятного для пользователя вывода в формате HTML</a:t>
+                      </a:r>
+                      <a:endParaRPr lang="ru-RU" dirty="0"/>
+                    </a:p>
+                  </a:txBody>
+                  <a:tcPr anchor="ctr"/>
+                </a:tc>
+                <a:extLst>
+                  <a:ext uri="{0D108BD9-81ED-4DB2-BD59-A6C34878D82A}">
+                    <a16:rowId xmlns:a16="http://schemas.microsoft.com/office/drawing/2014/main" val="806464390"/>
+                  </a:ext>
+                </a:extLst>
+              </a:tr>
+              <a:tr h="1023938">
+                <a:tc>
+                  <a:txBody>
+                    <a:bodyPr/>
+                    <a:lstStyle/>
+                    <a:p>
+                      <a:pPr algn="ctr"/>
+                      <a:r>
+                        <a:rPr lang="ru-RU" sz="1800" b="0" i="0" u="none" strike="noStrike" kern="1200" dirty="0">
+                          <a:solidFill>
+                            <a:schemeClr val="tx1"/>
+                          </a:solidFill>
+                          <a:effectLst/>
+                          <a:latin typeface="+mn-lt"/>
+                          <a:ea typeface="+mn-ea"/>
+                          <a:cs typeface="+mn-cs"/>
+                        </a:rPr>
+                        <a:t>Поддержка аутентификации</a:t>
+                      </a:r>
+                      <a:endParaRPr lang="ru-RU" dirty="0"/>
+                    </a:p>
+                  </a:txBody>
+                  <a:tcPr anchor="ctr"/>
+                </a:tc>
+                <a:tc>
+                  <a:txBody>
+                    <a:bodyPr/>
+                    <a:lstStyle/>
+                    <a:p>
+                      <a:pPr algn="ctr"/>
+                      <a:r>
+                        <a:rPr lang="ru-RU" sz="1800" b="0" i="0" kern="1200" dirty="0">
+                          <a:solidFill>
+                            <a:schemeClr val="tx1"/>
+                          </a:solidFill>
+                          <a:effectLst/>
+                          <a:latin typeface="+mn-lt"/>
+                          <a:ea typeface="+mn-ea"/>
+                          <a:cs typeface="+mn-cs"/>
+                        </a:rPr>
+                        <a:t>Имеет расширенную поддержку различных протоколов аутентификации, а также политик разрешений и регулирования, которые можно настраивать для каждого отображения отдельно</a:t>
+                      </a:r>
+                      <a:endParaRPr lang="ru-RU" dirty="0"/>
+                    </a:p>
+                  </a:txBody>
+                  <a:tcPr anchor="ctr"/>
+                </a:tc>
+                <a:extLst>
+                  <a:ext uri="{0D108BD9-81ED-4DB2-BD59-A6C34878D82A}">
+                    <a16:rowId xmlns:a16="http://schemas.microsoft.com/office/drawing/2014/main" val="1372203251"/>
+                  </a:ext>
+                </a:extLst>
+              </a:tr>
+              <a:tr h="1023938">
+                <a:tc>
+                  <a:txBody>
+                    <a:bodyPr/>
+                    <a:lstStyle/>
+                    <a:p>
+                      <a:pPr algn="ctr"/>
+                      <a:r>
+                        <a:rPr lang="ru-RU" sz="1800" b="0" i="0" u="none" kern="1200" dirty="0">
+                          <a:solidFill>
+                            <a:schemeClr val="tx1"/>
+                          </a:solidFill>
+                          <a:effectLst/>
+                          <a:latin typeface="+mn-lt"/>
+                          <a:ea typeface="+mn-ea"/>
+                          <a:cs typeface="+mn-cs"/>
+                        </a:rPr>
+                        <a:t>Сериализаторы</a:t>
+                      </a:r>
+                      <a:endParaRPr lang="ru-RU" u="none" dirty="0"/>
+                    </a:p>
+                  </a:txBody>
+                  <a:tcPr anchor="ctr"/>
+                </a:tc>
+                <a:tc>
+                  <a:txBody>
+                    <a:bodyPr/>
+                    <a:lstStyle/>
+                    <a:p>
+                      <a:pPr algn="ctr"/>
+                      <a:r>
+                        <a:rPr lang="ru-RU" sz="1800" b="0" i="0" kern="1200" dirty="0">
+                          <a:solidFill>
+                            <a:schemeClr val="tx1"/>
+                          </a:solidFill>
+                          <a:effectLst/>
+                          <a:latin typeface="+mn-lt"/>
+                          <a:ea typeface="+mn-ea"/>
+                          <a:cs typeface="+mn-cs"/>
+                        </a:rPr>
+                        <a:t>Структура для преобразования информации, хранящийся в базе данных в и определённую с помощью моделей </a:t>
+                      </a:r>
+                      <a:r>
+                        <a:rPr lang="en-US" sz="1800" b="0" i="0" kern="1200" dirty="0">
+                          <a:solidFill>
+                            <a:schemeClr val="tx1"/>
+                          </a:solidFill>
+                          <a:effectLst/>
+                          <a:latin typeface="+mn-lt"/>
+                          <a:ea typeface="+mn-ea"/>
+                          <a:cs typeface="+mn-cs"/>
+                        </a:rPr>
+                        <a:t>Django</a:t>
+                      </a:r>
+                      <a:r>
+                        <a:rPr lang="ru-RU" sz="1800" b="0" i="0" kern="1200" dirty="0">
+                          <a:solidFill>
+                            <a:schemeClr val="tx1"/>
+                          </a:solidFill>
+                          <a:effectLst/>
+                          <a:latin typeface="+mn-lt"/>
+                          <a:ea typeface="+mn-ea"/>
+                          <a:cs typeface="+mn-cs"/>
+                        </a:rPr>
+                        <a:t>, в формат, который легко и эффективно передается через API и обратно.</a:t>
+                      </a:r>
+                      <a:endParaRPr lang="ru-RU" dirty="0"/>
+                    </a:p>
+                  </a:txBody>
+                  <a:tcPr anchor="ctr"/>
+                </a:tc>
+                <a:extLst>
+                  <a:ext uri="{0D108BD9-81ED-4DB2-BD59-A6C34878D82A}">
+                    <a16:rowId xmlns:a16="http://schemas.microsoft.com/office/drawing/2014/main" val="3309514110"/>
+                  </a:ext>
+                </a:extLst>
+              </a:tr>
+              <a:tr h="1191713">
+                <a:tc>
+                  <a:txBody>
+                    <a:bodyPr/>
+                    <a:lstStyle/>
+                    <a:p>
+                      <a:pPr algn="ctr"/>
+                      <a:r>
+                        <a:rPr lang="en-US" sz="1800" b="0" i="0" u="none" strike="noStrike" kern="1200" dirty="0">
+                          <a:solidFill>
+                            <a:schemeClr val="tx1"/>
+                          </a:solidFill>
+                          <a:effectLst/>
+                          <a:latin typeface="+mn-lt"/>
+                          <a:ea typeface="+mn-ea"/>
+                          <a:cs typeface="+mn-cs"/>
+                        </a:rPr>
+                        <a:t>Throttling</a:t>
+                      </a:r>
+                      <a:endParaRPr lang="ru-RU" dirty="0"/>
+                    </a:p>
+                  </a:txBody>
+                  <a:tcPr anchor="ctr"/>
+                </a:tc>
+                <a:tc>
+                  <a:txBody>
+                    <a:bodyPr/>
+                    <a:lstStyle/>
+                    <a:p>
+                      <a:pPr algn="ctr"/>
+                      <a:r>
+                        <a:rPr lang="ru-RU" sz="1800" b="0" i="0" kern="1200" dirty="0">
+                          <a:solidFill>
+                            <a:schemeClr val="tx1"/>
+                          </a:solidFill>
+                          <a:effectLst/>
+                          <a:latin typeface="+mn-lt"/>
+                          <a:ea typeface="+mn-ea"/>
+                          <a:cs typeface="+mn-cs"/>
+                        </a:rPr>
+                        <a:t>Способ определить, является ли запрос авторизованным или нет, при этом его можно интегрировать с различными разрешениями. Обычно используется для ограничения скорости запросов API от одного пользователя.</a:t>
+                      </a:r>
+                      <a:endParaRPr lang="ru-RU" dirty="0"/>
+                    </a:p>
+                  </a:txBody>
+                  <a:tcPr anchor="ctr"/>
+                </a:tc>
+                <a:extLst>
+                  <a:ext uri="{0D108BD9-81ED-4DB2-BD59-A6C34878D82A}">
+                    <a16:rowId xmlns:a16="http://schemas.microsoft.com/office/drawing/2014/main" val="1279112339"/>
+                  </a:ext>
+                </a:extLst>
+              </a:tr>
+            </a:tbl>
+          </a:graphicData>
+        </a:graphic>
+      </p:graphicFrame>
+    </p:spTree>
+    <p:extLst>
+      <p:ext uri="{BB962C8B-B14F-4D97-AF65-F5344CB8AC3E}">
+        <p14:creationId xmlns:p14="http://schemas.microsoft.com/office/powerpoint/2010/main" val="73195392"/>
+      </p:ext>
+    </p:extLst>
+  </p:cSld>
+  <p:clrMapOvr>
+    <a:masterClrMapping/>
+  </p:clrMapOvr>
+</p:sld>
+</file>
+
+<file path=ppt/slides/slide13.xml><?xml version="1.0" encoding="utf-8"?>
+<p:sld xmlns:a="http://schemas.openxmlformats.org/drawingml/2006/main" xmlns:r="http://schemas.openxmlformats.org/officeDocument/2006/relationships" xmlns:p="http://schemas.openxmlformats.org/presentationml/2006/main">
+  <p:cSld>
+    <p:spTree>
+      <p:nvGrpSpPr>
+        <p:cNvPr id="1" name=""/>
+        <p:cNvGrpSpPr/>
+        <p:nvPr/>
+      </p:nvGrpSpPr>
+      <p:grpSpPr>
+        <a:xfrm>
+          <a:off x="0" y="0"/>
+          <a:ext cx="0" cy="0"/>
+          <a:chOff x="0" y="0"/>
+          <a:chExt cx="0" cy="0"/>
+        </a:xfrm>
+      </p:grpSpPr>
+      <p:sp>
+        <p:nvSpPr>
+          <p:cNvPr id="2" name="Заголовок 1">
+            <a:extLst>
+              <a:ext uri="{FF2B5EF4-FFF2-40B4-BE49-F238E27FC236}">
+                <a16:creationId xmlns:a16="http://schemas.microsoft.com/office/drawing/2014/main" id="{00D34DAC-5149-4782-A444-95DD737E4B00}"/>
+              </a:ext>
+            </a:extLst>
+          </p:cNvPr>
+          <p:cNvSpPr>
+            <a:spLocks noGrp="1"/>
+          </p:cNvSpPr>
+          <p:nvPr>
+            <p:ph type="title"/>
+          </p:nvPr>
+        </p:nvSpPr>
+        <p:spPr/>
+        <p:txBody>
+          <a:bodyPr/>
+          <a:lstStyle/>
+          <a:p>
+            <a:r>
+              <a:rPr lang="ru-RU" dirty="0"/>
+              <a:t>Схема бизнес-логики</a:t>
+            </a:r>
+          </a:p>
+        </p:txBody>
+      </p:sp>
+      <p:sp>
+        <p:nvSpPr>
+          <p:cNvPr id="4" name="Номер слайда 3">
+            <a:extLst>
+              <a:ext uri="{FF2B5EF4-FFF2-40B4-BE49-F238E27FC236}">
+                <a16:creationId xmlns:a16="http://schemas.microsoft.com/office/drawing/2014/main" id="{0116E812-AC40-439C-A481-04BFDE222DFB}"/>
+              </a:ext>
+            </a:extLst>
+          </p:cNvPr>
+          <p:cNvSpPr>
+            <a:spLocks noGrp="1"/>
+          </p:cNvSpPr>
+          <p:nvPr>
+            <p:ph type="sldNum" sz="quarter" idx="12"/>
+          </p:nvPr>
+        </p:nvSpPr>
+        <p:spPr/>
+        <p:txBody>
+          <a:bodyPr/>
+          <a:lstStyle/>
+          <a:p>
+            <a:fld id="{FFB6C268-143E-4CE1-AEAF-03F5A77D796B}" type="slidenum">
+              <a:rPr lang="ru-RU" smtClean="0"/>
+              <a:t>13</a:t>
+            </a:fld>
+            <a:endParaRPr lang="ru-RU"/>
+          </a:p>
+        </p:txBody>
+      </p:sp>
+      <p:pic>
+        <p:nvPicPr>
+          <p:cNvPr id="10" name="Рисунок 9">
+            <a:extLst>
+              <a:ext uri="{FF2B5EF4-FFF2-40B4-BE49-F238E27FC236}">
+                <a16:creationId xmlns:a16="http://schemas.microsoft.com/office/drawing/2014/main" id="{6BAC28FD-BB55-4FA3-B57D-3E3675DD420D}"/>
+              </a:ext>
+            </a:extLst>
+          </p:cNvPr>
+          <p:cNvPicPr>
+            <a:picLocks noChangeAspect="1"/>
+          </p:cNvPicPr>
+          <p:nvPr/>
+        </p:nvPicPr>
+        <p:blipFill>
+          <a:blip r:embed="rId2">
+            <a:extLst>
+              <a:ext uri="{28A0092B-C50C-407E-A947-70E740481C1C}">
+                <a14:useLocalDpi xmlns:a14="http://schemas.microsoft.com/office/drawing/2010/main" val="0"/>
+              </a:ext>
+            </a:extLst>
+          </a:blip>
+          <a:stretch>
+            <a:fillRect/>
+          </a:stretch>
+        </p:blipFill>
+        <p:spPr>
+          <a:xfrm>
+            <a:off x="1084062" y="2546667"/>
+            <a:ext cx="10023876" cy="1764665"/>
+          </a:xfrm>
+          <a:prstGeom prst="rect">
+            <a:avLst/>
+          </a:prstGeom>
+        </p:spPr>
+      </p:pic>
+    </p:spTree>
+    <p:extLst>
+      <p:ext uri="{BB962C8B-B14F-4D97-AF65-F5344CB8AC3E}">
+        <p14:creationId xmlns:p14="http://schemas.microsoft.com/office/powerpoint/2010/main" val="799104756"/>
+      </p:ext>
+    </p:extLst>
+  </p:cSld>
+  <p:clrMapOvr>
+    <a:masterClrMapping/>
+  </p:clrMapOvr>
+</p:sld>
+</file>
+
+<file path=ppt/slides/slide14.xml><?xml version="1.0" encoding="utf-8"?>
+<p:sld xmlns:a="http://schemas.openxmlformats.org/drawingml/2006/main" xmlns:r="http://schemas.openxmlformats.org/officeDocument/2006/relationships" xmlns:p="http://schemas.openxmlformats.org/presentationml/2006/main">
+  <p:cSld>
+    <p:spTree>
+      <p:nvGrpSpPr>
+        <p:cNvPr id="1" name=""/>
+        <p:cNvGrpSpPr/>
+        <p:nvPr/>
+      </p:nvGrpSpPr>
+      <p:grpSpPr>
+        <a:xfrm>
+          <a:off x="0" y="0"/>
+          <a:ext cx="0" cy="0"/>
+          <a:chOff x="0" y="0"/>
+          <a:chExt cx="0" cy="0"/>
+        </a:xfrm>
+      </p:grpSpPr>
+      <p:sp>
+        <p:nvSpPr>
+          <p:cNvPr id="2" name="Заголовок 1">
+            <a:extLst>
+              <a:ext uri="{FF2B5EF4-FFF2-40B4-BE49-F238E27FC236}">
+                <a16:creationId xmlns:a16="http://schemas.microsoft.com/office/drawing/2014/main" id="{7AF195C1-D0C3-4037-BF80-98927FDBE2D1}"/>
+              </a:ext>
+            </a:extLst>
+          </p:cNvPr>
+          <p:cNvSpPr>
+            <a:spLocks noGrp="1"/>
+          </p:cNvSpPr>
+          <p:nvPr>
+            <p:ph type="title"/>
+          </p:nvPr>
+        </p:nvSpPr>
+        <p:spPr/>
+        <p:txBody>
+          <a:bodyPr/>
+          <a:lstStyle/>
+          <a:p>
+            <a:r>
+              <a:rPr lang="ru-RU" dirty="0"/>
+              <a:t>Аналитические воронки</a:t>
+            </a:r>
+          </a:p>
+        </p:txBody>
+      </p:sp>
+      <p:sp>
+        <p:nvSpPr>
+          <p:cNvPr id="4" name="Номер слайда 3">
+            <a:extLst>
+              <a:ext uri="{FF2B5EF4-FFF2-40B4-BE49-F238E27FC236}">
+                <a16:creationId xmlns:a16="http://schemas.microsoft.com/office/drawing/2014/main" id="{380C46A8-C233-4F25-8848-5377EEFF0D0C}"/>
+              </a:ext>
+            </a:extLst>
+          </p:cNvPr>
+          <p:cNvSpPr>
+            <a:spLocks noGrp="1"/>
+          </p:cNvSpPr>
+          <p:nvPr>
+            <p:ph type="sldNum" sz="quarter" idx="12"/>
+          </p:nvPr>
+        </p:nvSpPr>
+        <p:spPr/>
+        <p:txBody>
+          <a:bodyPr/>
+          <a:lstStyle/>
+          <a:p>
+            <a:fld id="{FFB6C268-143E-4CE1-AEAF-03F5A77D796B}" type="slidenum">
+              <a:rPr lang="ru-RU" smtClean="0"/>
+              <a:t>14</a:t>
+            </a:fld>
+            <a:endParaRPr lang="ru-RU"/>
+          </a:p>
+        </p:txBody>
+      </p:sp>
+      <p:pic>
+        <p:nvPicPr>
+          <p:cNvPr id="6" name="Рисунок 5">
+            <a:extLst>
+              <a:ext uri="{FF2B5EF4-FFF2-40B4-BE49-F238E27FC236}">
+                <a16:creationId xmlns:a16="http://schemas.microsoft.com/office/drawing/2014/main" id="{F3DEBCE3-5521-4E27-B7DE-7A5D535659AF}"/>
+              </a:ext>
+            </a:extLst>
+          </p:cNvPr>
+          <p:cNvPicPr>
+            <a:picLocks noChangeAspect="1"/>
+          </p:cNvPicPr>
+          <p:nvPr/>
+        </p:nvPicPr>
+        <p:blipFill>
+          <a:blip r:embed="rId2"/>
+          <a:stretch>
+            <a:fillRect/>
+          </a:stretch>
+        </p:blipFill>
+        <p:spPr>
+          <a:xfrm>
+            <a:off x="0" y="1903823"/>
+            <a:ext cx="6096000" cy="1804578"/>
+          </a:xfrm>
+          <a:prstGeom prst="rect">
+            <a:avLst/>
+          </a:prstGeom>
+        </p:spPr>
+      </p:pic>
+      <p:pic>
+        <p:nvPicPr>
+          <p:cNvPr id="7" name="Рисунок 6">
+            <a:extLst>
+              <a:ext uri="{FF2B5EF4-FFF2-40B4-BE49-F238E27FC236}">
+                <a16:creationId xmlns:a16="http://schemas.microsoft.com/office/drawing/2014/main" id="{7597047E-981E-4740-A782-081B96B4675A}"/>
+              </a:ext>
+            </a:extLst>
+          </p:cNvPr>
+          <p:cNvPicPr>
+            <a:picLocks noChangeAspect="1"/>
+          </p:cNvPicPr>
+          <p:nvPr/>
+        </p:nvPicPr>
+        <p:blipFill>
+          <a:blip r:embed="rId3"/>
+          <a:stretch>
+            <a:fillRect/>
+          </a:stretch>
+        </p:blipFill>
+        <p:spPr>
+          <a:xfrm>
+            <a:off x="0" y="3921536"/>
+            <a:ext cx="6096000" cy="2118931"/>
+          </a:xfrm>
+          <a:prstGeom prst="rect">
+            <a:avLst/>
+          </a:prstGeom>
+        </p:spPr>
+      </p:pic>
+      <p:pic>
+        <p:nvPicPr>
+          <p:cNvPr id="8" name="Рисунок 7">
+            <a:extLst>
+              <a:ext uri="{FF2B5EF4-FFF2-40B4-BE49-F238E27FC236}">
+                <a16:creationId xmlns:a16="http://schemas.microsoft.com/office/drawing/2014/main" id="{A984F72A-880F-4BFB-A449-0078B4F63331}"/>
+              </a:ext>
+            </a:extLst>
+          </p:cNvPr>
+          <p:cNvPicPr>
+            <a:picLocks noChangeAspect="1"/>
+          </p:cNvPicPr>
+          <p:nvPr/>
+        </p:nvPicPr>
+        <p:blipFill>
+          <a:blip r:embed="rId4"/>
+          <a:stretch>
+            <a:fillRect/>
+          </a:stretch>
+        </p:blipFill>
+        <p:spPr>
+          <a:xfrm>
+            <a:off x="6096000" y="1903823"/>
+            <a:ext cx="6096000" cy="2945122"/>
+          </a:xfrm>
+          <a:prstGeom prst="rect">
+            <a:avLst/>
+          </a:prstGeom>
+        </p:spPr>
+      </p:pic>
+      <p:pic>
+        <p:nvPicPr>
+          <p:cNvPr id="9" name="Рисунок 8">
+            <a:extLst>
+              <a:ext uri="{FF2B5EF4-FFF2-40B4-BE49-F238E27FC236}">
+                <a16:creationId xmlns:a16="http://schemas.microsoft.com/office/drawing/2014/main" id="{6C5B4762-2EF2-410C-9CBB-683F3AE4BEAB}"/>
+              </a:ext>
+            </a:extLst>
+          </p:cNvPr>
+          <p:cNvPicPr>
+            <a:picLocks noChangeAspect="1"/>
+          </p:cNvPicPr>
+          <p:nvPr/>
+        </p:nvPicPr>
+        <p:blipFill>
+          <a:blip r:embed="rId5"/>
+          <a:stretch>
+            <a:fillRect/>
+          </a:stretch>
+        </p:blipFill>
+        <p:spPr>
+          <a:xfrm>
+            <a:off x="6096000" y="4981001"/>
+            <a:ext cx="6096000" cy="1430076"/>
+          </a:xfrm>
+          <a:prstGeom prst="rect">
+            <a:avLst/>
+          </a:prstGeom>
+        </p:spPr>
+      </p:pic>
+    </p:spTree>
+    <p:extLst>
+      <p:ext uri="{BB962C8B-B14F-4D97-AF65-F5344CB8AC3E}">
+        <p14:creationId xmlns:p14="http://schemas.microsoft.com/office/powerpoint/2010/main" val="3996032841"/>
+      </p:ext>
+    </p:extLst>
+  </p:cSld>
+  <p:clrMapOvr>
+    <a:masterClrMapping/>
+  </p:clrMapOvr>
+</p:sld>
+</file>
+
+<file path=ppt/slides/slide15.xml><?xml version="1.0" encoding="utf-8"?>
+<p:sld xmlns:a="http://schemas.openxmlformats.org/drawingml/2006/main" xmlns:r="http://schemas.openxmlformats.org/officeDocument/2006/relationships" xmlns:p="http://schemas.openxmlformats.org/presentationml/2006/main">
+  <p:cSld>
+    <p:spTree>
+      <p:nvGrpSpPr>
+        <p:cNvPr id="1" name=""/>
+        <p:cNvGrpSpPr/>
+        <p:nvPr/>
+      </p:nvGrpSpPr>
+      <p:grpSpPr>
+        <a:xfrm>
+          <a:off x="0" y="0"/>
+          <a:ext cx="0" cy="0"/>
+          <a:chOff x="0" y="0"/>
+          <a:chExt cx="0" cy="0"/>
+        </a:xfrm>
+      </p:grpSpPr>
+      <p:sp>
+        <p:nvSpPr>
+          <p:cNvPr id="2" name="Заголовок 1">
+            <a:extLst>
+              <a:ext uri="{FF2B5EF4-FFF2-40B4-BE49-F238E27FC236}">
+                <a16:creationId xmlns:a16="http://schemas.microsoft.com/office/drawing/2014/main" id="{00D34DAC-5149-4782-A444-95DD737E4B00}"/>
+              </a:ext>
+            </a:extLst>
+          </p:cNvPr>
+          <p:cNvSpPr>
+            <a:spLocks noGrp="1"/>
+          </p:cNvSpPr>
+          <p:nvPr>
+            <p:ph type="title"/>
+          </p:nvPr>
+        </p:nvSpPr>
+        <p:spPr/>
+        <p:txBody>
+          <a:bodyPr/>
+          <a:lstStyle/>
+          <a:p>
+            <a:r>
+              <a:rPr lang="ru-RU" dirty="0"/>
+              <a:t>Тестирование</a:t>
+            </a:r>
+          </a:p>
+        </p:txBody>
+      </p:sp>
+      <p:sp>
+        <p:nvSpPr>
+          <p:cNvPr id="3" name="Объект 2">
+            <a:extLst>
+              <a:ext uri="{FF2B5EF4-FFF2-40B4-BE49-F238E27FC236}">
+                <a16:creationId xmlns:a16="http://schemas.microsoft.com/office/drawing/2014/main" id="{E262B5A4-62C4-4D77-8C49-3D5ADDBD74E8}"/>
+              </a:ext>
+            </a:extLst>
+          </p:cNvPr>
+          <p:cNvSpPr>
+            <a:spLocks noGrp="1"/>
+          </p:cNvSpPr>
+          <p:nvPr>
+            <p:ph idx="1"/>
+          </p:nvPr>
+        </p:nvSpPr>
+        <p:spPr/>
+        <p:txBody>
+          <a:bodyPr/>
+          <a:lstStyle/>
+          <a:p>
+            <a:endParaRPr lang="ru-RU" dirty="0"/>
+          </a:p>
+        </p:txBody>
+      </p:sp>
+      <p:sp>
+        <p:nvSpPr>
+          <p:cNvPr id="4" name="Номер слайда 3">
+            <a:extLst>
+              <a:ext uri="{FF2B5EF4-FFF2-40B4-BE49-F238E27FC236}">
+                <a16:creationId xmlns:a16="http://schemas.microsoft.com/office/drawing/2014/main" id="{0116E812-AC40-439C-A481-04BFDE222DFB}"/>
+              </a:ext>
+            </a:extLst>
+          </p:cNvPr>
+          <p:cNvSpPr>
+            <a:spLocks noGrp="1"/>
+          </p:cNvSpPr>
+          <p:nvPr>
+            <p:ph type="sldNum" sz="quarter" idx="12"/>
+          </p:nvPr>
+        </p:nvSpPr>
+        <p:spPr/>
+        <p:txBody>
+          <a:bodyPr/>
+          <a:lstStyle/>
+          <a:p>
+            <a:fld id="{FFB6C268-143E-4CE1-AEAF-03F5A77D796B}" type="slidenum">
+              <a:rPr lang="ru-RU" smtClean="0"/>
+              <a:t>15</a:t>
+            </a:fld>
+            <a:endParaRPr lang="ru-RU"/>
+          </a:p>
+        </p:txBody>
+      </p:sp>
+    </p:spTree>
+    <p:extLst>
+      <p:ext uri="{BB962C8B-B14F-4D97-AF65-F5344CB8AC3E}">
+        <p14:creationId xmlns:p14="http://schemas.microsoft.com/office/powerpoint/2010/main" val="2865905281"/>
+      </p:ext>
+    </p:extLst>
+  </p:cSld>
+  <p:clrMapOvr>
+    <a:masterClrMapping/>
+  </p:clrMapOvr>
+</p:sld>
+</file>
+
+<file path=ppt/slides/slide16.xml><?xml version="1.0" encoding="utf-8"?>
+<p:sld xmlns:a="http://schemas.openxmlformats.org/drawingml/2006/main" xmlns:r="http://schemas.openxmlformats.org/officeDocument/2006/relationships" xmlns:p="http://schemas.openxmlformats.org/presentationml/2006/main">
+  <p:cSld>
+    <p:spTree>
+      <p:nvGrpSpPr>
+        <p:cNvPr id="1" name=""/>
+        <p:cNvGrpSpPr/>
+        <p:nvPr/>
+      </p:nvGrpSpPr>
+      <p:grpSpPr>
+        <a:xfrm>
+          <a:off x="0" y="0"/>
+          <a:ext cx="0" cy="0"/>
+          <a:chOff x="0" y="0"/>
+          <a:chExt cx="0" cy="0"/>
+        </a:xfrm>
+      </p:grpSpPr>
+      <p:sp>
+        <p:nvSpPr>
+          <p:cNvPr id="2" name="Заголовок 1">
+            <a:extLst>
+              <a:ext uri="{FF2B5EF4-FFF2-40B4-BE49-F238E27FC236}">
+                <a16:creationId xmlns:a16="http://schemas.microsoft.com/office/drawing/2014/main" id="{00D34DAC-5149-4782-A444-95DD737E4B00}"/>
+              </a:ext>
+            </a:extLst>
+          </p:cNvPr>
+          <p:cNvSpPr>
+            <a:spLocks noGrp="1"/>
+          </p:cNvSpPr>
+          <p:nvPr>
+            <p:ph type="title"/>
+          </p:nvPr>
+        </p:nvSpPr>
+        <p:spPr/>
+        <p:txBody>
+          <a:bodyPr/>
+          <a:lstStyle/>
+          <a:p>
+            <a:r>
+              <a:rPr lang="ru-RU" dirty="0"/>
+              <a:t>Тестирование</a:t>
+            </a:r>
+          </a:p>
+        </p:txBody>
+      </p:sp>
+      <p:sp>
+        <p:nvSpPr>
+          <p:cNvPr id="3" name="Объект 2">
+            <a:extLst>
+              <a:ext uri="{FF2B5EF4-FFF2-40B4-BE49-F238E27FC236}">
+                <a16:creationId xmlns:a16="http://schemas.microsoft.com/office/drawing/2014/main" id="{E262B5A4-62C4-4D77-8C49-3D5ADDBD74E8}"/>
+              </a:ext>
+            </a:extLst>
+          </p:cNvPr>
+          <p:cNvSpPr>
+            <a:spLocks noGrp="1"/>
+          </p:cNvSpPr>
+          <p:nvPr>
+            <p:ph idx="1"/>
+          </p:nvPr>
+        </p:nvSpPr>
+        <p:spPr/>
+        <p:txBody>
+          <a:bodyPr/>
+          <a:lstStyle/>
+          <a:p>
+            <a:endParaRPr lang="ru-RU" dirty="0"/>
+          </a:p>
+        </p:txBody>
+      </p:sp>
+      <p:sp>
+        <p:nvSpPr>
+          <p:cNvPr id="4" name="Номер слайда 3">
+            <a:extLst>
+              <a:ext uri="{FF2B5EF4-FFF2-40B4-BE49-F238E27FC236}">
+                <a16:creationId xmlns:a16="http://schemas.microsoft.com/office/drawing/2014/main" id="{0116E812-AC40-439C-A481-04BFDE222DFB}"/>
+              </a:ext>
+            </a:extLst>
+          </p:cNvPr>
+          <p:cNvSpPr>
+            <a:spLocks noGrp="1"/>
+          </p:cNvSpPr>
+          <p:nvPr>
+            <p:ph type="sldNum" sz="quarter" idx="12"/>
+          </p:nvPr>
+        </p:nvSpPr>
+        <p:spPr/>
+        <p:txBody>
+          <a:bodyPr/>
+          <a:lstStyle/>
+          <a:p>
+            <a:fld id="{FFB6C268-143E-4CE1-AEAF-03F5A77D796B}" type="slidenum">
+              <a:rPr lang="ru-RU" smtClean="0"/>
+              <a:t>16</a:t>
+            </a:fld>
+            <a:endParaRPr lang="ru-RU"/>
+          </a:p>
+        </p:txBody>
+      </p:sp>
+    </p:spTree>
+    <p:extLst>
+      <p:ext uri="{BB962C8B-B14F-4D97-AF65-F5344CB8AC3E}">
+        <p14:creationId xmlns:p14="http://schemas.microsoft.com/office/powerpoint/2010/main" val="2071411247"/>
+      </p:ext>
+    </p:extLst>
+  </p:cSld>
+  <p:clrMapOvr>
+    <a:masterClrMapping/>
+  </p:clrMapOvr>
+</p:sld>
+</file>
+
+<file path=ppt/slides/slide17.xml><?xml version="1.0" encoding="utf-8"?>
+<p:sld xmlns:a="http://schemas.openxmlformats.org/drawingml/2006/main" xmlns:r="http://schemas.openxmlformats.org/officeDocument/2006/relationships" xmlns:p="http://schemas.openxmlformats.org/presentationml/2006/main">
+  <p:cSld>
+    <p:spTree>
+      <p:nvGrpSpPr>
+        <p:cNvPr id="1" name=""/>
+        <p:cNvGrpSpPr/>
+        <p:nvPr/>
+      </p:nvGrpSpPr>
+      <p:grpSpPr>
+        <a:xfrm>
+          <a:off x="0" y="0"/>
+          <a:ext cx="0" cy="0"/>
+          <a:chOff x="0" y="0"/>
+          <a:chExt cx="0" cy="0"/>
+        </a:xfrm>
+      </p:grpSpPr>
+      <p:sp>
+        <p:nvSpPr>
+          <p:cNvPr id="2" name="Заголовок 1">
+            <a:extLst>
+              <a:ext uri="{FF2B5EF4-FFF2-40B4-BE49-F238E27FC236}">
+                <a16:creationId xmlns:a16="http://schemas.microsoft.com/office/drawing/2014/main" id="{00D34DAC-5149-4782-A444-95DD737E4B00}"/>
+              </a:ext>
+            </a:extLst>
+          </p:cNvPr>
+          <p:cNvSpPr>
+            <a:spLocks noGrp="1"/>
+          </p:cNvSpPr>
+          <p:nvPr>
+            <p:ph type="title"/>
+          </p:nvPr>
+        </p:nvSpPr>
+        <p:spPr/>
+        <p:txBody>
+          <a:bodyPr/>
+          <a:lstStyle/>
+          <a:p>
+            <a:r>
+              <a:rPr lang="ru-RU" dirty="0"/>
+              <a:t>Главная страница</a:t>
+            </a:r>
+          </a:p>
+        </p:txBody>
+      </p:sp>
+      <p:sp>
+        <p:nvSpPr>
+          <p:cNvPr id="4" name="Номер слайда 3">
+            <a:extLst>
+              <a:ext uri="{FF2B5EF4-FFF2-40B4-BE49-F238E27FC236}">
+                <a16:creationId xmlns:a16="http://schemas.microsoft.com/office/drawing/2014/main" id="{0116E812-AC40-439C-A481-04BFDE222DFB}"/>
+              </a:ext>
+            </a:extLst>
+          </p:cNvPr>
+          <p:cNvSpPr>
+            <a:spLocks noGrp="1"/>
+          </p:cNvSpPr>
+          <p:nvPr>
+            <p:ph type="sldNum" sz="quarter" idx="12"/>
+          </p:nvPr>
+        </p:nvSpPr>
+        <p:spPr/>
+        <p:txBody>
+          <a:bodyPr/>
+          <a:lstStyle/>
+          <a:p>
+            <a:fld id="{FFB6C268-143E-4CE1-AEAF-03F5A77D796B}" type="slidenum">
+              <a:rPr lang="ru-RU" smtClean="0"/>
+              <a:t>17</a:t>
+            </a:fld>
+            <a:endParaRPr lang="ru-RU"/>
+          </a:p>
+        </p:txBody>
+      </p:sp>
+      <p:grpSp>
+        <p:nvGrpSpPr>
+          <p:cNvPr id="5" name="Группа 4">
+            <a:extLst>
+              <a:ext uri="{FF2B5EF4-FFF2-40B4-BE49-F238E27FC236}">
+                <a16:creationId xmlns:a16="http://schemas.microsoft.com/office/drawing/2014/main" id="{B35A1799-6233-4284-9DBF-A64FF29D0C8B}"/>
+              </a:ext>
+            </a:extLst>
+          </p:cNvPr>
+          <p:cNvGrpSpPr/>
+          <p:nvPr/>
+        </p:nvGrpSpPr>
+        <p:grpSpPr>
+          <a:xfrm>
+            <a:off x="434427" y="1564296"/>
+            <a:ext cx="6517466" cy="4792054"/>
+            <a:chOff x="2389280" y="1275900"/>
+            <a:chExt cx="7406292" cy="5445575"/>
+          </a:xfrm>
+        </p:grpSpPr>
+        <p:pic>
+          <p:nvPicPr>
+            <p:cNvPr id="6" name="Рисунок 5">
+              <a:extLst>
+                <a:ext uri="{FF2B5EF4-FFF2-40B4-BE49-F238E27FC236}">
+                  <a16:creationId xmlns:a16="http://schemas.microsoft.com/office/drawing/2014/main" id="{68A9FCA7-4408-4EDD-87AA-0C1CEB5D1601}"/>
+                </a:ext>
+              </a:extLst>
+            </p:cNvPr>
+            <p:cNvPicPr>
+              <a:picLocks noChangeAspect="1"/>
+            </p:cNvPicPr>
+            <p:nvPr/>
+          </p:nvPicPr>
+          <p:blipFill rotWithShape="1">
+            <a:blip r:embed="rId2"/>
+            <a:srcRect t="56036"/>
+            <a:stretch/>
+          </p:blipFill>
+          <p:spPr>
+            <a:xfrm>
+              <a:off x="2389280" y="4890796"/>
+              <a:ext cx="7402718" cy="1830679"/>
+            </a:xfrm>
+            <a:prstGeom prst="rect">
+              <a:avLst/>
+            </a:prstGeom>
+          </p:spPr>
+        </p:pic>
+        <p:pic>
+          <p:nvPicPr>
+            <p:cNvPr id="7" name="Рисунок 6">
+              <a:extLst>
+                <a:ext uri="{FF2B5EF4-FFF2-40B4-BE49-F238E27FC236}">
+                  <a16:creationId xmlns:a16="http://schemas.microsoft.com/office/drawing/2014/main" id="{91C74824-D5F9-40B5-865B-4C8EA0F671E2}"/>
+                </a:ext>
+              </a:extLst>
+            </p:cNvPr>
+            <p:cNvPicPr>
+              <a:picLocks noChangeAspect="1"/>
+            </p:cNvPicPr>
+            <p:nvPr/>
+          </p:nvPicPr>
+          <p:blipFill rotWithShape="1">
+            <a:blip r:embed="rId3"/>
+            <a:srcRect b="13229"/>
+            <a:stretch/>
+          </p:blipFill>
+          <p:spPr>
+            <a:xfrm>
+              <a:off x="2389280" y="1275900"/>
+              <a:ext cx="7406292" cy="3614896"/>
+            </a:xfrm>
+            <a:prstGeom prst="rect">
+              <a:avLst/>
+            </a:prstGeom>
+          </p:spPr>
+        </p:pic>
+      </p:grpSp>
+      <p:pic>
+        <p:nvPicPr>
+          <p:cNvPr id="8" name="Рисунок 7">
+            <a:extLst>
+              <a:ext uri="{FF2B5EF4-FFF2-40B4-BE49-F238E27FC236}">
+                <a16:creationId xmlns:a16="http://schemas.microsoft.com/office/drawing/2014/main" id="{547B63A1-A4F6-4192-976D-406354A1210E}"/>
+              </a:ext>
+            </a:extLst>
+          </p:cNvPr>
+          <p:cNvPicPr>
+            <a:picLocks noChangeAspect="1"/>
+          </p:cNvPicPr>
+          <p:nvPr/>
+        </p:nvPicPr>
+        <p:blipFill>
+          <a:blip r:embed="rId4"/>
+          <a:stretch>
+            <a:fillRect/>
+          </a:stretch>
+        </p:blipFill>
+        <p:spPr>
+          <a:xfrm>
+            <a:off x="7182994" y="2469039"/>
+            <a:ext cx="4574579" cy="3108960"/>
+          </a:xfrm>
+          <a:prstGeom prst="rect">
+            <a:avLst/>
+          </a:prstGeom>
+        </p:spPr>
+      </p:pic>
+    </p:spTree>
+    <p:extLst>
+      <p:ext uri="{BB962C8B-B14F-4D97-AF65-F5344CB8AC3E}">
+        <p14:creationId xmlns:p14="http://schemas.microsoft.com/office/powerpoint/2010/main" val="1492278275"/>
+      </p:ext>
+    </p:extLst>
+  </p:cSld>
+  <p:clrMapOvr>
+    <a:masterClrMapping/>
+  </p:clrMapOvr>
+</p:sld>
+</file>
+
+<file path=ppt/slides/slide18.xml><?xml version="1.0" encoding="utf-8"?>
+<p:sld xmlns:a="http://schemas.openxmlformats.org/drawingml/2006/main" xmlns:r="http://schemas.openxmlformats.org/officeDocument/2006/relationships" xmlns:p="http://schemas.openxmlformats.org/presentationml/2006/main">
+  <p:cSld>
+    <p:spTree>
+      <p:nvGrpSpPr>
+        <p:cNvPr id="1" name=""/>
+        <p:cNvGrpSpPr/>
+        <p:nvPr/>
+      </p:nvGrpSpPr>
+      <p:grpSpPr>
+        <a:xfrm>
+          <a:off x="0" y="0"/>
+          <a:ext cx="0" cy="0"/>
+          <a:chOff x="0" y="0"/>
+          <a:chExt cx="0" cy="0"/>
+        </a:xfrm>
+      </p:grpSpPr>
+      <p:sp>
+        <p:nvSpPr>
+          <p:cNvPr id="2" name="Заголовок 1">
+            <a:extLst>
+              <a:ext uri="{FF2B5EF4-FFF2-40B4-BE49-F238E27FC236}">
+                <a16:creationId xmlns:a16="http://schemas.microsoft.com/office/drawing/2014/main" id="{00D34DAC-5149-4782-A444-95DD737E4B00}"/>
+              </a:ext>
+            </a:extLst>
+          </p:cNvPr>
+          <p:cNvSpPr>
+            <a:spLocks noGrp="1"/>
+          </p:cNvSpPr>
+          <p:nvPr>
+            <p:ph type="title"/>
+          </p:nvPr>
+        </p:nvSpPr>
+        <p:spPr/>
+        <p:txBody>
+          <a:bodyPr/>
+          <a:lstStyle/>
+          <a:p>
+            <a:r>
+              <a:rPr lang="ru-RU" dirty="0"/>
+              <a:t>Страница поста</a:t>
+            </a:r>
+          </a:p>
+        </p:txBody>
+      </p:sp>
+      <p:sp>
+        <p:nvSpPr>
+          <p:cNvPr id="4" name="Номер слайда 3">
+            <a:extLst>
+              <a:ext uri="{FF2B5EF4-FFF2-40B4-BE49-F238E27FC236}">
+                <a16:creationId xmlns:a16="http://schemas.microsoft.com/office/drawing/2014/main" id="{0116E812-AC40-439C-A481-04BFDE222DFB}"/>
+              </a:ext>
+            </a:extLst>
+          </p:cNvPr>
+          <p:cNvSpPr>
+            <a:spLocks noGrp="1"/>
+          </p:cNvSpPr>
+          <p:nvPr>
+            <p:ph type="sldNum" sz="quarter" idx="12"/>
+          </p:nvPr>
+        </p:nvSpPr>
+        <p:spPr/>
+        <p:txBody>
+          <a:bodyPr/>
+          <a:lstStyle/>
+          <a:p>
+            <a:fld id="{FFB6C268-143E-4CE1-AEAF-03F5A77D796B}" type="slidenum">
+              <a:rPr lang="ru-RU" smtClean="0"/>
+              <a:t>18</a:t>
+            </a:fld>
+            <a:endParaRPr lang="ru-RU"/>
+          </a:p>
+        </p:txBody>
+      </p:sp>
+      <p:pic>
+        <p:nvPicPr>
+          <p:cNvPr id="5" name="Рисунок 4">
+            <a:extLst>
+              <a:ext uri="{FF2B5EF4-FFF2-40B4-BE49-F238E27FC236}">
+                <a16:creationId xmlns:a16="http://schemas.microsoft.com/office/drawing/2014/main" id="{C6CF2319-2708-471B-BF22-368AC7396349}"/>
+              </a:ext>
+            </a:extLst>
+          </p:cNvPr>
+          <p:cNvPicPr/>
+          <p:nvPr/>
+        </p:nvPicPr>
+        <p:blipFill>
+          <a:blip r:embed="rId2"/>
+          <a:stretch>
+            <a:fillRect/>
+          </a:stretch>
+        </p:blipFill>
+        <p:spPr>
+          <a:xfrm>
+            <a:off x="674052" y="1453674"/>
+            <a:ext cx="5505253" cy="4642485"/>
+          </a:xfrm>
+          <a:prstGeom prst="rect">
+            <a:avLst/>
+          </a:prstGeom>
+        </p:spPr>
+      </p:pic>
+      <p:grpSp>
+        <p:nvGrpSpPr>
+          <p:cNvPr id="8" name="Группа 7">
+            <a:extLst>
+              <a:ext uri="{FF2B5EF4-FFF2-40B4-BE49-F238E27FC236}">
+                <a16:creationId xmlns:a16="http://schemas.microsoft.com/office/drawing/2014/main" id="{B85D439D-3C7A-48DB-8249-85AB917356AF}"/>
+              </a:ext>
+            </a:extLst>
+          </p:cNvPr>
+          <p:cNvGrpSpPr/>
+          <p:nvPr/>
+        </p:nvGrpSpPr>
+        <p:grpSpPr>
+          <a:xfrm>
+            <a:off x="7018655" y="593884"/>
+            <a:ext cx="4335145" cy="5476558"/>
+            <a:chOff x="7018655" y="593884"/>
+            <a:chExt cx="4335145" cy="5476558"/>
+          </a:xfrm>
+        </p:grpSpPr>
+        <p:pic>
+          <p:nvPicPr>
+            <p:cNvPr id="6" name="Рисунок 5">
+              <a:extLst>
+                <a:ext uri="{FF2B5EF4-FFF2-40B4-BE49-F238E27FC236}">
+                  <a16:creationId xmlns:a16="http://schemas.microsoft.com/office/drawing/2014/main" id="{0F0EA0CA-3D19-45DF-90A6-E22870E72D57}"/>
+                </a:ext>
+              </a:extLst>
+            </p:cNvPr>
+            <p:cNvPicPr/>
+            <p:nvPr/>
+          </p:nvPicPr>
+          <p:blipFill>
+            <a:blip r:embed="rId3"/>
+            <a:stretch>
+              <a:fillRect/>
+            </a:stretch>
+          </p:blipFill>
+          <p:spPr>
+            <a:xfrm>
+              <a:off x="7146924" y="3915252"/>
+              <a:ext cx="4078605" cy="2155190"/>
+            </a:xfrm>
+            <a:prstGeom prst="rect">
+              <a:avLst/>
+            </a:prstGeom>
+          </p:spPr>
+        </p:pic>
+        <p:pic>
+          <p:nvPicPr>
+            <p:cNvPr id="7" name="Рисунок 6">
+              <a:extLst>
+                <a:ext uri="{FF2B5EF4-FFF2-40B4-BE49-F238E27FC236}">
+                  <a16:creationId xmlns:a16="http://schemas.microsoft.com/office/drawing/2014/main" id="{D8FB9519-C2C3-4908-9E1C-315B1ED9DC14}"/>
+                </a:ext>
+              </a:extLst>
+            </p:cNvPr>
+            <p:cNvPicPr/>
+            <p:nvPr/>
+          </p:nvPicPr>
+          <p:blipFill rotWithShape="1">
+            <a:blip r:embed="rId4"/>
+            <a:srcRect b="30859"/>
+            <a:stretch/>
+          </p:blipFill>
+          <p:spPr>
+            <a:xfrm>
+              <a:off x="7018655" y="593884"/>
+              <a:ext cx="4335145" cy="3321368"/>
+            </a:xfrm>
+            <a:prstGeom prst="rect">
+              <a:avLst/>
+            </a:prstGeom>
+          </p:spPr>
+        </p:pic>
+      </p:grpSp>
+    </p:spTree>
+    <p:extLst>
+      <p:ext uri="{BB962C8B-B14F-4D97-AF65-F5344CB8AC3E}">
+        <p14:creationId xmlns:p14="http://schemas.microsoft.com/office/powerpoint/2010/main" val="1787128787"/>
+      </p:ext>
+    </p:extLst>
+  </p:cSld>
+  <p:clrMapOvr>
+    <a:masterClrMapping/>
+  </p:clrMapOvr>
+</p:sld>
+</file>
+
+<file path=ppt/slides/slide19.xml><?xml version="1.0" encoding="utf-8"?>
+<p:sld xmlns:a="http://schemas.openxmlformats.org/drawingml/2006/main" xmlns:r="http://schemas.openxmlformats.org/officeDocument/2006/relationships" xmlns:p="http://schemas.openxmlformats.org/presentationml/2006/main">
+  <p:cSld>
+    <p:spTree>
+      <p:nvGrpSpPr>
+        <p:cNvPr id="1" name=""/>
+        <p:cNvGrpSpPr/>
+        <p:nvPr/>
+      </p:nvGrpSpPr>
+      <p:grpSpPr>
+        <a:xfrm>
+          <a:off x="0" y="0"/>
+          <a:ext cx="0" cy="0"/>
+          <a:chOff x="0" y="0"/>
+          <a:chExt cx="0" cy="0"/>
+        </a:xfrm>
+      </p:grpSpPr>
+      <p:sp>
+        <p:nvSpPr>
+          <p:cNvPr id="2" name="Заголовок 1">
+            <a:extLst>
+              <a:ext uri="{FF2B5EF4-FFF2-40B4-BE49-F238E27FC236}">
+                <a16:creationId xmlns:a16="http://schemas.microsoft.com/office/drawing/2014/main" id="{00D34DAC-5149-4782-A444-95DD737E4B00}"/>
+              </a:ext>
+            </a:extLst>
+          </p:cNvPr>
+          <p:cNvSpPr>
+            <a:spLocks noGrp="1"/>
+          </p:cNvSpPr>
+          <p:nvPr>
+            <p:ph type="title"/>
+          </p:nvPr>
+        </p:nvSpPr>
+        <p:spPr>
+          <a:xfrm>
+            <a:off x="884767" y="349092"/>
+            <a:ext cx="10515600" cy="1325563"/>
+          </a:xfrm>
+        </p:spPr>
+        <p:txBody>
+          <a:bodyPr/>
+          <a:lstStyle/>
+          <a:p>
+            <a:r>
+              <a:rPr lang="ru-RU" dirty="0"/>
+              <a:t>Блоки с функционалом администратора</a:t>
+            </a:r>
+          </a:p>
+        </p:txBody>
+      </p:sp>
+      <p:sp>
+        <p:nvSpPr>
+          <p:cNvPr id="4" name="Номер слайда 3">
+            <a:extLst>
+              <a:ext uri="{FF2B5EF4-FFF2-40B4-BE49-F238E27FC236}">
+                <a16:creationId xmlns:a16="http://schemas.microsoft.com/office/drawing/2014/main" id="{0116E812-AC40-439C-A481-04BFDE222DFB}"/>
+              </a:ext>
+            </a:extLst>
+          </p:cNvPr>
+          <p:cNvSpPr>
+            <a:spLocks noGrp="1"/>
+          </p:cNvSpPr>
+          <p:nvPr>
+            <p:ph type="sldNum" sz="quarter" idx="12"/>
+          </p:nvPr>
+        </p:nvSpPr>
+        <p:spPr/>
+        <p:txBody>
+          <a:bodyPr/>
+          <a:lstStyle/>
+          <a:p>
+            <a:fld id="{FFB6C268-143E-4CE1-AEAF-03F5A77D796B}" type="slidenum">
+              <a:rPr lang="ru-RU" smtClean="0"/>
+              <a:t>19</a:t>
+            </a:fld>
+            <a:endParaRPr lang="ru-RU"/>
+          </a:p>
+        </p:txBody>
+      </p:sp>
+      <p:pic>
+        <p:nvPicPr>
+          <p:cNvPr id="9" name="Рисунок 8">
+            <a:extLst>
+              <a:ext uri="{FF2B5EF4-FFF2-40B4-BE49-F238E27FC236}">
+                <a16:creationId xmlns:a16="http://schemas.microsoft.com/office/drawing/2014/main" id="{37DED189-C224-4223-8756-E5521041BC7D}"/>
+              </a:ext>
+            </a:extLst>
+          </p:cNvPr>
+          <p:cNvPicPr/>
+          <p:nvPr/>
+        </p:nvPicPr>
+        <p:blipFill rotWithShape="1">
+          <a:blip r:embed="rId2"/>
+          <a:srcRect t="1673" b="24284"/>
+          <a:stretch/>
+        </p:blipFill>
+        <p:spPr>
+          <a:xfrm>
+            <a:off x="204156" y="1949847"/>
+            <a:ext cx="5891844" cy="2044542"/>
+          </a:xfrm>
+          <a:prstGeom prst="rect">
+            <a:avLst/>
+          </a:prstGeom>
+        </p:spPr>
+      </p:pic>
+      <p:pic>
+        <p:nvPicPr>
+          <p:cNvPr id="10" name="Рисунок 9">
+            <a:extLst>
+              <a:ext uri="{FF2B5EF4-FFF2-40B4-BE49-F238E27FC236}">
+                <a16:creationId xmlns:a16="http://schemas.microsoft.com/office/drawing/2014/main" id="{DED0DF97-EEC1-4323-A245-2821011150A6}"/>
+              </a:ext>
+            </a:extLst>
+          </p:cNvPr>
+          <p:cNvPicPr/>
+          <p:nvPr/>
+        </p:nvPicPr>
+        <p:blipFill rotWithShape="1">
+          <a:blip r:embed="rId3"/>
+          <a:srcRect t="998" b="24378"/>
+          <a:stretch/>
+        </p:blipFill>
+        <p:spPr>
+          <a:xfrm>
+            <a:off x="127377" y="4269581"/>
+            <a:ext cx="6045402" cy="1870075"/>
+          </a:xfrm>
+          <a:prstGeom prst="rect">
+            <a:avLst/>
+          </a:prstGeom>
+        </p:spPr>
+      </p:pic>
+      <p:pic>
+        <p:nvPicPr>
+          <p:cNvPr id="11" name="Рисунок 10">
+            <a:extLst>
+              <a:ext uri="{FF2B5EF4-FFF2-40B4-BE49-F238E27FC236}">
+                <a16:creationId xmlns:a16="http://schemas.microsoft.com/office/drawing/2014/main" id="{6E27F509-0E53-496E-896D-63BF150FE2F8}"/>
+              </a:ext>
+            </a:extLst>
+          </p:cNvPr>
+          <p:cNvPicPr/>
+          <p:nvPr/>
+        </p:nvPicPr>
+        <p:blipFill>
+          <a:blip r:embed="rId4"/>
+          <a:stretch>
+            <a:fillRect/>
+          </a:stretch>
+        </p:blipFill>
+        <p:spPr>
+          <a:xfrm>
+            <a:off x="6142567" y="2456101"/>
+            <a:ext cx="5733415" cy="3076575"/>
+          </a:xfrm>
+          <a:prstGeom prst="rect">
+            <a:avLst/>
+          </a:prstGeom>
+        </p:spPr>
+      </p:pic>
+    </p:spTree>
+    <p:extLst>
+      <p:ext uri="{BB962C8B-B14F-4D97-AF65-F5344CB8AC3E}">
+        <p14:creationId xmlns:p14="http://schemas.microsoft.com/office/powerpoint/2010/main" val="1647501774"/>
+      </p:ext>
+    </p:extLst>
+  </p:cSld>
+  <p:clrMapOvr>
+    <a:masterClrMapping/>
+  </p:clrMapOvr>
+</p:sld>
+</file>
+
+<file path=ppt/slides/slide2.xml><?xml version="1.0" encoding="utf-8"?>
+<p:sld xmlns:a="http://schemas.openxmlformats.org/drawingml/2006/main" xmlns:r="http://schemas.openxmlformats.org/officeDocument/2006/relationships" xmlns:p="http://schemas.openxmlformats.org/presentationml/2006/main">
+  <p:cSld>
+    <p:spTree>
+      <p:nvGrpSpPr>
+        <p:cNvPr id="1" name=""/>
+        <p:cNvGrpSpPr/>
+        <p:nvPr/>
+      </p:nvGrpSpPr>
+      <p:grpSpPr>
+        <a:xfrm>
+          <a:off x="0" y="0"/>
+          <a:ext cx="0" cy="0"/>
+          <a:chOff x="0" y="0"/>
+          <a:chExt cx="0" cy="0"/>
+        </a:xfrm>
+      </p:grpSpPr>
+      <p:sp>
+        <p:nvSpPr>
+          <p:cNvPr id="2" name="Заголовок 1">
+            <a:extLst>
+              <a:ext uri="{FF2B5EF4-FFF2-40B4-BE49-F238E27FC236}">
+                <a16:creationId xmlns:a16="http://schemas.microsoft.com/office/drawing/2014/main" id="{CACDB394-3946-4807-90C6-AF312B230047}"/>
+              </a:ext>
+            </a:extLst>
+          </p:cNvPr>
+          <p:cNvSpPr>
+            <a:spLocks noGrp="1"/>
+          </p:cNvSpPr>
+          <p:nvPr>
+            <p:ph type="title"/>
+          </p:nvPr>
+        </p:nvSpPr>
+        <p:spPr/>
+        <p:txBody>
+          <a:bodyPr/>
+          <a:lstStyle/>
+          <a:p>
+            <a:r>
+              <a:rPr lang="ru-RU" dirty="0"/>
+              <a:t>Распределение ролей</a:t>
+            </a:r>
+          </a:p>
+        </p:txBody>
+      </p:sp>
+      <p:sp>
+        <p:nvSpPr>
+          <p:cNvPr id="3" name="Объект 2">
+            <a:extLst>
+              <a:ext uri="{FF2B5EF4-FFF2-40B4-BE49-F238E27FC236}">
+                <a16:creationId xmlns:a16="http://schemas.microsoft.com/office/drawing/2014/main" id="{BB5CF37E-30AF-4AF8-A3FF-066FA3728776}"/>
+              </a:ext>
+            </a:extLst>
+          </p:cNvPr>
+          <p:cNvSpPr>
+            <a:spLocks noGrp="1"/>
+          </p:cNvSpPr>
+          <p:nvPr>
+            <p:ph idx="1"/>
+          </p:nvPr>
+        </p:nvSpPr>
+        <p:spPr>
+          <a:xfrm>
+            <a:off x="838201" y="1690688"/>
+            <a:ext cx="3515274" cy="4895850"/>
+          </a:xfrm>
+        </p:spPr>
+        <p:txBody>
+          <a:bodyPr>
+            <a:noAutofit/>
+          </a:bodyPr>
+          <a:lstStyle/>
+          <a:p>
+            <a:pPr marL="0" indent="0" algn="ctr">
+              <a:buNone/>
+            </a:pPr>
+            <a:r>
+              <a:rPr lang="ru-RU" dirty="0"/>
+              <a:t>Бородин А.О.</a:t>
+            </a:r>
+          </a:p>
+          <a:p>
+            <a:r>
+              <a:rPr lang="ru-RU" sz="2400" dirty="0"/>
+              <a:t>Верстка страниц</a:t>
+            </a:r>
+          </a:p>
+          <a:p>
+            <a:r>
+              <a:rPr lang="ru-RU" sz="2400" dirty="0"/>
+              <a:t>Авторизация</a:t>
+            </a:r>
+          </a:p>
+          <a:p>
+            <a:r>
+              <a:rPr lang="ru-RU" sz="2400" dirty="0"/>
+              <a:t>Функционал администрации</a:t>
+            </a:r>
+          </a:p>
+          <a:p>
+            <a:r>
+              <a:rPr lang="ru-RU" sz="2400" dirty="0"/>
+              <a:t>Функционал авторов</a:t>
+            </a:r>
+          </a:p>
+          <a:p>
+            <a:r>
+              <a:rPr lang="ru-RU" sz="2400" dirty="0"/>
+              <a:t>Добавление и удаление комментариев</a:t>
+            </a:r>
+          </a:p>
+          <a:p>
+            <a:r>
+              <a:rPr lang="en-US" sz="2400" dirty="0"/>
+              <a:t>REST</a:t>
+            </a:r>
+            <a:r>
+              <a:rPr lang="ru-RU" sz="2400" dirty="0"/>
+              <a:t>-</a:t>
+            </a:r>
+            <a:r>
+              <a:rPr lang="en-US" sz="2400" dirty="0" err="1"/>
+              <a:t>Api</a:t>
+            </a:r>
+            <a:r>
+              <a:rPr lang="en-US" sz="2400" dirty="0"/>
+              <a:t> </a:t>
+            </a:r>
+            <a:r>
+              <a:rPr lang="ru-RU" sz="2400" dirty="0"/>
+              <a:t>и </a:t>
+            </a:r>
+            <a:r>
+              <a:rPr lang="en-US" sz="2400" dirty="0"/>
+              <a:t>Swagger</a:t>
+            </a:r>
+            <a:endParaRPr lang="ru-RU" sz="2400" dirty="0"/>
+          </a:p>
+        </p:txBody>
+      </p:sp>
+      <p:sp>
+        <p:nvSpPr>
+          <p:cNvPr id="6" name="Номер слайда 5">
+            <a:extLst>
+              <a:ext uri="{FF2B5EF4-FFF2-40B4-BE49-F238E27FC236}">
+                <a16:creationId xmlns:a16="http://schemas.microsoft.com/office/drawing/2014/main" id="{BE682C59-ACDF-4844-AB0F-1C4C0F94DF5D}"/>
+              </a:ext>
+            </a:extLst>
+          </p:cNvPr>
+          <p:cNvSpPr>
+            <a:spLocks noGrp="1"/>
+          </p:cNvSpPr>
+          <p:nvPr>
+            <p:ph type="sldNum" sz="quarter" idx="12"/>
+          </p:nvPr>
+        </p:nvSpPr>
+        <p:spPr/>
+        <p:txBody>
+          <a:bodyPr/>
+          <a:lstStyle/>
+          <a:p>
+            <a:fld id="{FFB6C268-143E-4CE1-AEAF-03F5A77D796B}" type="slidenum">
+              <a:rPr lang="ru-RU" smtClean="0"/>
+              <a:t>2</a:t>
+            </a:fld>
+            <a:endParaRPr lang="ru-RU"/>
+          </a:p>
+        </p:txBody>
+      </p:sp>
+      <p:sp>
+        <p:nvSpPr>
+          <p:cNvPr id="7" name="Объект 2">
+            <a:extLst>
+              <a:ext uri="{FF2B5EF4-FFF2-40B4-BE49-F238E27FC236}">
+                <a16:creationId xmlns:a16="http://schemas.microsoft.com/office/drawing/2014/main" id="{CA45F336-01F9-4B05-882E-DA1FDA35B499}"/>
+              </a:ext>
+            </a:extLst>
+          </p:cNvPr>
+          <p:cNvSpPr txBox="1">
+            <a:spLocks/>
+          </p:cNvSpPr>
+          <p:nvPr/>
+        </p:nvSpPr>
+        <p:spPr>
+          <a:xfrm>
+            <a:off x="4338364" y="1690688"/>
+            <a:ext cx="3515274" cy="4895850"/>
+          </a:xfrm>
+          <a:prstGeom prst="rect">
+            <a:avLst/>
+          </a:prstGeom>
+        </p:spPr>
+        <p:txBody>
+          <a:bodyPr vert="horz" lIns="91440" tIns="45720" rIns="91440" bIns="45720" rtlCol="0">
+            <a:noAutofit/>
+          </a:bodyPr>
+          <a:lstStyle>
+            <a:lvl1pPr marL="228600" indent="-228600" algn="l" defTabSz="914400" rtl="0" eaLnBrk="1" latinLnBrk="0" hangingPunct="1">
+              <a:lnSpc>
+                <a:spcPct val="90000"/>
+              </a:lnSpc>
+              <a:spcBef>
+                <a:spcPts val="1000"/>
+              </a:spcBef>
+              <a:buFont typeface="Arial" panose="020B0604020202020204" pitchFamily="34" charset="0"/>
+              <a:buChar char="•"/>
+              <a:defRPr sz="2800" kern="1200">
+                <a:solidFill>
+                  <a:schemeClr val="tx1"/>
+                </a:solidFill>
+                <a:latin typeface="+mn-lt"/>
+                <a:ea typeface="+mn-ea"/>
+                <a:cs typeface="+mn-cs"/>
+              </a:defRPr>
+            </a:lvl1pPr>
+            <a:lvl2pPr marL="685800" indent="-228600" algn="l" defTabSz="914400" rtl="0" eaLnBrk="1" latinLnBrk="0" hangingPunct="1">
+              <a:lnSpc>
+                <a:spcPct val="90000"/>
+              </a:lnSpc>
+              <a:spcBef>
+                <a:spcPts val="500"/>
+              </a:spcBef>
+              <a:buFont typeface="Arial" panose="020B0604020202020204" pitchFamily="34" charset="0"/>
+              <a:buChar char="•"/>
+              <a:defRPr sz="2400" kern="1200">
+                <a:solidFill>
+                  <a:schemeClr val="tx1"/>
+                </a:solidFill>
+                <a:latin typeface="+mn-lt"/>
+                <a:ea typeface="+mn-ea"/>
+                <a:cs typeface="+mn-cs"/>
+              </a:defRPr>
+            </a:lvl2pPr>
+            <a:lvl3pPr marL="1143000" indent="-228600" algn="l" defTabSz="914400" rtl="0" eaLnBrk="1" latinLnBrk="0" hangingPunct="1">
+              <a:lnSpc>
+                <a:spcPct val="90000"/>
+              </a:lnSpc>
+              <a:spcBef>
+                <a:spcPts val="500"/>
+              </a:spcBef>
+              <a:buFont typeface="Arial" panose="020B0604020202020204" pitchFamily="34" charset="0"/>
+              <a:buChar char="•"/>
+              <a:defRPr sz="2000" kern="1200">
+                <a:solidFill>
+                  <a:schemeClr val="tx1"/>
+                </a:solidFill>
+                <a:latin typeface="+mn-lt"/>
+                <a:ea typeface="+mn-ea"/>
+                <a:cs typeface="+mn-cs"/>
+              </a:defRPr>
+            </a:lvl3pPr>
+            <a:lvl4pPr marL="1600200" indent="-228600" algn="l" defTabSz="914400" rtl="0" eaLnBrk="1" latinLnBrk="0" hangingPunct="1">
+              <a:lnSpc>
+                <a:spcPct val="90000"/>
+              </a:lnSpc>
+              <a:spcBef>
+                <a:spcPts val="500"/>
+              </a:spcBef>
+              <a:buFont typeface="Arial" panose="020B0604020202020204" pitchFamily="34" charset="0"/>
+              <a:buChar char="•"/>
+              <a:defRPr sz="1800" kern="1200">
+                <a:solidFill>
+                  <a:schemeClr val="tx1"/>
+                </a:solidFill>
+                <a:latin typeface="+mn-lt"/>
+                <a:ea typeface="+mn-ea"/>
+                <a:cs typeface="+mn-cs"/>
+              </a:defRPr>
+            </a:lvl4pPr>
+            <a:lvl5pPr marL="2057400" indent="-228600" algn="l" defTabSz="914400" rtl="0" eaLnBrk="1" latinLnBrk="0" hangingPunct="1">
+              <a:lnSpc>
+                <a:spcPct val="90000"/>
+              </a:lnSpc>
+              <a:spcBef>
+                <a:spcPts val="500"/>
+              </a:spcBef>
+              <a:buFont typeface="Arial" panose="020B0604020202020204" pitchFamily="34" charset="0"/>
+              <a:buChar char="•"/>
+              <a:defRPr sz="1800" kern="1200">
+                <a:solidFill>
+                  <a:schemeClr val="tx1"/>
+                </a:solidFill>
+                <a:latin typeface="+mn-lt"/>
+                <a:ea typeface="+mn-ea"/>
+                <a:cs typeface="+mn-cs"/>
+              </a:defRPr>
+            </a:lvl5pPr>
+            <a:lvl6pPr marL="2514600" indent="-228600" algn="l" defTabSz="914400" rtl="0" eaLnBrk="1" latinLnBrk="0" hangingPunct="1">
+              <a:lnSpc>
+                <a:spcPct val="90000"/>
+              </a:lnSpc>
+              <a:spcBef>
+                <a:spcPts val="500"/>
+              </a:spcBef>
+              <a:buFont typeface="Arial" panose="020B0604020202020204" pitchFamily="34" charset="0"/>
+              <a:buChar char="•"/>
+              <a:defRPr sz="1800" kern="1200">
+                <a:solidFill>
+                  <a:schemeClr val="tx1"/>
+                </a:solidFill>
+                <a:latin typeface="+mn-lt"/>
+                <a:ea typeface="+mn-ea"/>
+                <a:cs typeface="+mn-cs"/>
+              </a:defRPr>
+            </a:lvl6pPr>
+            <a:lvl7pPr marL="2971800" indent="-228600" algn="l" defTabSz="914400" rtl="0" eaLnBrk="1" latinLnBrk="0" hangingPunct="1">
+              <a:lnSpc>
+                <a:spcPct val="90000"/>
+              </a:lnSpc>
+              <a:spcBef>
+                <a:spcPts val="500"/>
+              </a:spcBef>
+              <a:buFont typeface="Arial" panose="020B0604020202020204" pitchFamily="34" charset="0"/>
+              <a:buChar char="•"/>
+              <a:defRPr sz="1800" kern="1200">
+                <a:solidFill>
+                  <a:schemeClr val="tx1"/>
+                </a:solidFill>
+                <a:latin typeface="+mn-lt"/>
+                <a:ea typeface="+mn-ea"/>
+                <a:cs typeface="+mn-cs"/>
+              </a:defRPr>
+            </a:lvl7pPr>
+            <a:lvl8pPr marL="3429000" indent="-228600" algn="l" defTabSz="914400" rtl="0" eaLnBrk="1" latinLnBrk="0" hangingPunct="1">
+              <a:lnSpc>
+                <a:spcPct val="90000"/>
+              </a:lnSpc>
+              <a:spcBef>
+                <a:spcPts val="500"/>
+              </a:spcBef>
+              <a:buFont typeface="Arial" panose="020B0604020202020204" pitchFamily="34" charset="0"/>
+              <a:buChar char="•"/>
+              <a:defRPr sz="1800" kern="1200">
+                <a:solidFill>
+                  <a:schemeClr val="tx1"/>
+                </a:solidFill>
+                <a:latin typeface="+mn-lt"/>
+                <a:ea typeface="+mn-ea"/>
+                <a:cs typeface="+mn-cs"/>
+              </a:defRPr>
+            </a:lvl8pPr>
+            <a:lvl9pPr marL="3886200" indent="-228600" algn="l" defTabSz="914400" rtl="0" eaLnBrk="1" latinLnBrk="0" hangingPunct="1">
+              <a:lnSpc>
+                <a:spcPct val="90000"/>
+              </a:lnSpc>
+              <a:spcBef>
+                <a:spcPts val="500"/>
+              </a:spcBef>
+              <a:buFont typeface="Arial" panose="020B0604020202020204" pitchFamily="34" charset="0"/>
+              <a:buChar char="•"/>
+              <a:defRPr sz="1800" kern="1200">
+                <a:solidFill>
+                  <a:schemeClr val="tx1"/>
+                </a:solidFill>
+                <a:latin typeface="+mn-lt"/>
+                <a:ea typeface="+mn-ea"/>
+                <a:cs typeface="+mn-cs"/>
+              </a:defRPr>
+            </a:lvl9pPr>
+          </a:lstStyle>
+          <a:p>
+            <a:pPr marL="0" indent="0" algn="ctr">
+              <a:buFont typeface="Arial" panose="020B0604020202020204" pitchFamily="34" charset="0"/>
+              <a:buNone/>
+            </a:pPr>
+            <a:r>
+              <a:rPr lang="ru-RU" dirty="0"/>
+              <a:t>Буйлов Н.О.</a:t>
+            </a:r>
+          </a:p>
+          <a:p>
+            <a:r>
+              <a:rPr lang="ru-RU" sz="2400" dirty="0"/>
+              <a:t>Размещение проекта на хостинге</a:t>
+            </a:r>
+          </a:p>
+          <a:p>
+            <a:r>
+              <a:rPr lang="ru-RU" sz="2400" dirty="0"/>
+              <a:t>Проектирование моделей </a:t>
+            </a:r>
+            <a:r>
+              <a:rPr lang="en-US" sz="2400" dirty="0"/>
+              <a:t>Django</a:t>
+            </a:r>
+            <a:endParaRPr lang="ru-RU" sz="2400" dirty="0"/>
+          </a:p>
+          <a:p>
+            <a:r>
+              <a:rPr lang="ru-RU" sz="2400" dirty="0"/>
+              <a:t>Функционал главной страницы</a:t>
+            </a:r>
+          </a:p>
+          <a:p>
+            <a:r>
+              <a:rPr lang="ru-RU" sz="2400" dirty="0"/>
+              <a:t>Функционал страницы обратной связи</a:t>
+            </a:r>
+          </a:p>
+          <a:p>
+            <a:r>
+              <a:rPr lang="ru-RU" sz="2400" dirty="0"/>
+              <a:t>Функционал подписки по </a:t>
+            </a:r>
+            <a:r>
+              <a:rPr lang="en-US" sz="2400" dirty="0"/>
+              <a:t>E-Mail</a:t>
+            </a:r>
+            <a:endParaRPr lang="ru-RU" sz="2400" dirty="0"/>
+          </a:p>
+        </p:txBody>
+      </p:sp>
+      <p:sp>
+        <p:nvSpPr>
+          <p:cNvPr id="9" name="Объект 2">
+            <a:extLst>
+              <a:ext uri="{FF2B5EF4-FFF2-40B4-BE49-F238E27FC236}">
+                <a16:creationId xmlns:a16="http://schemas.microsoft.com/office/drawing/2014/main" id="{7D0907C6-7B5F-43A4-9839-F5D62CEEA8C4}"/>
+              </a:ext>
+            </a:extLst>
+          </p:cNvPr>
+          <p:cNvSpPr txBox="1">
+            <a:spLocks/>
+          </p:cNvSpPr>
+          <p:nvPr/>
+        </p:nvSpPr>
+        <p:spPr>
+          <a:xfrm>
+            <a:off x="7838526" y="1825625"/>
+            <a:ext cx="3515274" cy="4895850"/>
+          </a:xfrm>
+          <a:prstGeom prst="rect">
+            <a:avLst/>
+          </a:prstGeom>
+        </p:spPr>
+        <p:txBody>
+          <a:bodyPr vert="horz" lIns="91440" tIns="45720" rIns="91440" bIns="45720" rtlCol="0">
+            <a:noAutofit/>
+          </a:bodyPr>
+          <a:lstStyle>
+            <a:lvl1pPr marL="228600" indent="-228600" algn="l" defTabSz="914400" rtl="0" eaLnBrk="1" latinLnBrk="0" hangingPunct="1">
+              <a:lnSpc>
+                <a:spcPct val="90000"/>
+              </a:lnSpc>
+              <a:spcBef>
+                <a:spcPts val="1000"/>
+              </a:spcBef>
+              <a:buFont typeface="Arial" panose="020B0604020202020204" pitchFamily="34" charset="0"/>
+              <a:buChar char="•"/>
+              <a:defRPr sz="2800" kern="1200">
+                <a:solidFill>
+                  <a:schemeClr val="tx1"/>
+                </a:solidFill>
+                <a:latin typeface="+mn-lt"/>
+                <a:ea typeface="+mn-ea"/>
+                <a:cs typeface="+mn-cs"/>
+              </a:defRPr>
+            </a:lvl1pPr>
+            <a:lvl2pPr marL="685800" indent="-228600" algn="l" defTabSz="914400" rtl="0" eaLnBrk="1" latinLnBrk="0" hangingPunct="1">
+              <a:lnSpc>
+                <a:spcPct val="90000"/>
+              </a:lnSpc>
+              <a:spcBef>
+                <a:spcPts val="500"/>
+              </a:spcBef>
+              <a:buFont typeface="Arial" panose="020B0604020202020204" pitchFamily="34" charset="0"/>
+              <a:buChar char="•"/>
+              <a:defRPr sz="2400" kern="1200">
+                <a:solidFill>
+                  <a:schemeClr val="tx1"/>
+                </a:solidFill>
+                <a:latin typeface="+mn-lt"/>
+                <a:ea typeface="+mn-ea"/>
+                <a:cs typeface="+mn-cs"/>
+              </a:defRPr>
+            </a:lvl2pPr>
+            <a:lvl3pPr marL="1143000" indent="-228600" algn="l" defTabSz="914400" rtl="0" eaLnBrk="1" latinLnBrk="0" hangingPunct="1">
+              <a:lnSpc>
+                <a:spcPct val="90000"/>
+              </a:lnSpc>
+              <a:spcBef>
+                <a:spcPts val="500"/>
+              </a:spcBef>
+              <a:buFont typeface="Arial" panose="020B0604020202020204" pitchFamily="34" charset="0"/>
+              <a:buChar char="•"/>
+              <a:defRPr sz="2000" kern="1200">
+                <a:solidFill>
+                  <a:schemeClr val="tx1"/>
+                </a:solidFill>
+                <a:latin typeface="+mn-lt"/>
+                <a:ea typeface="+mn-ea"/>
+                <a:cs typeface="+mn-cs"/>
+              </a:defRPr>
+            </a:lvl3pPr>
+            <a:lvl4pPr marL="1600200" indent="-228600" algn="l" defTabSz="914400" rtl="0" eaLnBrk="1" latinLnBrk="0" hangingPunct="1">
+              <a:lnSpc>
+                <a:spcPct val="90000"/>
+              </a:lnSpc>
+              <a:spcBef>
+                <a:spcPts val="500"/>
+              </a:spcBef>
+              <a:buFont typeface="Arial" panose="020B0604020202020204" pitchFamily="34" charset="0"/>
+              <a:buChar char="•"/>
+              <a:defRPr sz="1800" kern="1200">
+                <a:solidFill>
+                  <a:schemeClr val="tx1"/>
+                </a:solidFill>
+                <a:latin typeface="+mn-lt"/>
+                <a:ea typeface="+mn-ea"/>
+                <a:cs typeface="+mn-cs"/>
+              </a:defRPr>
+            </a:lvl4pPr>
+            <a:lvl5pPr marL="2057400" indent="-228600" algn="l" defTabSz="914400" rtl="0" eaLnBrk="1" latinLnBrk="0" hangingPunct="1">
+              <a:lnSpc>
+                <a:spcPct val="90000"/>
+              </a:lnSpc>
+              <a:spcBef>
+                <a:spcPts val="500"/>
+              </a:spcBef>
+              <a:buFont typeface="Arial" panose="020B0604020202020204" pitchFamily="34" charset="0"/>
+              <a:buChar char="•"/>
+              <a:defRPr sz="1800" kern="1200">
+                <a:solidFill>
+                  <a:schemeClr val="tx1"/>
+                </a:solidFill>
+                <a:latin typeface="+mn-lt"/>
+                <a:ea typeface="+mn-ea"/>
+                <a:cs typeface="+mn-cs"/>
+              </a:defRPr>
+            </a:lvl5pPr>
+            <a:lvl6pPr marL="2514600" indent="-228600" algn="l" defTabSz="914400" rtl="0" eaLnBrk="1" latinLnBrk="0" hangingPunct="1">
+              <a:lnSpc>
+                <a:spcPct val="90000"/>
+              </a:lnSpc>
+              <a:spcBef>
+                <a:spcPts val="500"/>
+              </a:spcBef>
+              <a:buFont typeface="Arial" panose="020B0604020202020204" pitchFamily="34" charset="0"/>
+              <a:buChar char="•"/>
+              <a:defRPr sz="1800" kern="1200">
+                <a:solidFill>
+                  <a:schemeClr val="tx1"/>
+                </a:solidFill>
+                <a:latin typeface="+mn-lt"/>
+                <a:ea typeface="+mn-ea"/>
+                <a:cs typeface="+mn-cs"/>
+              </a:defRPr>
+            </a:lvl6pPr>
+            <a:lvl7pPr marL="2971800" indent="-228600" algn="l" defTabSz="914400" rtl="0" eaLnBrk="1" latinLnBrk="0" hangingPunct="1">
+              <a:lnSpc>
+                <a:spcPct val="90000"/>
+              </a:lnSpc>
+              <a:spcBef>
+                <a:spcPts val="500"/>
+              </a:spcBef>
+              <a:buFont typeface="Arial" panose="020B0604020202020204" pitchFamily="34" charset="0"/>
+              <a:buChar char="•"/>
+              <a:defRPr sz="1800" kern="1200">
+                <a:solidFill>
+                  <a:schemeClr val="tx1"/>
+                </a:solidFill>
+                <a:latin typeface="+mn-lt"/>
+                <a:ea typeface="+mn-ea"/>
+                <a:cs typeface="+mn-cs"/>
+              </a:defRPr>
+            </a:lvl7pPr>
+            <a:lvl8pPr marL="3429000" indent="-228600" algn="l" defTabSz="914400" rtl="0" eaLnBrk="1" latinLnBrk="0" hangingPunct="1">
+              <a:lnSpc>
+                <a:spcPct val="90000"/>
+              </a:lnSpc>
+              <a:spcBef>
+                <a:spcPts val="500"/>
+              </a:spcBef>
+              <a:buFont typeface="Arial" panose="020B0604020202020204" pitchFamily="34" charset="0"/>
+              <a:buChar char="•"/>
+              <a:defRPr sz="1800" kern="1200">
+                <a:solidFill>
+                  <a:schemeClr val="tx1"/>
+                </a:solidFill>
+                <a:latin typeface="+mn-lt"/>
+                <a:ea typeface="+mn-ea"/>
+                <a:cs typeface="+mn-cs"/>
+              </a:defRPr>
+            </a:lvl8pPr>
+            <a:lvl9pPr marL="3886200" indent="-228600" algn="l" defTabSz="914400" rtl="0" eaLnBrk="1" latinLnBrk="0" hangingPunct="1">
+              <a:lnSpc>
+                <a:spcPct val="90000"/>
+              </a:lnSpc>
+              <a:spcBef>
+                <a:spcPts val="500"/>
+              </a:spcBef>
+              <a:buFont typeface="Arial" panose="020B0604020202020204" pitchFamily="34" charset="0"/>
+              <a:buChar char="•"/>
+              <a:defRPr sz="1800" kern="1200">
+                <a:solidFill>
+                  <a:schemeClr val="tx1"/>
+                </a:solidFill>
+                <a:latin typeface="+mn-lt"/>
+                <a:ea typeface="+mn-ea"/>
+                <a:cs typeface="+mn-cs"/>
+              </a:defRPr>
+            </a:lvl9pPr>
+          </a:lstStyle>
+          <a:p>
+            <a:pPr marL="0" indent="0" algn="ctr">
+              <a:buFont typeface="Arial" panose="020B0604020202020204" pitchFamily="34" charset="0"/>
+              <a:buNone/>
+            </a:pPr>
+            <a:r>
+              <a:rPr lang="ru-RU" dirty="0"/>
+              <a:t>Свиридов М.А.</a:t>
+            </a:r>
+          </a:p>
+          <a:p>
+            <a:r>
+              <a:rPr lang="en-US" sz="2400" dirty="0"/>
+              <a:t>UNIT-</a:t>
+            </a:r>
+            <a:r>
+              <a:rPr lang="ru-RU" sz="2400" dirty="0"/>
+              <a:t>тесты</a:t>
+            </a:r>
+          </a:p>
+          <a:p>
+            <a:r>
+              <a:rPr lang="ru-RU" sz="2400" dirty="0"/>
+              <a:t>Диаграммы </a:t>
+            </a:r>
+            <a:r>
+              <a:rPr lang="en-US" sz="2400" dirty="0"/>
+              <a:t>UML</a:t>
+            </a:r>
+            <a:endParaRPr lang="ru-RU" sz="2400" dirty="0"/>
+          </a:p>
+          <a:p>
+            <a:r>
+              <a:rPr lang="ru-RU" sz="2400" dirty="0"/>
+              <a:t>Воронки аналитики</a:t>
+            </a:r>
+          </a:p>
+        </p:txBody>
+      </p:sp>
+    </p:spTree>
+    <p:extLst>
+      <p:ext uri="{BB962C8B-B14F-4D97-AF65-F5344CB8AC3E}">
+        <p14:creationId xmlns:p14="http://schemas.microsoft.com/office/powerpoint/2010/main" val="3032846273"/>
+      </p:ext>
+    </p:extLst>
+  </p:cSld>
+  <p:clrMapOvr>
+    <a:masterClrMapping/>
+  </p:clrMapOvr>
+</p:sld>
+</file>
+
+<file path=ppt/slides/slide20.xml><?xml version="1.0" encoding="utf-8"?>
+<p:sld xmlns:a="http://schemas.openxmlformats.org/drawingml/2006/main" xmlns:r="http://schemas.openxmlformats.org/officeDocument/2006/relationships" xmlns:p="http://schemas.openxmlformats.org/presentationml/2006/main">
+  <p:cSld>
+    <p:spTree>
+      <p:nvGrpSpPr>
+        <p:cNvPr id="1" name=""/>
+        <p:cNvGrpSpPr/>
+        <p:nvPr/>
+      </p:nvGrpSpPr>
+      <p:grpSpPr>
+        <a:xfrm>
+          <a:off x="0" y="0"/>
+          <a:ext cx="0" cy="0"/>
+          <a:chOff x="0" y="0"/>
+          <a:chExt cx="0" cy="0"/>
+        </a:xfrm>
+      </p:grpSpPr>
+      <p:sp>
+        <p:nvSpPr>
+          <p:cNvPr id="2" name="Заголовок 1">
+            <a:extLst>
+              <a:ext uri="{FF2B5EF4-FFF2-40B4-BE49-F238E27FC236}">
+                <a16:creationId xmlns:a16="http://schemas.microsoft.com/office/drawing/2014/main" id="{00D34DAC-5149-4782-A444-95DD737E4B00}"/>
+              </a:ext>
+            </a:extLst>
+          </p:cNvPr>
+          <p:cNvSpPr>
+            <a:spLocks noGrp="1"/>
+          </p:cNvSpPr>
+          <p:nvPr>
+            <p:ph type="title"/>
+          </p:nvPr>
+        </p:nvSpPr>
+        <p:spPr>
+          <a:xfrm>
+            <a:off x="884767" y="349092"/>
+            <a:ext cx="10515600" cy="1325563"/>
+          </a:xfrm>
+        </p:spPr>
+        <p:txBody>
+          <a:bodyPr/>
+          <a:lstStyle/>
+          <a:p>
+            <a:r>
+              <a:rPr lang="ru-RU" dirty="0"/>
+              <a:t>Блоки с функционалом автора</a:t>
+            </a:r>
+          </a:p>
+        </p:txBody>
+      </p:sp>
+      <p:sp>
+        <p:nvSpPr>
+          <p:cNvPr id="4" name="Номер слайда 3">
+            <a:extLst>
+              <a:ext uri="{FF2B5EF4-FFF2-40B4-BE49-F238E27FC236}">
+                <a16:creationId xmlns:a16="http://schemas.microsoft.com/office/drawing/2014/main" id="{0116E812-AC40-439C-A481-04BFDE222DFB}"/>
+              </a:ext>
+            </a:extLst>
+          </p:cNvPr>
+          <p:cNvSpPr>
+            <a:spLocks noGrp="1"/>
+          </p:cNvSpPr>
+          <p:nvPr>
+            <p:ph type="sldNum" sz="quarter" idx="12"/>
+          </p:nvPr>
+        </p:nvSpPr>
+        <p:spPr/>
+        <p:txBody>
+          <a:bodyPr/>
+          <a:lstStyle/>
+          <a:p>
+            <a:fld id="{FFB6C268-143E-4CE1-AEAF-03F5A77D796B}" type="slidenum">
+              <a:rPr lang="ru-RU" smtClean="0"/>
+              <a:t>20</a:t>
+            </a:fld>
+            <a:endParaRPr lang="ru-RU"/>
+          </a:p>
+        </p:txBody>
+      </p:sp>
+      <p:pic>
+        <p:nvPicPr>
+          <p:cNvPr id="7" name="Рисунок 6">
+            <a:extLst>
+              <a:ext uri="{FF2B5EF4-FFF2-40B4-BE49-F238E27FC236}">
+                <a16:creationId xmlns:a16="http://schemas.microsoft.com/office/drawing/2014/main" id="{862AECEF-D593-498B-ACE3-FF2CFCF2E62F}"/>
+              </a:ext>
+            </a:extLst>
+          </p:cNvPr>
+          <p:cNvPicPr/>
+          <p:nvPr/>
+        </p:nvPicPr>
+        <p:blipFill rotWithShape="1">
+          <a:blip r:embed="rId2">
+            <a:extLst>
+              <a:ext uri="{28A0092B-C50C-407E-A947-70E740481C1C}">
+                <a14:useLocalDpi xmlns:a14="http://schemas.microsoft.com/office/drawing/2010/main" val="0"/>
+              </a:ext>
+            </a:extLst>
+          </a:blip>
+          <a:srcRect t="8003" b="3890"/>
+          <a:stretch/>
+        </p:blipFill>
+        <p:spPr bwMode="auto">
+          <a:xfrm>
+            <a:off x="6457949" y="1646159"/>
+            <a:ext cx="5422901" cy="4605810"/>
+          </a:xfrm>
+          <a:prstGeom prst="rect">
+            <a:avLst/>
+          </a:prstGeom>
+          <a:noFill/>
+          <a:ln>
+            <a:noFill/>
+          </a:ln>
+        </p:spPr>
+      </p:pic>
+      <p:pic>
+        <p:nvPicPr>
+          <p:cNvPr id="3" name="Рисунок 2">
+            <a:extLst>
+              <a:ext uri="{FF2B5EF4-FFF2-40B4-BE49-F238E27FC236}">
+                <a16:creationId xmlns:a16="http://schemas.microsoft.com/office/drawing/2014/main" id="{6E7BA73C-C7AA-40B6-BA46-6148B988B700}"/>
+              </a:ext>
+            </a:extLst>
+          </p:cNvPr>
+          <p:cNvPicPr>
+            <a:picLocks noChangeAspect="1"/>
+          </p:cNvPicPr>
+          <p:nvPr/>
+        </p:nvPicPr>
+        <p:blipFill>
+          <a:blip r:embed="rId3"/>
+          <a:stretch>
+            <a:fillRect/>
+          </a:stretch>
+        </p:blipFill>
+        <p:spPr>
+          <a:xfrm>
+            <a:off x="884767" y="1454994"/>
+            <a:ext cx="5152905" cy="4988140"/>
+          </a:xfrm>
+          <a:prstGeom prst="rect">
+            <a:avLst/>
+          </a:prstGeom>
+        </p:spPr>
+      </p:pic>
+    </p:spTree>
+    <p:extLst>
+      <p:ext uri="{BB962C8B-B14F-4D97-AF65-F5344CB8AC3E}">
+        <p14:creationId xmlns:p14="http://schemas.microsoft.com/office/powerpoint/2010/main" val="3078340785"/>
+      </p:ext>
+    </p:extLst>
+  </p:cSld>
+  <p:clrMapOvr>
+    <a:masterClrMapping/>
+  </p:clrMapOvr>
+</p:sld>
+</file>
+
+<file path=ppt/slides/slide21.xml><?xml version="1.0" encoding="utf-8"?>
+<p:sld xmlns:a="http://schemas.openxmlformats.org/drawingml/2006/main" xmlns:r="http://schemas.openxmlformats.org/officeDocument/2006/relationships" xmlns:p="http://schemas.openxmlformats.org/presentationml/2006/main">
+  <p:cSld>
+    <p:spTree>
+      <p:nvGrpSpPr>
+        <p:cNvPr id="1" name=""/>
+        <p:cNvGrpSpPr/>
+        <p:nvPr/>
+      </p:nvGrpSpPr>
+      <p:grpSpPr>
+        <a:xfrm>
+          <a:off x="0" y="0"/>
+          <a:ext cx="0" cy="0"/>
+          <a:chOff x="0" y="0"/>
+          <a:chExt cx="0" cy="0"/>
+        </a:xfrm>
+      </p:grpSpPr>
+      <p:sp>
+        <p:nvSpPr>
+          <p:cNvPr id="2" name="Заголовок 1">
+            <a:extLst>
+              <a:ext uri="{FF2B5EF4-FFF2-40B4-BE49-F238E27FC236}">
+                <a16:creationId xmlns:a16="http://schemas.microsoft.com/office/drawing/2014/main" id="{66BB01F9-D155-4CDE-BC88-2AA50490A31B}"/>
+              </a:ext>
+            </a:extLst>
+          </p:cNvPr>
+          <p:cNvSpPr>
+            <a:spLocks noGrp="1"/>
+          </p:cNvSpPr>
+          <p:nvPr>
+            <p:ph type="title"/>
+          </p:nvPr>
+        </p:nvSpPr>
+        <p:spPr/>
+        <p:txBody>
+          <a:bodyPr/>
+          <a:lstStyle/>
+          <a:p>
+            <a:r>
+              <a:rPr lang="ru-RU" dirty="0"/>
+              <a:t>Заключение</a:t>
+            </a:r>
+          </a:p>
+        </p:txBody>
+      </p:sp>
+      <p:sp>
+        <p:nvSpPr>
+          <p:cNvPr id="7" name="Объект 6">
+            <a:extLst>
+              <a:ext uri="{FF2B5EF4-FFF2-40B4-BE49-F238E27FC236}">
+                <a16:creationId xmlns:a16="http://schemas.microsoft.com/office/drawing/2014/main" id="{E7F271F8-7D0B-460D-A4FC-8A65DE4754A2}"/>
+              </a:ext>
+            </a:extLst>
+          </p:cNvPr>
+          <p:cNvSpPr>
+            <a:spLocks noGrp="1"/>
+          </p:cNvSpPr>
+          <p:nvPr>
+            <p:ph idx="1"/>
+          </p:nvPr>
+        </p:nvSpPr>
+        <p:spPr>
+          <a:xfrm>
+            <a:off x="838199" y="1895367"/>
+            <a:ext cx="10515600" cy="4351338"/>
+          </a:xfrm>
+        </p:spPr>
+        <p:txBody>
+          <a:bodyPr/>
+          <a:lstStyle/>
+          <a:p>
+            <a:r>
+              <a:rPr lang="ru-RU" dirty="0"/>
+              <a:t>В ходе выполнения курсового проекта нашей командой было разработано работающее приложение – корпоративный блог, удовлетворяющее требованиям, которые были поставлены при составлении технического задания.</a:t>
+            </a:r>
+          </a:p>
+          <a:p>
+            <a:r>
+              <a:rPr lang="ru-RU" dirty="0"/>
+              <a:t>Перед разработкой системы нами был проведён анализ рынка с целью выявления достоинств и недостатков схожих по функционалу систем.</a:t>
+            </a:r>
+            <a:endParaRPr lang="en-US" dirty="0"/>
+          </a:p>
+        </p:txBody>
+      </p:sp>
+      <p:sp>
+        <p:nvSpPr>
+          <p:cNvPr id="8" name="Номер слайда 7">
+            <a:extLst>
+              <a:ext uri="{FF2B5EF4-FFF2-40B4-BE49-F238E27FC236}">
+                <a16:creationId xmlns:a16="http://schemas.microsoft.com/office/drawing/2014/main" id="{32EDD892-3E9D-415B-9E8F-7FAD46B6F67C}"/>
+              </a:ext>
+            </a:extLst>
+          </p:cNvPr>
+          <p:cNvSpPr>
+            <a:spLocks noGrp="1"/>
+          </p:cNvSpPr>
+          <p:nvPr>
+            <p:ph type="sldNum" sz="quarter" idx="12"/>
+          </p:nvPr>
+        </p:nvSpPr>
+        <p:spPr/>
+        <p:txBody>
+          <a:bodyPr/>
+          <a:lstStyle/>
+          <a:p>
+            <a:fld id="{FFB6C268-143E-4CE1-AEAF-03F5A77D796B}" type="slidenum">
+              <a:rPr lang="ru-RU" smtClean="0"/>
+              <a:t>21</a:t>
+            </a:fld>
+            <a:endParaRPr lang="ru-RU"/>
+          </a:p>
+        </p:txBody>
+      </p:sp>
+    </p:spTree>
+    <p:extLst>
+      <p:ext uri="{BB962C8B-B14F-4D97-AF65-F5344CB8AC3E}">
+        <p14:creationId xmlns:p14="http://schemas.microsoft.com/office/powerpoint/2010/main" val="2742554569"/>
+      </p:ext>
+    </p:extLst>
+  </p:cSld>
+  <p:clrMapOvr>
+    <a:masterClrMapping/>
+  </p:clrMapOvr>
+</p:sld>
+</file>
+
+<file path=ppt/slides/slide22.xml><?xml version="1.0" encoding="utf-8"?>
+<p:sld xmlns:a="http://schemas.openxmlformats.org/drawingml/2006/main" xmlns:r="http://schemas.openxmlformats.org/officeDocument/2006/relationships" xmlns:p="http://schemas.openxmlformats.org/presentationml/2006/main">
+  <p:cSld>
+    <p:spTree>
+      <p:nvGrpSpPr>
+        <p:cNvPr id="1" name=""/>
+        <p:cNvGrpSpPr/>
+        <p:nvPr/>
+      </p:nvGrpSpPr>
+      <p:grpSpPr>
+        <a:xfrm>
+          <a:off x="0" y="0"/>
+          <a:ext cx="0" cy="0"/>
+          <a:chOff x="0" y="0"/>
+          <a:chExt cx="0" cy="0"/>
+        </a:xfrm>
+      </p:grpSpPr>
+      <p:sp>
+        <p:nvSpPr>
+          <p:cNvPr id="2" name="Заголовок 1">
+            <a:extLst>
+              <a:ext uri="{FF2B5EF4-FFF2-40B4-BE49-F238E27FC236}">
+                <a16:creationId xmlns:a16="http://schemas.microsoft.com/office/drawing/2014/main" id="{02441C18-ADE7-4359-96BC-680B4EBA89D2}"/>
+              </a:ext>
+            </a:extLst>
+          </p:cNvPr>
+          <p:cNvSpPr>
+            <a:spLocks noGrp="1"/>
+          </p:cNvSpPr>
+          <p:nvPr>
+            <p:ph type="ctrTitle"/>
+          </p:nvPr>
+        </p:nvSpPr>
+        <p:spPr>
+          <a:xfrm>
+            <a:off x="1523999" y="2406257"/>
+            <a:ext cx="9144000" cy="1350069"/>
+          </a:xfrm>
+        </p:spPr>
+        <p:txBody>
+          <a:bodyPr>
+            <a:normAutofit/>
+          </a:bodyPr>
+          <a:lstStyle/>
+          <a:p>
+            <a:r>
+              <a:rPr lang="ru-RU" sz="4400" u="sng" dirty="0"/>
+              <a:t>Курсовой проект</a:t>
+            </a:r>
+            <a:br>
+              <a:rPr lang="ru-RU" sz="4400" u="sng" dirty="0"/>
+            </a:br>
+            <a:r>
+              <a:rPr lang="ru-RU" sz="4400" dirty="0"/>
+              <a:t>на тему: «Корпоративный блог»</a:t>
+            </a:r>
+          </a:p>
+        </p:txBody>
+      </p:sp>
+      <p:sp>
+        <p:nvSpPr>
+          <p:cNvPr id="3" name="Подзаголовок 2">
+            <a:extLst>
+              <a:ext uri="{FF2B5EF4-FFF2-40B4-BE49-F238E27FC236}">
+                <a16:creationId xmlns:a16="http://schemas.microsoft.com/office/drawing/2014/main" id="{FF544F22-9AD1-4FEE-A77A-368F71A5E271}"/>
+              </a:ext>
+            </a:extLst>
+          </p:cNvPr>
+          <p:cNvSpPr>
+            <a:spLocks noGrp="1"/>
+          </p:cNvSpPr>
+          <p:nvPr>
+            <p:ph type="subTitle" idx="1"/>
+          </p:nvPr>
+        </p:nvSpPr>
+        <p:spPr>
+          <a:xfrm>
+            <a:off x="1007389" y="4704503"/>
+            <a:ext cx="10177221" cy="1350068"/>
+          </a:xfrm>
+        </p:spPr>
+        <p:txBody>
+          <a:bodyPr numCol="2">
+            <a:normAutofit fontScale="85000" lnSpcReduction="20000"/>
+          </a:bodyPr>
+          <a:lstStyle/>
+          <a:p>
+            <a:pPr algn="l"/>
+            <a:r>
+              <a:rPr lang="ru-RU" dirty="0"/>
+              <a:t>Выполнили ст. 3 курса оч. отд.</a:t>
+            </a:r>
+          </a:p>
+          <a:p>
+            <a:pPr algn="l"/>
+            <a:r>
+              <a:rPr lang="ru-RU" dirty="0"/>
+              <a:t>Руководитель</a:t>
+            </a:r>
+          </a:p>
+          <a:p>
+            <a:pPr algn="l"/>
+            <a:endParaRPr lang="ru-RU" dirty="0"/>
+          </a:p>
+          <a:p>
+            <a:pPr algn="l"/>
+            <a:endParaRPr lang="ru-RU" dirty="0"/>
+          </a:p>
+          <a:p>
+            <a:pPr algn="r"/>
+            <a:r>
+              <a:rPr lang="ru-RU" dirty="0"/>
+              <a:t>А.О. Бородин, Н.О. Буйлов, М.А. Свиридов</a:t>
+            </a:r>
+          </a:p>
+          <a:p>
+            <a:pPr algn="l"/>
+            <a:endParaRPr lang="ru-RU" dirty="0"/>
+          </a:p>
+          <a:p>
+            <a:pPr algn="l"/>
+            <a:endParaRPr lang="ru-RU" dirty="0"/>
+          </a:p>
+        </p:txBody>
+      </p:sp>
+      <p:sp>
+        <p:nvSpPr>
+          <p:cNvPr id="4" name="Подзаголовок 2">
+            <a:extLst>
+              <a:ext uri="{FF2B5EF4-FFF2-40B4-BE49-F238E27FC236}">
+                <a16:creationId xmlns:a16="http://schemas.microsoft.com/office/drawing/2014/main" id="{4A3B1525-ECF3-423C-856A-0812197483EC}"/>
+              </a:ext>
+            </a:extLst>
+          </p:cNvPr>
+          <p:cNvSpPr txBox="1">
+            <a:spLocks/>
+          </p:cNvSpPr>
+          <p:nvPr/>
+        </p:nvSpPr>
+        <p:spPr>
+          <a:xfrm>
+            <a:off x="1524000" y="6054571"/>
+            <a:ext cx="9144000" cy="803429"/>
+          </a:xfrm>
+          <a:prstGeom prst="rect">
+            <a:avLst/>
+          </a:prstGeom>
+        </p:spPr>
+        <p:txBody>
+          <a:bodyPr vert="horz" lIns="91440" tIns="45720" rIns="91440" bIns="45720" rtlCol="0">
+            <a:normAutofit/>
+          </a:bodyPr>
+          <a:lstStyle>
+            <a:lvl1pPr marL="0" indent="0" algn="ctr" defTabSz="914400" rtl="0" eaLnBrk="1" latinLnBrk="0" hangingPunct="1">
+              <a:lnSpc>
+                <a:spcPct val="90000"/>
+              </a:lnSpc>
+              <a:spcBef>
+                <a:spcPts val="1000"/>
+              </a:spcBef>
+              <a:buFont typeface="Arial" panose="020B0604020202020204" pitchFamily="34" charset="0"/>
+              <a:buNone/>
+              <a:defRPr sz="2400" kern="1200">
+                <a:solidFill>
+                  <a:schemeClr val="tx1"/>
+                </a:solidFill>
+                <a:latin typeface="+mn-lt"/>
+                <a:ea typeface="+mn-ea"/>
+                <a:cs typeface="+mn-cs"/>
+              </a:defRPr>
+            </a:lvl1pPr>
+            <a:lvl2pPr marL="457200" indent="0" algn="ctr" defTabSz="914400" rtl="0" eaLnBrk="1" latinLnBrk="0" hangingPunct="1">
+              <a:lnSpc>
+                <a:spcPct val="90000"/>
+              </a:lnSpc>
+              <a:spcBef>
+                <a:spcPts val="500"/>
+              </a:spcBef>
+              <a:buFont typeface="Arial" panose="020B0604020202020204" pitchFamily="34" charset="0"/>
+              <a:buNone/>
+              <a:defRPr sz="2000" kern="1200">
+                <a:solidFill>
+                  <a:schemeClr val="tx1"/>
+                </a:solidFill>
+                <a:latin typeface="+mn-lt"/>
+                <a:ea typeface="+mn-ea"/>
+                <a:cs typeface="+mn-cs"/>
+              </a:defRPr>
+            </a:lvl2pPr>
+            <a:lvl3pPr marL="914400" indent="0" algn="ctr" defTabSz="914400" rtl="0" eaLnBrk="1" latinLnBrk="0" hangingPunct="1">
+              <a:lnSpc>
+                <a:spcPct val="90000"/>
+              </a:lnSpc>
+              <a:spcBef>
+                <a:spcPts val="500"/>
+              </a:spcBef>
+              <a:buFont typeface="Arial" panose="020B0604020202020204" pitchFamily="34" charset="0"/>
+              <a:buNone/>
+              <a:defRPr sz="1800" kern="1200">
+                <a:solidFill>
+                  <a:schemeClr val="tx1"/>
+                </a:solidFill>
+                <a:latin typeface="+mn-lt"/>
+                <a:ea typeface="+mn-ea"/>
+                <a:cs typeface="+mn-cs"/>
+              </a:defRPr>
+            </a:lvl3pPr>
+            <a:lvl4pPr marL="1371600" indent="0" algn="ctr" defTabSz="914400" rtl="0" eaLnBrk="1" latinLnBrk="0" hangingPunct="1">
+              <a:lnSpc>
+                <a:spcPct val="90000"/>
+              </a:lnSpc>
+              <a:spcBef>
+                <a:spcPts val="500"/>
+              </a:spcBef>
+              <a:buFont typeface="Arial" panose="020B0604020202020204" pitchFamily="34" charset="0"/>
+              <a:buNone/>
+              <a:defRPr sz="1600" kern="1200">
+                <a:solidFill>
+                  <a:schemeClr val="tx1"/>
+                </a:solidFill>
+                <a:latin typeface="+mn-lt"/>
+                <a:ea typeface="+mn-ea"/>
+                <a:cs typeface="+mn-cs"/>
+              </a:defRPr>
+            </a:lvl4pPr>
+            <a:lvl5pPr marL="1828800" indent="0" algn="ctr" defTabSz="914400" rtl="0" eaLnBrk="1" latinLnBrk="0" hangingPunct="1">
+              <a:lnSpc>
+                <a:spcPct val="90000"/>
+              </a:lnSpc>
+              <a:spcBef>
+                <a:spcPts val="500"/>
+              </a:spcBef>
+              <a:buFont typeface="Arial" panose="020B0604020202020204" pitchFamily="34" charset="0"/>
+              <a:buNone/>
+              <a:defRPr sz="1600" kern="1200">
+                <a:solidFill>
+                  <a:schemeClr val="tx1"/>
+                </a:solidFill>
+                <a:latin typeface="+mn-lt"/>
+                <a:ea typeface="+mn-ea"/>
+                <a:cs typeface="+mn-cs"/>
+              </a:defRPr>
+            </a:lvl5pPr>
+            <a:lvl6pPr marL="2286000" indent="0" algn="ctr" defTabSz="914400" rtl="0" eaLnBrk="1" latinLnBrk="0" hangingPunct="1">
+              <a:lnSpc>
+                <a:spcPct val="90000"/>
+              </a:lnSpc>
+              <a:spcBef>
+                <a:spcPts val="500"/>
+              </a:spcBef>
+              <a:buFont typeface="Arial" panose="020B0604020202020204" pitchFamily="34" charset="0"/>
+              <a:buNone/>
+              <a:defRPr sz="1600" kern="1200">
+                <a:solidFill>
+                  <a:schemeClr val="tx1"/>
+                </a:solidFill>
+                <a:latin typeface="+mn-lt"/>
+                <a:ea typeface="+mn-ea"/>
+                <a:cs typeface="+mn-cs"/>
+              </a:defRPr>
+            </a:lvl6pPr>
+            <a:lvl7pPr marL="2743200" indent="0" algn="ctr" defTabSz="914400" rtl="0" eaLnBrk="1" latinLnBrk="0" hangingPunct="1">
+              <a:lnSpc>
+                <a:spcPct val="90000"/>
+              </a:lnSpc>
+              <a:spcBef>
+                <a:spcPts val="500"/>
+              </a:spcBef>
+              <a:buFont typeface="Arial" panose="020B0604020202020204" pitchFamily="34" charset="0"/>
+              <a:buNone/>
+              <a:defRPr sz="1600" kern="1200">
+                <a:solidFill>
+                  <a:schemeClr val="tx1"/>
+                </a:solidFill>
+                <a:latin typeface="+mn-lt"/>
+                <a:ea typeface="+mn-ea"/>
+                <a:cs typeface="+mn-cs"/>
+              </a:defRPr>
+            </a:lvl7pPr>
+            <a:lvl8pPr marL="3200400" indent="0" algn="ctr" defTabSz="914400" rtl="0" eaLnBrk="1" latinLnBrk="0" hangingPunct="1">
+              <a:lnSpc>
+                <a:spcPct val="90000"/>
+              </a:lnSpc>
+              <a:spcBef>
+                <a:spcPts val="500"/>
+              </a:spcBef>
+              <a:buFont typeface="Arial" panose="020B0604020202020204" pitchFamily="34" charset="0"/>
+              <a:buNone/>
+              <a:defRPr sz="1600" kern="1200">
+                <a:solidFill>
+                  <a:schemeClr val="tx1"/>
+                </a:solidFill>
+                <a:latin typeface="+mn-lt"/>
+                <a:ea typeface="+mn-ea"/>
+                <a:cs typeface="+mn-cs"/>
+              </a:defRPr>
+            </a:lvl8pPr>
+            <a:lvl9pPr marL="3657600" indent="0" algn="ctr" defTabSz="914400" rtl="0" eaLnBrk="1" latinLnBrk="0" hangingPunct="1">
+              <a:lnSpc>
+                <a:spcPct val="90000"/>
+              </a:lnSpc>
+              <a:spcBef>
+                <a:spcPts val="500"/>
+              </a:spcBef>
+              <a:buFont typeface="Arial" panose="020B0604020202020204" pitchFamily="34" charset="0"/>
+              <a:buNone/>
+              <a:defRPr sz="1600" kern="1200">
+                <a:solidFill>
+                  <a:schemeClr val="tx1"/>
+                </a:solidFill>
+                <a:latin typeface="+mn-lt"/>
+                <a:ea typeface="+mn-ea"/>
+                <a:cs typeface="+mn-cs"/>
+              </a:defRPr>
+            </a:lvl9pPr>
+          </a:lstStyle>
+          <a:p>
+            <a:r>
+              <a:rPr lang="ru-RU" dirty="0"/>
+              <a:t>Воронеж, 2020</a:t>
+            </a:r>
+          </a:p>
+        </p:txBody>
+      </p:sp>
+      <p:sp>
+        <p:nvSpPr>
+          <p:cNvPr id="5" name="Подзаголовок 2">
+            <a:extLst>
+              <a:ext uri="{FF2B5EF4-FFF2-40B4-BE49-F238E27FC236}">
+                <a16:creationId xmlns:a16="http://schemas.microsoft.com/office/drawing/2014/main" id="{F6D1A47E-B44B-44E8-8086-191B46DD13DF}"/>
+              </a:ext>
+            </a:extLst>
+          </p:cNvPr>
+          <p:cNvSpPr txBox="1">
+            <a:spLocks/>
+          </p:cNvSpPr>
+          <p:nvPr/>
+        </p:nvSpPr>
+        <p:spPr>
+          <a:xfrm>
+            <a:off x="1524000" y="108012"/>
+            <a:ext cx="9144000" cy="1350068"/>
+          </a:xfrm>
+          <a:prstGeom prst="rect">
+            <a:avLst/>
+          </a:prstGeom>
+        </p:spPr>
+        <p:txBody>
+          <a:bodyPr vert="horz" lIns="91440" tIns="45720" rIns="91440" bIns="45720" numCol="1" rtlCol="0">
+            <a:normAutofit fontScale="55000" lnSpcReduction="20000"/>
+          </a:bodyPr>
+          <a:lstStyle>
+            <a:lvl1pPr marL="0" indent="0" algn="ctr" defTabSz="914400" rtl="0" eaLnBrk="1" latinLnBrk="0" hangingPunct="1">
+              <a:lnSpc>
+                <a:spcPct val="90000"/>
+              </a:lnSpc>
+              <a:spcBef>
+                <a:spcPts val="1000"/>
+              </a:spcBef>
+              <a:buFont typeface="Arial" panose="020B0604020202020204" pitchFamily="34" charset="0"/>
+              <a:buNone/>
+              <a:defRPr sz="2400" kern="1200">
+                <a:solidFill>
+                  <a:schemeClr val="tx1"/>
+                </a:solidFill>
+                <a:latin typeface="+mn-lt"/>
+                <a:ea typeface="+mn-ea"/>
+                <a:cs typeface="+mn-cs"/>
+              </a:defRPr>
+            </a:lvl1pPr>
+            <a:lvl2pPr marL="457200" indent="0" algn="ctr" defTabSz="914400" rtl="0" eaLnBrk="1" latinLnBrk="0" hangingPunct="1">
+              <a:lnSpc>
+                <a:spcPct val="90000"/>
+              </a:lnSpc>
+              <a:spcBef>
+                <a:spcPts val="500"/>
+              </a:spcBef>
+              <a:buFont typeface="Arial" panose="020B0604020202020204" pitchFamily="34" charset="0"/>
+              <a:buNone/>
+              <a:defRPr sz="2000" kern="1200">
+                <a:solidFill>
+                  <a:schemeClr val="tx1"/>
+                </a:solidFill>
+                <a:latin typeface="+mn-lt"/>
+                <a:ea typeface="+mn-ea"/>
+                <a:cs typeface="+mn-cs"/>
+              </a:defRPr>
+            </a:lvl2pPr>
+            <a:lvl3pPr marL="914400" indent="0" algn="ctr" defTabSz="914400" rtl="0" eaLnBrk="1" latinLnBrk="0" hangingPunct="1">
+              <a:lnSpc>
+                <a:spcPct val="90000"/>
+              </a:lnSpc>
+              <a:spcBef>
+                <a:spcPts val="500"/>
+              </a:spcBef>
+              <a:buFont typeface="Arial" panose="020B0604020202020204" pitchFamily="34" charset="0"/>
+              <a:buNone/>
+              <a:defRPr sz="1800" kern="1200">
+                <a:solidFill>
+                  <a:schemeClr val="tx1"/>
+                </a:solidFill>
+                <a:latin typeface="+mn-lt"/>
+                <a:ea typeface="+mn-ea"/>
+                <a:cs typeface="+mn-cs"/>
+              </a:defRPr>
+            </a:lvl3pPr>
+            <a:lvl4pPr marL="1371600" indent="0" algn="ctr" defTabSz="914400" rtl="0" eaLnBrk="1" latinLnBrk="0" hangingPunct="1">
+              <a:lnSpc>
+                <a:spcPct val="90000"/>
+              </a:lnSpc>
+              <a:spcBef>
+                <a:spcPts val="500"/>
+              </a:spcBef>
+              <a:buFont typeface="Arial" panose="020B0604020202020204" pitchFamily="34" charset="0"/>
+              <a:buNone/>
+              <a:defRPr sz="1600" kern="1200">
+                <a:solidFill>
+                  <a:schemeClr val="tx1"/>
+                </a:solidFill>
+                <a:latin typeface="+mn-lt"/>
+                <a:ea typeface="+mn-ea"/>
+                <a:cs typeface="+mn-cs"/>
+              </a:defRPr>
+            </a:lvl4pPr>
+            <a:lvl5pPr marL="1828800" indent="0" algn="ctr" defTabSz="914400" rtl="0" eaLnBrk="1" latinLnBrk="0" hangingPunct="1">
+              <a:lnSpc>
+                <a:spcPct val="90000"/>
+              </a:lnSpc>
+              <a:spcBef>
+                <a:spcPts val="500"/>
+              </a:spcBef>
+              <a:buFont typeface="Arial" panose="020B0604020202020204" pitchFamily="34" charset="0"/>
+              <a:buNone/>
+              <a:defRPr sz="1600" kern="1200">
+                <a:solidFill>
+                  <a:schemeClr val="tx1"/>
+                </a:solidFill>
+                <a:latin typeface="+mn-lt"/>
+                <a:ea typeface="+mn-ea"/>
+                <a:cs typeface="+mn-cs"/>
+              </a:defRPr>
+            </a:lvl5pPr>
+            <a:lvl6pPr marL="2286000" indent="0" algn="ctr" defTabSz="914400" rtl="0" eaLnBrk="1" latinLnBrk="0" hangingPunct="1">
+              <a:lnSpc>
+                <a:spcPct val="90000"/>
+              </a:lnSpc>
+              <a:spcBef>
+                <a:spcPts val="500"/>
+              </a:spcBef>
+              <a:buFont typeface="Arial" panose="020B0604020202020204" pitchFamily="34" charset="0"/>
+              <a:buNone/>
+              <a:defRPr sz="1600" kern="1200">
+                <a:solidFill>
+                  <a:schemeClr val="tx1"/>
+                </a:solidFill>
+                <a:latin typeface="+mn-lt"/>
+                <a:ea typeface="+mn-ea"/>
+                <a:cs typeface="+mn-cs"/>
+              </a:defRPr>
+            </a:lvl6pPr>
+            <a:lvl7pPr marL="2743200" indent="0" algn="ctr" defTabSz="914400" rtl="0" eaLnBrk="1" latinLnBrk="0" hangingPunct="1">
+              <a:lnSpc>
+                <a:spcPct val="90000"/>
+              </a:lnSpc>
+              <a:spcBef>
+                <a:spcPts val="500"/>
+              </a:spcBef>
+              <a:buFont typeface="Arial" panose="020B0604020202020204" pitchFamily="34" charset="0"/>
+              <a:buNone/>
+              <a:defRPr sz="1600" kern="1200">
+                <a:solidFill>
+                  <a:schemeClr val="tx1"/>
+                </a:solidFill>
+                <a:latin typeface="+mn-lt"/>
+                <a:ea typeface="+mn-ea"/>
+                <a:cs typeface="+mn-cs"/>
+              </a:defRPr>
+            </a:lvl7pPr>
+            <a:lvl8pPr marL="3200400" indent="0" algn="ctr" defTabSz="914400" rtl="0" eaLnBrk="1" latinLnBrk="0" hangingPunct="1">
+              <a:lnSpc>
+                <a:spcPct val="90000"/>
+              </a:lnSpc>
+              <a:spcBef>
+                <a:spcPts val="500"/>
+              </a:spcBef>
+              <a:buFont typeface="Arial" panose="020B0604020202020204" pitchFamily="34" charset="0"/>
+              <a:buNone/>
+              <a:defRPr sz="1600" kern="1200">
+                <a:solidFill>
+                  <a:schemeClr val="tx1"/>
+                </a:solidFill>
+                <a:latin typeface="+mn-lt"/>
+                <a:ea typeface="+mn-ea"/>
+                <a:cs typeface="+mn-cs"/>
+              </a:defRPr>
+            </a:lvl8pPr>
+            <a:lvl9pPr marL="3657600" indent="0" algn="ctr" defTabSz="914400" rtl="0" eaLnBrk="1" latinLnBrk="0" hangingPunct="1">
+              <a:lnSpc>
+                <a:spcPct val="90000"/>
+              </a:lnSpc>
+              <a:spcBef>
+                <a:spcPts val="500"/>
+              </a:spcBef>
+              <a:buFont typeface="Arial" panose="020B0604020202020204" pitchFamily="34" charset="0"/>
+              <a:buNone/>
+              <a:defRPr sz="1600" kern="1200">
+                <a:solidFill>
+                  <a:schemeClr val="tx1"/>
+                </a:solidFill>
+                <a:latin typeface="+mn-lt"/>
+                <a:ea typeface="+mn-ea"/>
+                <a:cs typeface="+mn-cs"/>
+              </a:defRPr>
+            </a:lvl9pPr>
+          </a:lstStyle>
+          <a:p>
+            <a:r>
+              <a:rPr lang="ru-RU" dirty="0"/>
+              <a:t>МИНОБРНАУКИ РОССИИ</a:t>
+            </a:r>
+          </a:p>
+          <a:p>
+            <a:r>
+              <a:rPr lang="ru-RU" dirty="0"/>
+              <a:t>ФЕДЕРАЛЬНОЕ ГОСУДАРСТВЕННОЕ БЮДЖЕТНОЕ ОБРАЗОВАТЕЛЬНОЕ УЧРЕЖДЕНИЕ </a:t>
+            </a:r>
+          </a:p>
+          <a:p>
+            <a:r>
+              <a:rPr lang="ru-RU" dirty="0"/>
+              <a:t>ВЫСШЕГО ОБРАЗОВАНИЯ</a:t>
+            </a:r>
+          </a:p>
+          <a:p>
+            <a:r>
+              <a:rPr lang="ru-RU" dirty="0"/>
+              <a:t>«ВОРОНЕЖСКИЙ ГОСУДАРСТВЕННЫЙ УНИВЕРСИТЕТ»</a:t>
+            </a:r>
+          </a:p>
+          <a:p>
+            <a:r>
+              <a:rPr lang="ru-RU" dirty="0"/>
+              <a:t>(ФГБОУ ВО «ВГУ»)</a:t>
+            </a:r>
+          </a:p>
+        </p:txBody>
+      </p:sp>
+    </p:spTree>
+    <p:extLst>
+      <p:ext uri="{BB962C8B-B14F-4D97-AF65-F5344CB8AC3E}">
+        <p14:creationId xmlns:p14="http://schemas.microsoft.com/office/powerpoint/2010/main" val="1631193363"/>
+      </p:ext>
+    </p:extLst>
+  </p:cSld>
+  <p:clrMapOvr>
+    <a:masterClrMapping/>
+  </p:clrMapOvr>
+</p:sld>
+</file>
+
+<file path=ppt/slides/slide3.xml><?xml version="1.0" encoding="utf-8"?>
+<p:sld xmlns:a="http://schemas.openxmlformats.org/drawingml/2006/main" xmlns:r="http://schemas.openxmlformats.org/officeDocument/2006/relationships" xmlns:p="http://schemas.openxmlformats.org/presentationml/2006/main">
+  <p:cSld>
+    <p:spTree>
+      <p:nvGrpSpPr>
+        <p:cNvPr id="1" name=""/>
+        <p:cNvGrpSpPr/>
+        <p:nvPr/>
+      </p:nvGrpSpPr>
+      <p:grpSpPr>
+        <a:xfrm>
+          <a:off x="0" y="0"/>
+          <a:ext cx="0" cy="0"/>
+          <a:chOff x="0" y="0"/>
+          <a:chExt cx="0" cy="0"/>
+        </a:xfrm>
+      </p:grpSpPr>
+      <p:sp>
+        <p:nvSpPr>
+          <p:cNvPr id="2" name="Заголовок 1">
+            <a:extLst>
+              <a:ext uri="{FF2B5EF4-FFF2-40B4-BE49-F238E27FC236}">
+                <a16:creationId xmlns:a16="http://schemas.microsoft.com/office/drawing/2014/main" id="{F1F5D376-765C-4B6B-98C3-BFE58786301A}"/>
+              </a:ext>
+            </a:extLst>
+          </p:cNvPr>
+          <p:cNvSpPr>
+            <a:spLocks noGrp="1"/>
+          </p:cNvSpPr>
+          <p:nvPr>
+            <p:ph type="title"/>
+          </p:nvPr>
+        </p:nvSpPr>
+        <p:spPr/>
+        <p:txBody>
+          <a:bodyPr/>
+          <a:lstStyle/>
+          <a:p>
+            <a:r>
+              <a:rPr lang="ru-RU" dirty="0"/>
+              <a:t>Актуальность</a:t>
+            </a:r>
+          </a:p>
+        </p:txBody>
+      </p:sp>
+      <p:sp>
+        <p:nvSpPr>
+          <p:cNvPr id="4" name="Прямоугольник 3">
+            <a:extLst>
+              <a:ext uri="{FF2B5EF4-FFF2-40B4-BE49-F238E27FC236}">
+                <a16:creationId xmlns:a16="http://schemas.microsoft.com/office/drawing/2014/main" id="{52CEC288-B311-413C-B2B6-86B1D881F454}"/>
+              </a:ext>
+            </a:extLst>
+          </p:cNvPr>
+          <p:cNvSpPr/>
+          <p:nvPr/>
+        </p:nvSpPr>
+        <p:spPr>
+          <a:xfrm>
+            <a:off x="4819327" y="1871415"/>
+            <a:ext cx="2553346" cy="410705"/>
+          </a:xfrm>
+          <a:prstGeom prst="rect">
+            <a:avLst/>
+          </a:prstGeom>
+          <a:noFill/>
+          <a:ln w="9525" cap="flat" cmpd="sng" algn="ctr">
+            <a:solidFill>
+              <a:schemeClr val="dk1"/>
+            </a:solidFill>
+            <a:prstDash val="solid"/>
+            <a:round/>
+            <a:headEnd type="none" w="med" len="med"/>
+            <a:tailEnd type="none" w="med" len="med"/>
+          </a:ln>
+        </p:spPr>
+        <p:style>
+          <a:lnRef idx="0">
+            <a:scrgbClr r="0" g="0" b="0"/>
+          </a:lnRef>
+          <a:fillRef idx="0">
+            <a:scrgbClr r="0" g="0" b="0"/>
+          </a:fillRef>
+          <a:effectRef idx="0">
+            <a:scrgbClr r="0" g="0" b="0"/>
+          </a:effectRef>
+          <a:fontRef idx="minor">
+            <a:schemeClr val="dk1"/>
+          </a:fontRef>
+        </p:style>
+        <p:txBody>
+          <a:bodyPr rtlCol="0" anchor="ctr"/>
+          <a:lstStyle/>
+          <a:p>
+            <a:pPr algn="ctr"/>
+            <a:r>
+              <a:rPr lang="ru-RU" dirty="0"/>
+              <a:t>Корпоративный блог</a:t>
+            </a:r>
+          </a:p>
+        </p:txBody>
+      </p:sp>
+      <p:sp>
+        <p:nvSpPr>
+          <p:cNvPr id="5" name="Прямоугольник 4">
+            <a:extLst>
+              <a:ext uri="{FF2B5EF4-FFF2-40B4-BE49-F238E27FC236}">
+                <a16:creationId xmlns:a16="http://schemas.microsoft.com/office/drawing/2014/main" id="{2D82C613-557F-49EE-BAF2-5FA45A4E359D}"/>
+              </a:ext>
+            </a:extLst>
+          </p:cNvPr>
+          <p:cNvSpPr/>
+          <p:nvPr/>
+        </p:nvSpPr>
+        <p:spPr>
+          <a:xfrm>
+            <a:off x="1577900" y="2549951"/>
+            <a:ext cx="2141994" cy="410705"/>
+          </a:xfrm>
+          <a:prstGeom prst="rect">
+            <a:avLst/>
+          </a:prstGeom>
+          <a:noFill/>
+          <a:ln w="9525" cap="flat" cmpd="sng" algn="ctr">
+            <a:solidFill>
+              <a:schemeClr val="dk1"/>
+            </a:solidFill>
+            <a:prstDash val="solid"/>
+            <a:round/>
+            <a:headEnd type="none" w="med" len="med"/>
+            <a:tailEnd type="none" w="med" len="med"/>
+          </a:ln>
+        </p:spPr>
+        <p:style>
+          <a:lnRef idx="0">
+            <a:scrgbClr r="0" g="0" b="0"/>
+          </a:lnRef>
+          <a:fillRef idx="0">
+            <a:scrgbClr r="0" g="0" b="0"/>
+          </a:fillRef>
+          <a:effectRef idx="0">
+            <a:scrgbClr r="0" g="0" b="0"/>
+          </a:effectRef>
+          <a:fontRef idx="minor">
+            <a:schemeClr val="dk1"/>
+          </a:fontRef>
+        </p:style>
+        <p:txBody>
+          <a:bodyPr rtlCol="0" anchor="ctr"/>
+          <a:lstStyle/>
+          <a:p>
+            <a:pPr algn="ctr"/>
+            <a:r>
+              <a:rPr lang="ru-RU" dirty="0"/>
+              <a:t>Информирование</a:t>
+            </a:r>
+          </a:p>
+        </p:txBody>
+      </p:sp>
+      <p:sp>
+        <p:nvSpPr>
+          <p:cNvPr id="8" name="Прямоугольник 7">
+            <a:extLst>
+              <a:ext uri="{FF2B5EF4-FFF2-40B4-BE49-F238E27FC236}">
+                <a16:creationId xmlns:a16="http://schemas.microsoft.com/office/drawing/2014/main" id="{6705C9D4-5374-46AE-84BB-AB31E13032C7}"/>
+              </a:ext>
+            </a:extLst>
+          </p:cNvPr>
+          <p:cNvSpPr/>
+          <p:nvPr/>
+        </p:nvSpPr>
+        <p:spPr>
+          <a:xfrm>
+            <a:off x="8472107" y="2549951"/>
+            <a:ext cx="2141994" cy="410705"/>
+          </a:xfrm>
+          <a:prstGeom prst="rect">
+            <a:avLst/>
+          </a:prstGeom>
+          <a:noFill/>
+          <a:ln w="9525" cap="flat" cmpd="sng" algn="ctr">
+            <a:solidFill>
+              <a:schemeClr val="dk1"/>
+            </a:solidFill>
+            <a:prstDash val="solid"/>
+            <a:round/>
+            <a:headEnd type="none" w="med" len="med"/>
+            <a:tailEnd type="none" w="med" len="med"/>
+          </a:ln>
+        </p:spPr>
+        <p:style>
+          <a:lnRef idx="0">
+            <a:scrgbClr r="0" g="0" b="0"/>
+          </a:lnRef>
+          <a:fillRef idx="0">
+            <a:scrgbClr r="0" g="0" b="0"/>
+          </a:fillRef>
+          <a:effectRef idx="0">
+            <a:scrgbClr r="0" g="0" b="0"/>
+          </a:effectRef>
+          <a:fontRef idx="minor">
+            <a:schemeClr val="dk1"/>
+          </a:fontRef>
+        </p:style>
+        <p:txBody>
+          <a:bodyPr rtlCol="0" anchor="ctr"/>
+          <a:lstStyle/>
+          <a:p>
+            <a:pPr algn="ctr"/>
+            <a:r>
+              <a:rPr lang="ru-RU" dirty="0"/>
+              <a:t>Продвижение</a:t>
+            </a:r>
+          </a:p>
+        </p:txBody>
+      </p:sp>
+      <p:sp>
+        <p:nvSpPr>
+          <p:cNvPr id="9" name="Прямоугольник 8">
+            <a:extLst>
+              <a:ext uri="{FF2B5EF4-FFF2-40B4-BE49-F238E27FC236}">
+                <a16:creationId xmlns:a16="http://schemas.microsoft.com/office/drawing/2014/main" id="{EC1D3664-8596-4ACD-82BE-8509917DA620}"/>
+              </a:ext>
+            </a:extLst>
+          </p:cNvPr>
+          <p:cNvSpPr/>
+          <p:nvPr/>
+        </p:nvSpPr>
+        <p:spPr>
+          <a:xfrm>
+            <a:off x="1337484" y="3446029"/>
+            <a:ext cx="2622827" cy="410705"/>
+          </a:xfrm>
+          <a:prstGeom prst="rect">
+            <a:avLst/>
+          </a:prstGeom>
+          <a:noFill/>
+          <a:ln w="9525" cap="flat" cmpd="sng" algn="ctr">
+            <a:solidFill>
+              <a:schemeClr val="dk1"/>
+            </a:solidFill>
+            <a:prstDash val="solid"/>
+            <a:round/>
+            <a:headEnd type="none" w="med" len="med"/>
+            <a:tailEnd type="none" w="med" len="med"/>
+          </a:ln>
+        </p:spPr>
+        <p:style>
+          <a:lnRef idx="0">
+            <a:scrgbClr r="0" g="0" b="0"/>
+          </a:lnRef>
+          <a:fillRef idx="0">
+            <a:scrgbClr r="0" g="0" b="0"/>
+          </a:fillRef>
+          <a:effectRef idx="0">
+            <a:scrgbClr r="0" g="0" b="0"/>
+          </a:effectRef>
+          <a:fontRef idx="minor">
+            <a:schemeClr val="dk1"/>
+          </a:fontRef>
+        </p:style>
+        <p:txBody>
+          <a:bodyPr rtlCol="0" anchor="ctr"/>
+          <a:lstStyle/>
+          <a:p>
+            <a:pPr algn="ctr"/>
+            <a:r>
+              <a:rPr lang="ru-RU" dirty="0"/>
+              <a:t>Новостная</a:t>
+            </a:r>
+          </a:p>
+        </p:txBody>
+      </p:sp>
+      <p:sp>
+        <p:nvSpPr>
+          <p:cNvPr id="10" name="Прямоугольник 9">
+            <a:extLst>
+              <a:ext uri="{FF2B5EF4-FFF2-40B4-BE49-F238E27FC236}">
+                <a16:creationId xmlns:a16="http://schemas.microsoft.com/office/drawing/2014/main" id="{03A93F8E-BFAB-47A0-BED5-EA93BC04CFB5}"/>
+              </a:ext>
+            </a:extLst>
+          </p:cNvPr>
+          <p:cNvSpPr/>
+          <p:nvPr/>
+        </p:nvSpPr>
+        <p:spPr>
+          <a:xfrm>
+            <a:off x="1337482" y="4963140"/>
+            <a:ext cx="2622828" cy="410705"/>
+          </a:xfrm>
+          <a:prstGeom prst="rect">
+            <a:avLst/>
+          </a:prstGeom>
+          <a:noFill/>
+          <a:ln w="9525" cap="flat" cmpd="sng" algn="ctr">
+            <a:solidFill>
+              <a:schemeClr val="dk1"/>
+            </a:solidFill>
+            <a:prstDash val="solid"/>
+            <a:round/>
+            <a:headEnd type="none" w="med" len="med"/>
+            <a:tailEnd type="none" w="med" len="med"/>
+          </a:ln>
+        </p:spPr>
+        <p:style>
+          <a:lnRef idx="0">
+            <a:scrgbClr r="0" g="0" b="0"/>
+          </a:lnRef>
+          <a:fillRef idx="0">
+            <a:scrgbClr r="0" g="0" b="0"/>
+          </a:fillRef>
+          <a:effectRef idx="0">
+            <a:scrgbClr r="0" g="0" b="0"/>
+          </a:effectRef>
+          <a:fontRef idx="minor">
+            <a:schemeClr val="dk1"/>
+          </a:fontRef>
+        </p:style>
+        <p:txBody>
+          <a:bodyPr rtlCol="0" anchor="ctr"/>
+          <a:lstStyle/>
+          <a:p>
+            <a:pPr algn="ctr"/>
+            <a:r>
+              <a:rPr lang="ru-RU" dirty="0"/>
+              <a:t>Поддержка и обучение</a:t>
+            </a:r>
+          </a:p>
+        </p:txBody>
+      </p:sp>
+      <p:sp>
+        <p:nvSpPr>
+          <p:cNvPr id="11" name="Прямоугольник 10">
+            <a:extLst>
+              <a:ext uri="{FF2B5EF4-FFF2-40B4-BE49-F238E27FC236}">
+                <a16:creationId xmlns:a16="http://schemas.microsoft.com/office/drawing/2014/main" id="{0C2ECAD9-E81D-42C1-B903-ED1D5F028DEF}"/>
+              </a:ext>
+            </a:extLst>
+          </p:cNvPr>
+          <p:cNvSpPr/>
+          <p:nvPr/>
+        </p:nvSpPr>
+        <p:spPr>
+          <a:xfrm>
+            <a:off x="1337484" y="4205254"/>
+            <a:ext cx="2622827" cy="410705"/>
+          </a:xfrm>
+          <a:prstGeom prst="rect">
+            <a:avLst/>
+          </a:prstGeom>
+          <a:noFill/>
+          <a:ln w="9525" cap="flat" cmpd="sng" algn="ctr">
+            <a:solidFill>
+              <a:schemeClr val="dk1"/>
+            </a:solidFill>
+            <a:prstDash val="solid"/>
+            <a:round/>
+            <a:headEnd type="none" w="med" len="med"/>
+            <a:tailEnd type="none" w="med" len="med"/>
+          </a:ln>
+        </p:spPr>
+        <p:style>
+          <a:lnRef idx="0">
+            <a:scrgbClr r="0" g="0" b="0"/>
+          </a:lnRef>
+          <a:fillRef idx="0">
+            <a:scrgbClr r="0" g="0" b="0"/>
+          </a:fillRef>
+          <a:effectRef idx="0">
+            <a:scrgbClr r="0" g="0" b="0"/>
+          </a:effectRef>
+          <a:fontRef idx="minor">
+            <a:schemeClr val="dk1"/>
+          </a:fontRef>
+        </p:style>
+        <p:txBody>
+          <a:bodyPr rtlCol="0" anchor="ctr"/>
+          <a:lstStyle/>
+          <a:p>
+            <a:pPr algn="ctr"/>
+            <a:r>
+              <a:rPr lang="ru-RU" dirty="0"/>
+              <a:t>Социальная</a:t>
+            </a:r>
+          </a:p>
+        </p:txBody>
+      </p:sp>
+      <p:sp>
+        <p:nvSpPr>
+          <p:cNvPr id="12" name="Прямоугольник 11">
+            <a:extLst>
+              <a:ext uri="{FF2B5EF4-FFF2-40B4-BE49-F238E27FC236}">
+                <a16:creationId xmlns:a16="http://schemas.microsoft.com/office/drawing/2014/main" id="{AEF427A9-BDFD-4CCF-94E4-D8FDBE0512EB}"/>
+              </a:ext>
+            </a:extLst>
+          </p:cNvPr>
+          <p:cNvSpPr/>
+          <p:nvPr/>
+        </p:nvSpPr>
+        <p:spPr>
+          <a:xfrm>
+            <a:off x="8231690" y="3446029"/>
+            <a:ext cx="2622828" cy="410705"/>
+          </a:xfrm>
+          <a:prstGeom prst="rect">
+            <a:avLst/>
+          </a:prstGeom>
+          <a:noFill/>
+          <a:ln w="9525" cap="flat" cmpd="sng" algn="ctr">
+            <a:solidFill>
+              <a:schemeClr val="dk1"/>
+            </a:solidFill>
+            <a:prstDash val="solid"/>
+            <a:round/>
+            <a:headEnd type="none" w="med" len="med"/>
+            <a:tailEnd type="none" w="med" len="med"/>
+          </a:ln>
+        </p:spPr>
+        <p:style>
+          <a:lnRef idx="0">
+            <a:scrgbClr r="0" g="0" b="0"/>
+          </a:lnRef>
+          <a:fillRef idx="0">
+            <a:scrgbClr r="0" g="0" b="0"/>
+          </a:fillRef>
+          <a:effectRef idx="0">
+            <a:scrgbClr r="0" g="0" b="0"/>
+          </a:effectRef>
+          <a:fontRef idx="minor">
+            <a:schemeClr val="dk1"/>
+          </a:fontRef>
+        </p:style>
+        <p:txBody>
+          <a:bodyPr rtlCol="0" anchor="ctr"/>
+          <a:lstStyle/>
+          <a:p>
+            <a:pPr algn="ctr"/>
+            <a:r>
+              <a:rPr lang="ru-RU" dirty="0"/>
+              <a:t>Увеличение трафика</a:t>
+            </a:r>
+          </a:p>
+        </p:txBody>
+      </p:sp>
+      <p:sp>
+        <p:nvSpPr>
+          <p:cNvPr id="13" name="Прямоугольник 12">
+            <a:extLst>
+              <a:ext uri="{FF2B5EF4-FFF2-40B4-BE49-F238E27FC236}">
+                <a16:creationId xmlns:a16="http://schemas.microsoft.com/office/drawing/2014/main" id="{AB7C89C7-4255-46E9-9809-B7A8C35A8FDE}"/>
+              </a:ext>
+            </a:extLst>
+          </p:cNvPr>
+          <p:cNvSpPr/>
+          <p:nvPr/>
+        </p:nvSpPr>
+        <p:spPr>
+          <a:xfrm>
+            <a:off x="8231690" y="4205254"/>
+            <a:ext cx="2622828" cy="410705"/>
+          </a:xfrm>
+          <a:prstGeom prst="rect">
+            <a:avLst/>
+          </a:prstGeom>
+          <a:noFill/>
+          <a:ln w="9525" cap="flat" cmpd="sng" algn="ctr">
+            <a:solidFill>
+              <a:schemeClr val="dk1"/>
+            </a:solidFill>
+            <a:prstDash val="solid"/>
+            <a:round/>
+            <a:headEnd type="none" w="med" len="med"/>
+            <a:tailEnd type="none" w="med" len="med"/>
+          </a:ln>
+        </p:spPr>
+        <p:style>
+          <a:lnRef idx="0">
+            <a:scrgbClr r="0" g="0" b="0"/>
+          </a:lnRef>
+          <a:fillRef idx="0">
+            <a:scrgbClr r="0" g="0" b="0"/>
+          </a:fillRef>
+          <a:effectRef idx="0">
+            <a:scrgbClr r="0" g="0" b="0"/>
+          </a:effectRef>
+          <a:fontRef idx="minor">
+            <a:schemeClr val="dk1"/>
+          </a:fontRef>
+        </p:style>
+        <p:txBody>
+          <a:bodyPr rtlCol="0" anchor="ctr"/>
+          <a:lstStyle/>
+          <a:p>
+            <a:pPr algn="ctr"/>
+            <a:r>
+              <a:rPr lang="ru-RU" dirty="0"/>
+              <a:t>Популяризация бренда</a:t>
+            </a:r>
+          </a:p>
+        </p:txBody>
+      </p:sp>
+      <p:sp>
+        <p:nvSpPr>
+          <p:cNvPr id="14" name="Прямоугольник 13">
+            <a:extLst>
+              <a:ext uri="{FF2B5EF4-FFF2-40B4-BE49-F238E27FC236}">
+                <a16:creationId xmlns:a16="http://schemas.microsoft.com/office/drawing/2014/main" id="{3556EB27-02E8-40D0-86B7-2B3E0D4098AD}"/>
+              </a:ext>
+            </a:extLst>
+          </p:cNvPr>
+          <p:cNvSpPr/>
+          <p:nvPr/>
+        </p:nvSpPr>
+        <p:spPr>
+          <a:xfrm>
+            <a:off x="8231689" y="4963141"/>
+            <a:ext cx="2622829" cy="410705"/>
+          </a:xfrm>
+          <a:prstGeom prst="rect">
+            <a:avLst/>
+          </a:prstGeom>
+          <a:noFill/>
+          <a:ln w="9525" cap="flat" cmpd="sng" algn="ctr">
+            <a:solidFill>
+              <a:schemeClr val="dk1"/>
+            </a:solidFill>
+            <a:prstDash val="solid"/>
+            <a:round/>
+            <a:headEnd type="none" w="med" len="med"/>
+            <a:tailEnd type="none" w="med" len="med"/>
+          </a:ln>
+        </p:spPr>
+        <p:style>
+          <a:lnRef idx="0">
+            <a:scrgbClr r="0" g="0" b="0"/>
+          </a:lnRef>
+          <a:fillRef idx="0">
+            <a:scrgbClr r="0" g="0" b="0"/>
+          </a:fillRef>
+          <a:effectRef idx="0">
+            <a:scrgbClr r="0" g="0" b="0"/>
+          </a:effectRef>
+          <a:fontRef idx="minor">
+            <a:schemeClr val="dk1"/>
+          </a:fontRef>
+        </p:style>
+        <p:txBody>
+          <a:bodyPr rtlCol="0" anchor="ctr"/>
+          <a:lstStyle/>
+          <a:p>
+            <a:pPr algn="ctr"/>
+            <a:r>
+              <a:rPr lang="ru-RU" dirty="0"/>
+              <a:t>Привлечение аудитории</a:t>
+            </a:r>
+          </a:p>
+        </p:txBody>
+      </p:sp>
+      <p:sp>
+        <p:nvSpPr>
+          <p:cNvPr id="15" name="Прямоугольник 14">
+            <a:extLst>
+              <a:ext uri="{FF2B5EF4-FFF2-40B4-BE49-F238E27FC236}">
+                <a16:creationId xmlns:a16="http://schemas.microsoft.com/office/drawing/2014/main" id="{1EEAA985-908C-48B4-BD39-5E1941149144}"/>
+              </a:ext>
+            </a:extLst>
+          </p:cNvPr>
+          <p:cNvSpPr/>
+          <p:nvPr/>
+        </p:nvSpPr>
+        <p:spPr>
+          <a:xfrm>
+            <a:off x="8231689" y="5721028"/>
+            <a:ext cx="2622829" cy="410705"/>
+          </a:xfrm>
+          <a:prstGeom prst="rect">
+            <a:avLst/>
+          </a:prstGeom>
+          <a:noFill/>
+          <a:ln w="9525" cap="flat" cmpd="sng" algn="ctr">
+            <a:solidFill>
+              <a:schemeClr val="dk1"/>
+            </a:solidFill>
+            <a:prstDash val="solid"/>
+            <a:round/>
+            <a:headEnd type="none" w="med" len="med"/>
+            <a:tailEnd type="none" w="med" len="med"/>
+          </a:ln>
+        </p:spPr>
+        <p:style>
+          <a:lnRef idx="0">
+            <a:scrgbClr r="0" g="0" b="0"/>
+          </a:lnRef>
+          <a:fillRef idx="0">
+            <a:scrgbClr r="0" g="0" b="0"/>
+          </a:fillRef>
+          <a:effectRef idx="0">
+            <a:scrgbClr r="0" g="0" b="0"/>
+          </a:effectRef>
+          <a:fontRef idx="minor">
+            <a:schemeClr val="dk1"/>
+          </a:fontRef>
+        </p:style>
+        <p:txBody>
+          <a:bodyPr rtlCol="0" anchor="ctr"/>
+          <a:lstStyle/>
+          <a:p>
+            <a:pPr algn="ctr"/>
+            <a:r>
+              <a:rPr lang="ru-RU" dirty="0"/>
+              <a:t>Развитие индустрии</a:t>
+            </a:r>
+          </a:p>
+        </p:txBody>
+      </p:sp>
+      <p:cxnSp>
+        <p:nvCxnSpPr>
+          <p:cNvPr id="17" name="Соединитель: уступ 16">
+            <a:extLst>
+              <a:ext uri="{FF2B5EF4-FFF2-40B4-BE49-F238E27FC236}">
+                <a16:creationId xmlns:a16="http://schemas.microsoft.com/office/drawing/2014/main" id="{3DB73788-C8AD-4D56-B0FE-5756E98EB973}"/>
+              </a:ext>
+            </a:extLst>
+          </p:cNvPr>
+          <p:cNvCxnSpPr>
+            <a:cxnSpLocks/>
+            <a:stCxn id="4" idx="1"/>
+            <a:endCxn id="5" idx="0"/>
+          </p:cNvCxnSpPr>
+          <p:nvPr/>
+        </p:nvCxnSpPr>
+        <p:spPr>
+          <a:xfrm rot="10800000" flipV="1">
+            <a:off x="2648897" y="2076767"/>
+            <a:ext cx="2170430" cy="473183"/>
+          </a:xfrm>
+          <a:prstGeom prst="bentConnector2">
+            <a:avLst/>
+          </a:prstGeom>
+          <a:ln>
+            <a:tailEnd type="triangle"/>
+          </a:ln>
+        </p:spPr>
+        <p:style>
+          <a:lnRef idx="2">
+            <a:schemeClr val="dk1"/>
+          </a:lnRef>
+          <a:fillRef idx="0">
+            <a:schemeClr val="dk1"/>
+          </a:fillRef>
+          <a:effectRef idx="1">
+            <a:schemeClr val="dk1"/>
+          </a:effectRef>
+          <a:fontRef idx="minor">
+            <a:schemeClr val="tx1"/>
+          </a:fontRef>
+        </p:style>
+      </p:cxnSp>
+      <p:cxnSp>
+        <p:nvCxnSpPr>
+          <p:cNvPr id="20" name="Соединитель: уступ 19">
+            <a:extLst>
+              <a:ext uri="{FF2B5EF4-FFF2-40B4-BE49-F238E27FC236}">
+                <a16:creationId xmlns:a16="http://schemas.microsoft.com/office/drawing/2014/main" id="{4C22DEEB-C251-4243-B57D-2033708F498B}"/>
+              </a:ext>
+            </a:extLst>
+          </p:cNvPr>
+          <p:cNvCxnSpPr>
+            <a:cxnSpLocks/>
+          </p:cNvCxnSpPr>
+          <p:nvPr/>
+        </p:nvCxnSpPr>
+        <p:spPr>
+          <a:xfrm>
+            <a:off x="7386891" y="2079166"/>
+            <a:ext cx="2170431" cy="473183"/>
+          </a:xfrm>
+          <a:prstGeom prst="bentConnector2">
+            <a:avLst/>
+          </a:prstGeom>
+          <a:ln>
+            <a:tailEnd type="triangle"/>
+          </a:ln>
+        </p:spPr>
+        <p:style>
+          <a:lnRef idx="2">
+            <a:schemeClr val="dk1"/>
+          </a:lnRef>
+          <a:fillRef idx="0">
+            <a:schemeClr val="dk1"/>
+          </a:fillRef>
+          <a:effectRef idx="1">
+            <a:schemeClr val="dk1"/>
+          </a:effectRef>
+          <a:fontRef idx="minor">
+            <a:schemeClr val="tx1"/>
+          </a:fontRef>
+        </p:style>
+      </p:cxnSp>
+      <p:cxnSp>
+        <p:nvCxnSpPr>
+          <p:cNvPr id="46" name="Соединитель: уступ 45">
+            <a:extLst>
+              <a:ext uri="{FF2B5EF4-FFF2-40B4-BE49-F238E27FC236}">
+                <a16:creationId xmlns:a16="http://schemas.microsoft.com/office/drawing/2014/main" id="{CDAC2AD4-D1C8-46EB-BE17-D36C76BCB42A}"/>
+              </a:ext>
+            </a:extLst>
+          </p:cNvPr>
+          <p:cNvCxnSpPr>
+            <a:cxnSpLocks/>
+            <a:stCxn id="8" idx="1"/>
+            <a:endCxn id="15" idx="1"/>
+          </p:cNvCxnSpPr>
+          <p:nvPr/>
+        </p:nvCxnSpPr>
+        <p:spPr>
+          <a:xfrm rot="10800000" flipV="1">
+            <a:off x="8231689" y="2755303"/>
+            <a:ext cx="240418" cy="3171077"/>
+          </a:xfrm>
+          <a:prstGeom prst="bentConnector3">
+            <a:avLst>
+              <a:gd name="adj1" fmla="val 195084"/>
+            </a:avLst>
+          </a:prstGeom>
+          <a:ln>
+            <a:tailEnd type="triangle"/>
+          </a:ln>
+        </p:spPr>
+        <p:style>
+          <a:lnRef idx="2">
+            <a:schemeClr val="dk1"/>
+          </a:lnRef>
+          <a:fillRef idx="0">
+            <a:schemeClr val="dk1"/>
+          </a:fillRef>
+          <a:effectRef idx="1">
+            <a:schemeClr val="dk1"/>
+          </a:effectRef>
+          <a:fontRef idx="minor">
+            <a:schemeClr val="tx1"/>
+          </a:fontRef>
+        </p:style>
+      </p:cxnSp>
+      <p:cxnSp>
+        <p:nvCxnSpPr>
+          <p:cNvPr id="47" name="Соединитель: уступ 46">
+            <a:extLst>
+              <a:ext uri="{FF2B5EF4-FFF2-40B4-BE49-F238E27FC236}">
+                <a16:creationId xmlns:a16="http://schemas.microsoft.com/office/drawing/2014/main" id="{ECC40519-90C0-4F4F-BB53-ECDA4C50F76B}"/>
+              </a:ext>
+            </a:extLst>
+          </p:cNvPr>
+          <p:cNvCxnSpPr>
+            <a:cxnSpLocks/>
+            <a:stCxn id="8" idx="1"/>
+            <a:endCxn id="14" idx="1"/>
+          </p:cNvCxnSpPr>
+          <p:nvPr/>
+        </p:nvCxnSpPr>
+        <p:spPr>
+          <a:xfrm rot="10800000" flipV="1">
+            <a:off x="8231689" y="2755304"/>
+            <a:ext cx="240418" cy="2413190"/>
+          </a:xfrm>
+          <a:prstGeom prst="bentConnector3">
+            <a:avLst>
+              <a:gd name="adj1" fmla="val 195084"/>
+            </a:avLst>
+          </a:prstGeom>
+          <a:ln>
+            <a:tailEnd type="triangle"/>
+          </a:ln>
+        </p:spPr>
+        <p:style>
+          <a:lnRef idx="2">
+            <a:schemeClr val="dk1"/>
+          </a:lnRef>
+          <a:fillRef idx="0">
+            <a:schemeClr val="dk1"/>
+          </a:fillRef>
+          <a:effectRef idx="1">
+            <a:schemeClr val="dk1"/>
+          </a:effectRef>
+          <a:fontRef idx="minor">
+            <a:schemeClr val="tx1"/>
+          </a:fontRef>
+        </p:style>
+      </p:cxnSp>
+      <p:cxnSp>
+        <p:nvCxnSpPr>
+          <p:cNvPr id="48" name="Соединитель: уступ 47">
+            <a:extLst>
+              <a:ext uri="{FF2B5EF4-FFF2-40B4-BE49-F238E27FC236}">
+                <a16:creationId xmlns:a16="http://schemas.microsoft.com/office/drawing/2014/main" id="{DD0D7B05-34DC-4927-81F5-D9008E00F482}"/>
+              </a:ext>
+            </a:extLst>
+          </p:cNvPr>
+          <p:cNvCxnSpPr>
+            <a:cxnSpLocks/>
+            <a:stCxn id="8" idx="1"/>
+            <a:endCxn id="13" idx="1"/>
+          </p:cNvCxnSpPr>
+          <p:nvPr/>
+        </p:nvCxnSpPr>
+        <p:spPr>
+          <a:xfrm rot="10800000" flipV="1">
+            <a:off x="8231691" y="2755303"/>
+            <a:ext cx="240417" cy="1655303"/>
+          </a:xfrm>
+          <a:prstGeom prst="bentConnector3">
+            <a:avLst>
+              <a:gd name="adj1" fmla="val 195085"/>
+            </a:avLst>
+          </a:prstGeom>
+          <a:ln>
+            <a:tailEnd type="triangle"/>
+          </a:ln>
+        </p:spPr>
+        <p:style>
+          <a:lnRef idx="2">
+            <a:schemeClr val="dk1"/>
+          </a:lnRef>
+          <a:fillRef idx="0">
+            <a:schemeClr val="dk1"/>
+          </a:fillRef>
+          <a:effectRef idx="1">
+            <a:schemeClr val="dk1"/>
+          </a:effectRef>
+          <a:fontRef idx="minor">
+            <a:schemeClr val="tx1"/>
+          </a:fontRef>
+        </p:style>
+      </p:cxnSp>
+      <p:cxnSp>
+        <p:nvCxnSpPr>
+          <p:cNvPr id="61" name="Соединитель: уступ 60">
+            <a:extLst>
+              <a:ext uri="{FF2B5EF4-FFF2-40B4-BE49-F238E27FC236}">
+                <a16:creationId xmlns:a16="http://schemas.microsoft.com/office/drawing/2014/main" id="{C69565C5-FC71-4EC2-B35D-4B74BCC856DE}"/>
+              </a:ext>
+            </a:extLst>
+          </p:cNvPr>
+          <p:cNvCxnSpPr>
+            <a:cxnSpLocks/>
+            <a:stCxn id="8" idx="1"/>
+            <a:endCxn id="12" idx="1"/>
+          </p:cNvCxnSpPr>
+          <p:nvPr/>
+        </p:nvCxnSpPr>
+        <p:spPr>
+          <a:xfrm rot="10800000" flipV="1">
+            <a:off x="8231691" y="2755304"/>
+            <a:ext cx="240417" cy="896078"/>
+          </a:xfrm>
+          <a:prstGeom prst="bentConnector3">
+            <a:avLst>
+              <a:gd name="adj1" fmla="val 195085"/>
+            </a:avLst>
+          </a:prstGeom>
+          <a:ln>
+            <a:tailEnd type="triangle"/>
+          </a:ln>
+        </p:spPr>
+        <p:style>
+          <a:lnRef idx="2">
+            <a:schemeClr val="dk1"/>
+          </a:lnRef>
+          <a:fillRef idx="0">
+            <a:schemeClr val="dk1"/>
+          </a:fillRef>
+          <a:effectRef idx="1">
+            <a:schemeClr val="dk1"/>
+          </a:effectRef>
+          <a:fontRef idx="minor">
+            <a:schemeClr val="tx1"/>
+          </a:fontRef>
+        </p:style>
+      </p:cxnSp>
+      <p:cxnSp>
+        <p:nvCxnSpPr>
+          <p:cNvPr id="64" name="Соединитель: уступ 63">
+            <a:extLst>
+              <a:ext uri="{FF2B5EF4-FFF2-40B4-BE49-F238E27FC236}">
+                <a16:creationId xmlns:a16="http://schemas.microsoft.com/office/drawing/2014/main" id="{984B8FBC-1BC4-41B6-BA1B-216C5548E29E}"/>
+              </a:ext>
+            </a:extLst>
+          </p:cNvPr>
+          <p:cNvCxnSpPr>
+            <a:cxnSpLocks/>
+            <a:stCxn id="5" idx="1"/>
+            <a:endCxn id="9" idx="1"/>
+          </p:cNvCxnSpPr>
+          <p:nvPr/>
+        </p:nvCxnSpPr>
+        <p:spPr>
+          <a:xfrm rot="10800000" flipV="1">
+            <a:off x="1337484" y="2755304"/>
+            <a:ext cx="240416" cy="896078"/>
+          </a:xfrm>
+          <a:prstGeom prst="bentConnector3">
+            <a:avLst>
+              <a:gd name="adj1" fmla="val 195085"/>
+            </a:avLst>
+          </a:prstGeom>
+          <a:ln>
+            <a:tailEnd type="triangle"/>
+          </a:ln>
+        </p:spPr>
+        <p:style>
+          <a:lnRef idx="2">
+            <a:schemeClr val="dk1"/>
+          </a:lnRef>
+          <a:fillRef idx="0">
+            <a:schemeClr val="dk1"/>
+          </a:fillRef>
+          <a:effectRef idx="1">
+            <a:schemeClr val="dk1"/>
+          </a:effectRef>
+          <a:fontRef idx="minor">
+            <a:schemeClr val="tx1"/>
+          </a:fontRef>
+        </p:style>
+      </p:cxnSp>
+      <p:cxnSp>
+        <p:nvCxnSpPr>
+          <p:cNvPr id="67" name="Соединитель: уступ 66">
+            <a:extLst>
+              <a:ext uri="{FF2B5EF4-FFF2-40B4-BE49-F238E27FC236}">
+                <a16:creationId xmlns:a16="http://schemas.microsoft.com/office/drawing/2014/main" id="{1698CD17-9B13-4DDC-ADE3-E127F8E34E78}"/>
+              </a:ext>
+            </a:extLst>
+          </p:cNvPr>
+          <p:cNvCxnSpPr>
+            <a:cxnSpLocks/>
+            <a:stCxn id="5" idx="1"/>
+            <a:endCxn id="11" idx="1"/>
+          </p:cNvCxnSpPr>
+          <p:nvPr/>
+        </p:nvCxnSpPr>
+        <p:spPr>
+          <a:xfrm rot="10800000" flipV="1">
+            <a:off x="1337484" y="2755303"/>
+            <a:ext cx="240416" cy="1655303"/>
+          </a:xfrm>
+          <a:prstGeom prst="bentConnector3">
+            <a:avLst>
+              <a:gd name="adj1" fmla="val 195085"/>
+            </a:avLst>
+          </a:prstGeom>
+          <a:ln>
+            <a:tailEnd type="triangle"/>
+          </a:ln>
+        </p:spPr>
+        <p:style>
+          <a:lnRef idx="2">
+            <a:schemeClr val="dk1"/>
+          </a:lnRef>
+          <a:fillRef idx="0">
+            <a:schemeClr val="dk1"/>
+          </a:fillRef>
+          <a:effectRef idx="1">
+            <a:schemeClr val="dk1"/>
+          </a:effectRef>
+          <a:fontRef idx="minor">
+            <a:schemeClr val="tx1"/>
+          </a:fontRef>
+        </p:style>
+      </p:cxnSp>
+      <p:cxnSp>
+        <p:nvCxnSpPr>
+          <p:cNvPr id="71" name="Соединитель: уступ 70">
+            <a:extLst>
+              <a:ext uri="{FF2B5EF4-FFF2-40B4-BE49-F238E27FC236}">
+                <a16:creationId xmlns:a16="http://schemas.microsoft.com/office/drawing/2014/main" id="{BEF8683C-B6AF-44DE-AA28-5EC4434CE692}"/>
+              </a:ext>
+            </a:extLst>
+          </p:cNvPr>
+          <p:cNvCxnSpPr>
+            <a:cxnSpLocks/>
+            <a:stCxn id="5" idx="1"/>
+            <a:endCxn id="10" idx="1"/>
+          </p:cNvCxnSpPr>
+          <p:nvPr/>
+        </p:nvCxnSpPr>
+        <p:spPr>
+          <a:xfrm rot="10800000" flipV="1">
+            <a:off x="1337482" y="2755303"/>
+            <a:ext cx="240418" cy="2413189"/>
+          </a:xfrm>
+          <a:prstGeom prst="bentConnector3">
+            <a:avLst>
+              <a:gd name="adj1" fmla="val 195084"/>
+            </a:avLst>
+          </a:prstGeom>
+          <a:ln>
+            <a:tailEnd type="triangle"/>
+          </a:ln>
+        </p:spPr>
+        <p:style>
+          <a:lnRef idx="2">
+            <a:schemeClr val="dk1"/>
+          </a:lnRef>
+          <a:fillRef idx="0">
+            <a:schemeClr val="dk1"/>
+          </a:fillRef>
+          <a:effectRef idx="1">
+            <a:schemeClr val="dk1"/>
+          </a:effectRef>
+          <a:fontRef idx="minor">
+            <a:schemeClr val="tx1"/>
+          </a:fontRef>
+        </p:style>
+      </p:cxnSp>
+      <p:sp>
+        <p:nvSpPr>
+          <p:cNvPr id="74" name="Номер слайда 73">
+            <a:extLst>
+              <a:ext uri="{FF2B5EF4-FFF2-40B4-BE49-F238E27FC236}">
+                <a16:creationId xmlns:a16="http://schemas.microsoft.com/office/drawing/2014/main" id="{7B920609-1877-4874-9961-5EBFEB818FC5}"/>
+              </a:ext>
+            </a:extLst>
+          </p:cNvPr>
+          <p:cNvSpPr>
+            <a:spLocks noGrp="1"/>
+          </p:cNvSpPr>
+          <p:nvPr>
+            <p:ph type="sldNum" sz="quarter" idx="12"/>
+          </p:nvPr>
+        </p:nvSpPr>
+        <p:spPr/>
+        <p:txBody>
+          <a:bodyPr/>
+          <a:lstStyle/>
+          <a:p>
+            <a:fld id="{FFB6C268-143E-4CE1-AEAF-03F5A77D796B}" type="slidenum">
+              <a:rPr lang="ru-RU" smtClean="0"/>
+              <a:t>3</a:t>
+            </a:fld>
+            <a:endParaRPr lang="ru-RU"/>
+          </a:p>
+        </p:txBody>
+      </p:sp>
+    </p:spTree>
+    <p:extLst>
+      <p:ext uri="{BB962C8B-B14F-4D97-AF65-F5344CB8AC3E}">
+        <p14:creationId xmlns:p14="http://schemas.microsoft.com/office/powerpoint/2010/main" val="3331033730"/>
+      </p:ext>
+    </p:extLst>
+  </p:cSld>
+  <p:clrMapOvr>
+    <a:masterClrMapping/>
+  </p:clrMapOvr>
+</p:sld>
+</file>
+
+<file path=ppt/slides/slide4.xml><?xml version="1.0" encoding="utf-8"?>
+<p:sld xmlns:a="http://schemas.openxmlformats.org/drawingml/2006/main" xmlns:r="http://schemas.openxmlformats.org/officeDocument/2006/relationships" xmlns:p="http://schemas.openxmlformats.org/presentationml/2006/main">
+  <p:cSld>
+    <p:spTree>
+      <p:nvGrpSpPr>
+        <p:cNvPr id="1" name=""/>
+        <p:cNvGrpSpPr/>
+        <p:nvPr/>
+      </p:nvGrpSpPr>
+      <p:grpSpPr>
+        <a:xfrm>
+          <a:off x="0" y="0"/>
+          <a:ext cx="0" cy="0"/>
+          <a:chOff x="0" y="0"/>
+          <a:chExt cx="0" cy="0"/>
+        </a:xfrm>
+      </p:grpSpPr>
+      <p:sp>
+        <p:nvSpPr>
+          <p:cNvPr id="2" name="Заголовок 1">
+            <a:extLst>
+              <a:ext uri="{FF2B5EF4-FFF2-40B4-BE49-F238E27FC236}">
+                <a16:creationId xmlns:a16="http://schemas.microsoft.com/office/drawing/2014/main" id="{FB812AC2-DD1F-4971-A98C-24960242A3F8}"/>
+              </a:ext>
+            </a:extLst>
+          </p:cNvPr>
+          <p:cNvSpPr>
+            <a:spLocks noGrp="1"/>
+          </p:cNvSpPr>
+          <p:nvPr>
+            <p:ph type="title"/>
+          </p:nvPr>
+        </p:nvSpPr>
+        <p:spPr/>
+        <p:txBody>
+          <a:bodyPr/>
+          <a:lstStyle/>
+          <a:p>
+            <a:r>
+              <a:rPr lang="ru-RU" dirty="0"/>
+              <a:t>Цели, поставленные перед системой</a:t>
+            </a:r>
+          </a:p>
+        </p:txBody>
+      </p:sp>
+      <p:sp>
+        <p:nvSpPr>
+          <p:cNvPr id="3" name="Объект 2">
+            <a:extLst>
+              <a:ext uri="{FF2B5EF4-FFF2-40B4-BE49-F238E27FC236}">
+                <a16:creationId xmlns:a16="http://schemas.microsoft.com/office/drawing/2014/main" id="{9830B444-B56E-40D8-B80C-C2E7A3FA6B2D}"/>
+              </a:ext>
+            </a:extLst>
+          </p:cNvPr>
+          <p:cNvSpPr>
+            <a:spLocks noGrp="1"/>
+          </p:cNvSpPr>
+          <p:nvPr>
+            <p:ph idx="1"/>
+          </p:nvPr>
+        </p:nvSpPr>
+        <p:spPr/>
+        <p:txBody>
+          <a:bodyPr anchor="ctr"/>
+          <a:lstStyle/>
+          <a:p>
+            <a:pPr marL="0" indent="0">
+              <a:buNone/>
+            </a:pPr>
+            <a:r>
+              <a:rPr lang="ru-RU" dirty="0"/>
+              <a:t>Система создавалась для достижения следующих целей:</a:t>
+            </a:r>
+          </a:p>
+          <a:p>
+            <a:pPr marL="514350" indent="-514350">
+              <a:buFont typeface="+mj-lt"/>
+              <a:buAutoNum type="arabicPeriod"/>
+            </a:pPr>
+            <a:r>
+              <a:rPr lang="ru-RU" dirty="0"/>
+              <a:t>упрощения информирования посетителей сайта о новостях, событиях, возможностях, а также новой продукции и ее технических характеристиках компании;</a:t>
+            </a:r>
+          </a:p>
+          <a:p>
+            <a:pPr marL="514350" indent="-514350">
+              <a:buFont typeface="+mj-lt"/>
+              <a:buAutoNum type="arabicPeriod"/>
+            </a:pPr>
+            <a:r>
+              <a:rPr lang="ru-RU" dirty="0"/>
+              <a:t>упрощения обратной связи с клиентами</a:t>
+            </a:r>
+            <a:r>
+              <a:rPr lang="en-US" dirty="0"/>
+              <a:t>;</a:t>
+            </a:r>
+            <a:endParaRPr lang="ru-RU" dirty="0"/>
+          </a:p>
+          <a:p>
+            <a:pPr marL="514350" indent="-514350">
+              <a:buFont typeface="+mj-lt"/>
+              <a:buAutoNum type="arabicPeriod"/>
+            </a:pPr>
+            <a:r>
+              <a:rPr lang="ru-RU" dirty="0"/>
+              <a:t>привлечения лиц, заинтересованных в продуктах и роде деятельности компании.</a:t>
+            </a:r>
+          </a:p>
+          <a:p>
+            <a:endParaRPr lang="ru-RU" dirty="0"/>
+          </a:p>
+        </p:txBody>
+      </p:sp>
+      <p:sp>
+        <p:nvSpPr>
+          <p:cNvPr id="4" name="Номер слайда 3">
+            <a:extLst>
+              <a:ext uri="{FF2B5EF4-FFF2-40B4-BE49-F238E27FC236}">
+                <a16:creationId xmlns:a16="http://schemas.microsoft.com/office/drawing/2014/main" id="{E17D103E-F508-4977-BA66-16E303B266B3}"/>
+              </a:ext>
+            </a:extLst>
+          </p:cNvPr>
+          <p:cNvSpPr>
+            <a:spLocks noGrp="1"/>
+          </p:cNvSpPr>
+          <p:nvPr>
+            <p:ph type="sldNum" sz="quarter" idx="12"/>
+          </p:nvPr>
+        </p:nvSpPr>
+        <p:spPr/>
+        <p:txBody>
+          <a:bodyPr/>
+          <a:lstStyle/>
+          <a:p>
+            <a:fld id="{FFB6C268-143E-4CE1-AEAF-03F5A77D796B}" type="slidenum">
+              <a:rPr lang="ru-RU" smtClean="0"/>
+              <a:t>4</a:t>
+            </a:fld>
+            <a:endParaRPr lang="ru-RU"/>
+          </a:p>
+        </p:txBody>
+      </p:sp>
+    </p:spTree>
+    <p:extLst>
+      <p:ext uri="{BB962C8B-B14F-4D97-AF65-F5344CB8AC3E}">
+        <p14:creationId xmlns:p14="http://schemas.microsoft.com/office/powerpoint/2010/main" val="4076088242"/>
+      </p:ext>
+    </p:extLst>
+  </p:cSld>
+  <p:clrMapOvr>
+    <a:masterClrMapping/>
+  </p:clrMapOvr>
+</p:sld>
+</file>
+
+<file path=ppt/slides/slide5.xml><?xml version="1.0" encoding="utf-8"?>
+<p:sld xmlns:a="http://schemas.openxmlformats.org/drawingml/2006/main" xmlns:r="http://schemas.openxmlformats.org/officeDocument/2006/relationships" xmlns:p="http://schemas.openxmlformats.org/presentationml/2006/main">
+  <p:cSld>
+    <p:spTree>
+      <p:nvGrpSpPr>
+        <p:cNvPr id="1" name=""/>
+        <p:cNvGrpSpPr/>
+        <p:nvPr/>
+      </p:nvGrpSpPr>
+      <p:grpSpPr>
+        <a:xfrm>
+          <a:off x="0" y="0"/>
+          <a:ext cx="0" cy="0"/>
+          <a:chOff x="0" y="0"/>
+          <a:chExt cx="0" cy="0"/>
+        </a:xfrm>
+      </p:grpSpPr>
+      <p:sp>
+        <p:nvSpPr>
+          <p:cNvPr id="2" name="Заголовок 1">
+            <a:extLst>
+              <a:ext uri="{FF2B5EF4-FFF2-40B4-BE49-F238E27FC236}">
+                <a16:creationId xmlns:a16="http://schemas.microsoft.com/office/drawing/2014/main" id="{63723D57-BF41-4256-B64B-0E5C3BA30428}"/>
+              </a:ext>
+            </a:extLst>
+          </p:cNvPr>
+          <p:cNvSpPr>
+            <a:spLocks noGrp="1"/>
+          </p:cNvSpPr>
+          <p:nvPr>
+            <p:ph type="title"/>
+          </p:nvPr>
+        </p:nvSpPr>
+        <p:spPr/>
+        <p:txBody>
+          <a:bodyPr/>
+          <a:lstStyle/>
+          <a:p>
+            <a:r>
+              <a:rPr lang="ru-RU" dirty="0"/>
+              <a:t>Задачи, решаемые системой</a:t>
+            </a:r>
+          </a:p>
+        </p:txBody>
+      </p:sp>
+      <p:sp>
+        <p:nvSpPr>
+          <p:cNvPr id="3" name="Объект 2">
+            <a:extLst>
+              <a:ext uri="{FF2B5EF4-FFF2-40B4-BE49-F238E27FC236}">
+                <a16:creationId xmlns:a16="http://schemas.microsoft.com/office/drawing/2014/main" id="{F05B984A-55F9-44AE-91FD-EDD59F304DC6}"/>
+              </a:ext>
+            </a:extLst>
+          </p:cNvPr>
+          <p:cNvSpPr>
+            <a:spLocks noGrp="1"/>
+          </p:cNvSpPr>
+          <p:nvPr>
+            <p:ph idx="1"/>
+          </p:nvPr>
+        </p:nvSpPr>
+        <p:spPr/>
+        <p:txBody>
+          <a:bodyPr anchor="ctr"/>
+          <a:lstStyle/>
+          <a:p>
+            <a:r>
+              <a:rPr lang="ru-RU" dirty="0"/>
+              <a:t>Система предназначена для ведения публичного корпоративного блога, распространения новостей, полезных статей и уведомления о новых мероприятиях компании.</a:t>
+            </a:r>
+          </a:p>
+          <a:p>
+            <a:r>
+              <a:rPr lang="ru-RU" dirty="0"/>
+              <a:t>Разрабатываемая система должна способствовать увеличению притока заинтересованных лиц при одновременном снижении расходов на рекламу.</a:t>
+            </a:r>
+          </a:p>
+          <a:p>
+            <a:endParaRPr lang="ru-RU" dirty="0"/>
+          </a:p>
+        </p:txBody>
+      </p:sp>
+      <p:sp>
+        <p:nvSpPr>
+          <p:cNvPr id="4" name="Номер слайда 3">
+            <a:extLst>
+              <a:ext uri="{FF2B5EF4-FFF2-40B4-BE49-F238E27FC236}">
+                <a16:creationId xmlns:a16="http://schemas.microsoft.com/office/drawing/2014/main" id="{726A4344-93F0-4ED6-9D83-FBEBE6473297}"/>
+              </a:ext>
+            </a:extLst>
+          </p:cNvPr>
+          <p:cNvSpPr>
+            <a:spLocks noGrp="1"/>
+          </p:cNvSpPr>
+          <p:nvPr>
+            <p:ph type="sldNum" sz="quarter" idx="12"/>
+          </p:nvPr>
+        </p:nvSpPr>
+        <p:spPr/>
+        <p:txBody>
+          <a:bodyPr/>
+          <a:lstStyle/>
+          <a:p>
+            <a:fld id="{FFB6C268-143E-4CE1-AEAF-03F5A77D796B}" type="slidenum">
+              <a:rPr lang="ru-RU" smtClean="0"/>
+              <a:t>5</a:t>
+            </a:fld>
+            <a:endParaRPr lang="ru-RU"/>
+          </a:p>
+        </p:txBody>
+      </p:sp>
+    </p:spTree>
+    <p:extLst>
+      <p:ext uri="{BB962C8B-B14F-4D97-AF65-F5344CB8AC3E}">
+        <p14:creationId xmlns:p14="http://schemas.microsoft.com/office/powerpoint/2010/main" val="4006924369"/>
+      </p:ext>
+    </p:extLst>
+  </p:cSld>
+  <p:clrMapOvr>
+    <a:masterClrMapping/>
+  </p:clrMapOvr>
+</p:sld>
+</file>
+
+<file path=ppt/slides/slide6.xml><?xml version="1.0" encoding="utf-8"?>
+<p:sld xmlns:a="http://schemas.openxmlformats.org/drawingml/2006/main" xmlns:r="http://schemas.openxmlformats.org/officeDocument/2006/relationships" xmlns:p="http://schemas.openxmlformats.org/presentationml/2006/main">
+  <p:cSld>
+    <p:spTree>
+      <p:nvGrpSpPr>
+        <p:cNvPr id="1" name=""/>
+        <p:cNvGrpSpPr/>
+        <p:nvPr/>
+      </p:nvGrpSpPr>
+      <p:grpSpPr>
+        <a:xfrm>
+          <a:off x="0" y="0"/>
+          <a:ext cx="0" cy="0"/>
+          <a:chOff x="0" y="0"/>
+          <a:chExt cx="0" cy="0"/>
+        </a:xfrm>
+      </p:grpSpPr>
+      <p:sp>
+        <p:nvSpPr>
+          <p:cNvPr id="2" name="Заголовок 1">
+            <a:extLst>
+              <a:ext uri="{FF2B5EF4-FFF2-40B4-BE49-F238E27FC236}">
+                <a16:creationId xmlns:a16="http://schemas.microsoft.com/office/drawing/2014/main" id="{CACDB394-3946-4807-90C6-AF312B230047}"/>
+              </a:ext>
+            </a:extLst>
+          </p:cNvPr>
+          <p:cNvSpPr>
+            <a:spLocks noGrp="1"/>
+          </p:cNvSpPr>
+          <p:nvPr>
+            <p:ph type="title"/>
+          </p:nvPr>
+        </p:nvSpPr>
+        <p:spPr/>
+        <p:txBody>
+          <a:bodyPr/>
+          <a:lstStyle/>
+          <a:p>
+            <a:r>
+              <a:rPr lang="ru-RU" dirty="0"/>
+              <a:t>Пользователи системы</a:t>
+            </a:r>
+          </a:p>
+        </p:txBody>
+      </p:sp>
+      <p:sp>
+        <p:nvSpPr>
+          <p:cNvPr id="3" name="Объект 2">
+            <a:extLst>
+              <a:ext uri="{FF2B5EF4-FFF2-40B4-BE49-F238E27FC236}">
+                <a16:creationId xmlns:a16="http://schemas.microsoft.com/office/drawing/2014/main" id="{BB5CF37E-30AF-4AF8-A3FF-066FA3728776}"/>
+              </a:ext>
+            </a:extLst>
+          </p:cNvPr>
+          <p:cNvSpPr>
+            <a:spLocks noGrp="1"/>
+          </p:cNvSpPr>
+          <p:nvPr>
+            <p:ph idx="1"/>
+          </p:nvPr>
+        </p:nvSpPr>
+        <p:spPr>
+          <a:xfrm>
+            <a:off x="838200" y="1601153"/>
+            <a:ext cx="3515274" cy="4895850"/>
+          </a:xfrm>
+        </p:spPr>
+        <p:txBody>
+          <a:bodyPr>
+            <a:noAutofit/>
+          </a:bodyPr>
+          <a:lstStyle/>
+          <a:p>
+            <a:pPr marL="0" indent="0" algn="ctr">
+              <a:buNone/>
+            </a:pPr>
+            <a:r>
+              <a:rPr lang="ru-RU" dirty="0"/>
+              <a:t>Гость</a:t>
+            </a:r>
+          </a:p>
+          <a:p>
+            <a:pPr lvl="0"/>
+            <a:r>
+              <a:rPr lang="ru-RU" sz="2400" dirty="0"/>
+              <a:t>Просмотр постов, выложенных авторами</a:t>
+            </a:r>
+          </a:p>
+          <a:p>
+            <a:pPr lvl="0"/>
+            <a:r>
+              <a:rPr lang="ru-RU" sz="2400" dirty="0"/>
+              <a:t>Подписка на новостную рассылку о новых статьях</a:t>
+            </a:r>
+          </a:p>
+          <a:p>
+            <a:pPr lvl="0"/>
+            <a:r>
+              <a:rPr lang="ru-RU" sz="2400" dirty="0"/>
+              <a:t>Возможность оставлять комментарии к постам</a:t>
+            </a:r>
+          </a:p>
+          <a:p>
+            <a:pPr lvl="0"/>
+            <a:r>
+              <a:rPr lang="ru-RU" sz="2400" dirty="0"/>
+              <a:t>Просмотр информации о компании</a:t>
+            </a:r>
+          </a:p>
+          <a:p>
+            <a:pPr lvl="0"/>
+            <a:r>
+              <a:rPr lang="ru-RU" sz="2400" dirty="0"/>
+              <a:t>Возможность связи с компании путём E-</a:t>
+            </a:r>
+            <a:r>
+              <a:rPr lang="ru-RU" sz="2400" dirty="0" err="1"/>
+              <a:t>Mail</a:t>
+            </a:r>
+            <a:endParaRPr lang="ru-RU" sz="2400" dirty="0"/>
+          </a:p>
+        </p:txBody>
+      </p:sp>
+      <p:sp>
+        <p:nvSpPr>
+          <p:cNvPr id="6" name="Номер слайда 5">
+            <a:extLst>
+              <a:ext uri="{FF2B5EF4-FFF2-40B4-BE49-F238E27FC236}">
+                <a16:creationId xmlns:a16="http://schemas.microsoft.com/office/drawing/2014/main" id="{BE682C59-ACDF-4844-AB0F-1C4C0F94DF5D}"/>
+              </a:ext>
+            </a:extLst>
+          </p:cNvPr>
+          <p:cNvSpPr>
+            <a:spLocks noGrp="1"/>
+          </p:cNvSpPr>
+          <p:nvPr>
+            <p:ph type="sldNum" sz="quarter" idx="12"/>
+          </p:nvPr>
+        </p:nvSpPr>
+        <p:spPr/>
+        <p:txBody>
+          <a:bodyPr/>
+          <a:lstStyle/>
+          <a:p>
+            <a:fld id="{FFB6C268-143E-4CE1-AEAF-03F5A77D796B}" type="slidenum">
+              <a:rPr lang="ru-RU" smtClean="0"/>
+              <a:t>6</a:t>
+            </a:fld>
+            <a:endParaRPr lang="ru-RU"/>
+          </a:p>
+        </p:txBody>
+      </p:sp>
+      <p:sp>
+        <p:nvSpPr>
+          <p:cNvPr id="7" name="Объект 2">
+            <a:extLst>
+              <a:ext uri="{FF2B5EF4-FFF2-40B4-BE49-F238E27FC236}">
+                <a16:creationId xmlns:a16="http://schemas.microsoft.com/office/drawing/2014/main" id="{CA45F336-01F9-4B05-882E-DA1FDA35B499}"/>
+              </a:ext>
+            </a:extLst>
+          </p:cNvPr>
+          <p:cNvSpPr txBox="1">
+            <a:spLocks/>
+          </p:cNvSpPr>
+          <p:nvPr/>
+        </p:nvSpPr>
+        <p:spPr>
+          <a:xfrm>
+            <a:off x="4338363" y="1601153"/>
+            <a:ext cx="3515274" cy="4895850"/>
+          </a:xfrm>
+          <a:prstGeom prst="rect">
+            <a:avLst/>
+          </a:prstGeom>
+        </p:spPr>
+        <p:txBody>
+          <a:bodyPr vert="horz" lIns="91440" tIns="45720" rIns="91440" bIns="45720" rtlCol="0">
+            <a:noAutofit/>
+          </a:bodyPr>
+          <a:lstStyle>
+            <a:lvl1pPr marL="228600" indent="-228600" algn="l" defTabSz="914400" rtl="0" eaLnBrk="1" latinLnBrk="0" hangingPunct="1">
+              <a:lnSpc>
+                <a:spcPct val="90000"/>
+              </a:lnSpc>
+              <a:spcBef>
+                <a:spcPts val="1000"/>
+              </a:spcBef>
+              <a:buFont typeface="Arial" panose="020B0604020202020204" pitchFamily="34" charset="0"/>
+              <a:buChar char="•"/>
+              <a:defRPr sz="2800" kern="1200">
+                <a:solidFill>
+                  <a:schemeClr val="tx1"/>
+                </a:solidFill>
+                <a:latin typeface="+mn-lt"/>
+                <a:ea typeface="+mn-ea"/>
+                <a:cs typeface="+mn-cs"/>
+              </a:defRPr>
+            </a:lvl1pPr>
+            <a:lvl2pPr marL="685800" indent="-228600" algn="l" defTabSz="914400" rtl="0" eaLnBrk="1" latinLnBrk="0" hangingPunct="1">
+              <a:lnSpc>
+                <a:spcPct val="90000"/>
+              </a:lnSpc>
+              <a:spcBef>
+                <a:spcPts val="500"/>
+              </a:spcBef>
+              <a:buFont typeface="Arial" panose="020B0604020202020204" pitchFamily="34" charset="0"/>
+              <a:buChar char="•"/>
+              <a:defRPr sz="2400" kern="1200">
+                <a:solidFill>
+                  <a:schemeClr val="tx1"/>
+                </a:solidFill>
+                <a:latin typeface="+mn-lt"/>
+                <a:ea typeface="+mn-ea"/>
+                <a:cs typeface="+mn-cs"/>
+              </a:defRPr>
+            </a:lvl2pPr>
+            <a:lvl3pPr marL="1143000" indent="-228600" algn="l" defTabSz="914400" rtl="0" eaLnBrk="1" latinLnBrk="0" hangingPunct="1">
+              <a:lnSpc>
+                <a:spcPct val="90000"/>
+              </a:lnSpc>
+              <a:spcBef>
+                <a:spcPts val="500"/>
+              </a:spcBef>
+              <a:buFont typeface="Arial" panose="020B0604020202020204" pitchFamily="34" charset="0"/>
+              <a:buChar char="•"/>
+              <a:defRPr sz="2000" kern="1200">
+                <a:solidFill>
+                  <a:schemeClr val="tx1"/>
+                </a:solidFill>
+                <a:latin typeface="+mn-lt"/>
+                <a:ea typeface="+mn-ea"/>
+                <a:cs typeface="+mn-cs"/>
+              </a:defRPr>
+            </a:lvl3pPr>
+            <a:lvl4pPr marL="1600200" indent="-228600" algn="l" defTabSz="914400" rtl="0" eaLnBrk="1" latinLnBrk="0" hangingPunct="1">
+              <a:lnSpc>
+                <a:spcPct val="90000"/>
+              </a:lnSpc>
+              <a:spcBef>
+                <a:spcPts val="500"/>
+              </a:spcBef>
+              <a:buFont typeface="Arial" panose="020B0604020202020204" pitchFamily="34" charset="0"/>
+              <a:buChar char="•"/>
+              <a:defRPr sz="1800" kern="1200">
+                <a:solidFill>
+                  <a:schemeClr val="tx1"/>
+                </a:solidFill>
+                <a:latin typeface="+mn-lt"/>
+                <a:ea typeface="+mn-ea"/>
+                <a:cs typeface="+mn-cs"/>
+              </a:defRPr>
+            </a:lvl4pPr>
+            <a:lvl5pPr marL="2057400" indent="-228600" algn="l" defTabSz="914400" rtl="0" eaLnBrk="1" latinLnBrk="0" hangingPunct="1">
+              <a:lnSpc>
+                <a:spcPct val="90000"/>
+              </a:lnSpc>
+              <a:spcBef>
+                <a:spcPts val="500"/>
+              </a:spcBef>
+              <a:buFont typeface="Arial" panose="020B0604020202020204" pitchFamily="34" charset="0"/>
+              <a:buChar char="•"/>
+              <a:defRPr sz="1800" kern="1200">
+                <a:solidFill>
+                  <a:schemeClr val="tx1"/>
+                </a:solidFill>
+                <a:latin typeface="+mn-lt"/>
+                <a:ea typeface="+mn-ea"/>
+                <a:cs typeface="+mn-cs"/>
+              </a:defRPr>
+            </a:lvl5pPr>
+            <a:lvl6pPr marL="2514600" indent="-228600" algn="l" defTabSz="914400" rtl="0" eaLnBrk="1" latinLnBrk="0" hangingPunct="1">
+              <a:lnSpc>
+                <a:spcPct val="90000"/>
+              </a:lnSpc>
+              <a:spcBef>
+                <a:spcPts val="500"/>
+              </a:spcBef>
+              <a:buFont typeface="Arial" panose="020B0604020202020204" pitchFamily="34" charset="0"/>
+              <a:buChar char="•"/>
+              <a:defRPr sz="1800" kern="1200">
+                <a:solidFill>
+                  <a:schemeClr val="tx1"/>
+                </a:solidFill>
+                <a:latin typeface="+mn-lt"/>
+                <a:ea typeface="+mn-ea"/>
+                <a:cs typeface="+mn-cs"/>
+              </a:defRPr>
+            </a:lvl6pPr>
+            <a:lvl7pPr marL="2971800" indent="-228600" algn="l" defTabSz="914400" rtl="0" eaLnBrk="1" latinLnBrk="0" hangingPunct="1">
+              <a:lnSpc>
+                <a:spcPct val="90000"/>
+              </a:lnSpc>
+              <a:spcBef>
+                <a:spcPts val="500"/>
+              </a:spcBef>
+              <a:buFont typeface="Arial" panose="020B0604020202020204" pitchFamily="34" charset="0"/>
+              <a:buChar char="•"/>
+              <a:defRPr sz="1800" kern="1200">
+                <a:solidFill>
+                  <a:schemeClr val="tx1"/>
+                </a:solidFill>
+                <a:latin typeface="+mn-lt"/>
+                <a:ea typeface="+mn-ea"/>
+                <a:cs typeface="+mn-cs"/>
+              </a:defRPr>
+            </a:lvl7pPr>
+            <a:lvl8pPr marL="3429000" indent="-228600" algn="l" defTabSz="914400" rtl="0" eaLnBrk="1" latinLnBrk="0" hangingPunct="1">
+              <a:lnSpc>
+                <a:spcPct val="90000"/>
+              </a:lnSpc>
+              <a:spcBef>
+                <a:spcPts val="500"/>
+              </a:spcBef>
+              <a:buFont typeface="Arial" panose="020B0604020202020204" pitchFamily="34" charset="0"/>
+              <a:buChar char="•"/>
+              <a:defRPr sz="1800" kern="1200">
+                <a:solidFill>
+                  <a:schemeClr val="tx1"/>
+                </a:solidFill>
+                <a:latin typeface="+mn-lt"/>
+                <a:ea typeface="+mn-ea"/>
+                <a:cs typeface="+mn-cs"/>
+              </a:defRPr>
+            </a:lvl8pPr>
+            <a:lvl9pPr marL="3886200" indent="-228600" algn="l" defTabSz="914400" rtl="0" eaLnBrk="1" latinLnBrk="0" hangingPunct="1">
+              <a:lnSpc>
+                <a:spcPct val="90000"/>
+              </a:lnSpc>
+              <a:spcBef>
+                <a:spcPts val="500"/>
+              </a:spcBef>
+              <a:buFont typeface="Arial" panose="020B0604020202020204" pitchFamily="34" charset="0"/>
+              <a:buChar char="•"/>
+              <a:defRPr sz="1800" kern="1200">
+                <a:solidFill>
+                  <a:schemeClr val="tx1"/>
+                </a:solidFill>
+                <a:latin typeface="+mn-lt"/>
+                <a:ea typeface="+mn-ea"/>
+                <a:cs typeface="+mn-cs"/>
+              </a:defRPr>
+            </a:lvl9pPr>
+          </a:lstStyle>
+          <a:p>
+            <a:pPr marL="0" indent="0" algn="ctr">
+              <a:buFont typeface="Arial" panose="020B0604020202020204" pitchFamily="34" charset="0"/>
+              <a:buNone/>
+            </a:pPr>
+            <a:r>
+              <a:rPr lang="ru-RU" dirty="0"/>
+              <a:t>Автор</a:t>
+            </a:r>
+          </a:p>
+          <a:p>
+            <a:r>
+              <a:rPr lang="ru-RU" sz="2400" dirty="0"/>
+              <a:t>Добавление новых постов </a:t>
+            </a:r>
+          </a:p>
+          <a:p>
+            <a:r>
+              <a:rPr lang="ru-RU" sz="2400" dirty="0"/>
+              <a:t>Редактирование своих постов </a:t>
+            </a:r>
+          </a:p>
+          <a:p>
+            <a:r>
+              <a:rPr lang="ru-RU" sz="2400" dirty="0"/>
+              <a:t>Удаление своих постов </a:t>
+            </a:r>
+          </a:p>
+          <a:p>
+            <a:r>
+              <a:rPr lang="ru-RU" sz="2400" dirty="0"/>
+              <a:t>Просмотр новых комментариев </a:t>
+            </a:r>
+          </a:p>
+          <a:p>
+            <a:r>
+              <a:rPr lang="ru-RU" sz="2400" dirty="0"/>
+              <a:t>Удаление нежелательных комментариев </a:t>
+            </a:r>
+          </a:p>
+          <a:p>
+            <a:r>
+              <a:rPr lang="ru-RU" sz="2400" dirty="0"/>
+              <a:t>Редактирование информации о себе </a:t>
+            </a:r>
+          </a:p>
+          <a:p>
+            <a:pPr lvl="0"/>
+            <a:endParaRPr lang="ru-RU" dirty="0"/>
+          </a:p>
+        </p:txBody>
+      </p:sp>
+      <p:sp>
+        <p:nvSpPr>
+          <p:cNvPr id="9" name="Объект 2">
+            <a:extLst>
+              <a:ext uri="{FF2B5EF4-FFF2-40B4-BE49-F238E27FC236}">
+                <a16:creationId xmlns:a16="http://schemas.microsoft.com/office/drawing/2014/main" id="{7D0907C6-7B5F-43A4-9839-F5D62CEEA8C4}"/>
+              </a:ext>
+            </a:extLst>
+          </p:cNvPr>
+          <p:cNvSpPr txBox="1">
+            <a:spLocks/>
+          </p:cNvSpPr>
+          <p:nvPr/>
+        </p:nvSpPr>
+        <p:spPr>
+          <a:xfrm>
+            <a:off x="7853637" y="1601153"/>
+            <a:ext cx="3515274" cy="4895850"/>
+          </a:xfrm>
+          <a:prstGeom prst="rect">
+            <a:avLst/>
+          </a:prstGeom>
+        </p:spPr>
+        <p:txBody>
+          <a:bodyPr vert="horz" lIns="91440" tIns="45720" rIns="91440" bIns="45720" rtlCol="0">
+            <a:noAutofit/>
+          </a:bodyPr>
+          <a:lstStyle>
+            <a:lvl1pPr marL="228600" indent="-228600" algn="l" defTabSz="914400" rtl="0" eaLnBrk="1" latinLnBrk="0" hangingPunct="1">
+              <a:lnSpc>
+                <a:spcPct val="90000"/>
+              </a:lnSpc>
+              <a:spcBef>
+                <a:spcPts val="1000"/>
+              </a:spcBef>
+              <a:buFont typeface="Arial" panose="020B0604020202020204" pitchFamily="34" charset="0"/>
+              <a:buChar char="•"/>
+              <a:defRPr sz="2800" kern="1200">
+                <a:solidFill>
+                  <a:schemeClr val="tx1"/>
+                </a:solidFill>
+                <a:latin typeface="+mn-lt"/>
+                <a:ea typeface="+mn-ea"/>
+                <a:cs typeface="+mn-cs"/>
+              </a:defRPr>
+            </a:lvl1pPr>
+            <a:lvl2pPr marL="685800" indent="-228600" algn="l" defTabSz="914400" rtl="0" eaLnBrk="1" latinLnBrk="0" hangingPunct="1">
+              <a:lnSpc>
+                <a:spcPct val="90000"/>
+              </a:lnSpc>
+              <a:spcBef>
+                <a:spcPts val="500"/>
+              </a:spcBef>
+              <a:buFont typeface="Arial" panose="020B0604020202020204" pitchFamily="34" charset="0"/>
+              <a:buChar char="•"/>
+              <a:defRPr sz="2400" kern="1200">
+                <a:solidFill>
+                  <a:schemeClr val="tx1"/>
+                </a:solidFill>
+                <a:latin typeface="+mn-lt"/>
+                <a:ea typeface="+mn-ea"/>
+                <a:cs typeface="+mn-cs"/>
+              </a:defRPr>
+            </a:lvl2pPr>
+            <a:lvl3pPr marL="1143000" indent="-228600" algn="l" defTabSz="914400" rtl="0" eaLnBrk="1" latinLnBrk="0" hangingPunct="1">
+              <a:lnSpc>
+                <a:spcPct val="90000"/>
+              </a:lnSpc>
+              <a:spcBef>
+                <a:spcPts val="500"/>
+              </a:spcBef>
+              <a:buFont typeface="Arial" panose="020B0604020202020204" pitchFamily="34" charset="0"/>
+              <a:buChar char="•"/>
+              <a:defRPr sz="2000" kern="1200">
+                <a:solidFill>
+                  <a:schemeClr val="tx1"/>
+                </a:solidFill>
+                <a:latin typeface="+mn-lt"/>
+                <a:ea typeface="+mn-ea"/>
+                <a:cs typeface="+mn-cs"/>
+              </a:defRPr>
+            </a:lvl3pPr>
+            <a:lvl4pPr marL="1600200" indent="-228600" algn="l" defTabSz="914400" rtl="0" eaLnBrk="1" latinLnBrk="0" hangingPunct="1">
+              <a:lnSpc>
+                <a:spcPct val="90000"/>
+              </a:lnSpc>
+              <a:spcBef>
+                <a:spcPts val="500"/>
+              </a:spcBef>
+              <a:buFont typeface="Arial" panose="020B0604020202020204" pitchFamily="34" charset="0"/>
+              <a:buChar char="•"/>
+              <a:defRPr sz="1800" kern="1200">
+                <a:solidFill>
+                  <a:schemeClr val="tx1"/>
+                </a:solidFill>
+                <a:latin typeface="+mn-lt"/>
+                <a:ea typeface="+mn-ea"/>
+                <a:cs typeface="+mn-cs"/>
+              </a:defRPr>
+            </a:lvl4pPr>
+            <a:lvl5pPr marL="2057400" indent="-228600" algn="l" defTabSz="914400" rtl="0" eaLnBrk="1" latinLnBrk="0" hangingPunct="1">
+              <a:lnSpc>
+                <a:spcPct val="90000"/>
+              </a:lnSpc>
+              <a:spcBef>
+                <a:spcPts val="500"/>
+              </a:spcBef>
+              <a:buFont typeface="Arial" panose="020B0604020202020204" pitchFamily="34" charset="0"/>
+              <a:buChar char="•"/>
+              <a:defRPr sz="1800" kern="1200">
+                <a:solidFill>
+                  <a:schemeClr val="tx1"/>
+                </a:solidFill>
+                <a:latin typeface="+mn-lt"/>
+                <a:ea typeface="+mn-ea"/>
+                <a:cs typeface="+mn-cs"/>
+              </a:defRPr>
+            </a:lvl5pPr>
+            <a:lvl6pPr marL="2514600" indent="-228600" algn="l" defTabSz="914400" rtl="0" eaLnBrk="1" latinLnBrk="0" hangingPunct="1">
+              <a:lnSpc>
+                <a:spcPct val="90000"/>
+              </a:lnSpc>
+              <a:spcBef>
+                <a:spcPts val="500"/>
+              </a:spcBef>
+              <a:buFont typeface="Arial" panose="020B0604020202020204" pitchFamily="34" charset="0"/>
+              <a:buChar char="•"/>
+              <a:defRPr sz="1800" kern="1200">
+                <a:solidFill>
+                  <a:schemeClr val="tx1"/>
+                </a:solidFill>
+                <a:latin typeface="+mn-lt"/>
+                <a:ea typeface="+mn-ea"/>
+                <a:cs typeface="+mn-cs"/>
+              </a:defRPr>
+            </a:lvl6pPr>
+            <a:lvl7pPr marL="2971800" indent="-228600" algn="l" defTabSz="914400" rtl="0" eaLnBrk="1" latinLnBrk="0" hangingPunct="1">
+              <a:lnSpc>
+                <a:spcPct val="90000"/>
+              </a:lnSpc>
+              <a:spcBef>
+                <a:spcPts val="500"/>
+              </a:spcBef>
+              <a:buFont typeface="Arial" panose="020B0604020202020204" pitchFamily="34" charset="0"/>
+              <a:buChar char="•"/>
+              <a:defRPr sz="1800" kern="1200">
+                <a:solidFill>
+                  <a:schemeClr val="tx1"/>
+                </a:solidFill>
+                <a:latin typeface="+mn-lt"/>
+                <a:ea typeface="+mn-ea"/>
+                <a:cs typeface="+mn-cs"/>
+              </a:defRPr>
+            </a:lvl7pPr>
+            <a:lvl8pPr marL="3429000" indent="-228600" algn="l" defTabSz="914400" rtl="0" eaLnBrk="1" latinLnBrk="0" hangingPunct="1">
+              <a:lnSpc>
+                <a:spcPct val="90000"/>
+              </a:lnSpc>
+              <a:spcBef>
+                <a:spcPts val="500"/>
+              </a:spcBef>
+              <a:buFont typeface="Arial" panose="020B0604020202020204" pitchFamily="34" charset="0"/>
+              <a:buChar char="•"/>
+              <a:defRPr sz="1800" kern="1200">
+                <a:solidFill>
+                  <a:schemeClr val="tx1"/>
+                </a:solidFill>
+                <a:latin typeface="+mn-lt"/>
+                <a:ea typeface="+mn-ea"/>
+                <a:cs typeface="+mn-cs"/>
+              </a:defRPr>
+            </a:lvl8pPr>
+            <a:lvl9pPr marL="3886200" indent="-228600" algn="l" defTabSz="914400" rtl="0" eaLnBrk="1" latinLnBrk="0" hangingPunct="1">
+              <a:lnSpc>
+                <a:spcPct val="90000"/>
+              </a:lnSpc>
+              <a:spcBef>
+                <a:spcPts val="500"/>
+              </a:spcBef>
+              <a:buFont typeface="Arial" panose="020B0604020202020204" pitchFamily="34" charset="0"/>
+              <a:buChar char="•"/>
+              <a:defRPr sz="1800" kern="1200">
+                <a:solidFill>
+                  <a:schemeClr val="tx1"/>
+                </a:solidFill>
+                <a:latin typeface="+mn-lt"/>
+                <a:ea typeface="+mn-ea"/>
+                <a:cs typeface="+mn-cs"/>
+              </a:defRPr>
+            </a:lvl9pPr>
+          </a:lstStyle>
+          <a:p>
+            <a:pPr marL="0" indent="0" algn="ctr">
+              <a:buNone/>
+            </a:pPr>
+            <a:r>
+              <a:rPr lang="ru-RU" dirty="0"/>
+              <a:t>Администратор</a:t>
+            </a:r>
+          </a:p>
+          <a:p>
+            <a:pPr lvl="0"/>
+            <a:r>
+              <a:rPr lang="ru-RU" sz="2400" dirty="0"/>
+              <a:t>Удаление и добавление новых авторов</a:t>
+            </a:r>
+          </a:p>
+          <a:p>
+            <a:pPr lvl="0"/>
+            <a:r>
+              <a:rPr lang="ru-RU" sz="2400" dirty="0"/>
+              <a:t>Удаление любых постов</a:t>
+            </a:r>
+          </a:p>
+          <a:p>
+            <a:pPr lvl="0"/>
+            <a:r>
+              <a:rPr lang="ru-RU" sz="2400" dirty="0"/>
+              <a:t>Просмотр статистики системы</a:t>
+            </a:r>
+          </a:p>
+          <a:p>
+            <a:r>
+              <a:rPr lang="ru-RU" sz="2400" dirty="0"/>
+              <a:t>Сброс пароля для авторов</a:t>
+            </a:r>
+          </a:p>
+          <a:p>
+            <a:pPr lvl="0"/>
+            <a:endParaRPr lang="ru-RU" dirty="0"/>
+          </a:p>
+        </p:txBody>
+      </p:sp>
+    </p:spTree>
+    <p:extLst>
+      <p:ext uri="{BB962C8B-B14F-4D97-AF65-F5344CB8AC3E}">
+        <p14:creationId xmlns:p14="http://schemas.microsoft.com/office/powerpoint/2010/main" val="3390788394"/>
+      </p:ext>
+    </p:extLst>
+  </p:cSld>
+  <p:clrMapOvr>
+    <a:masterClrMapping/>
+  </p:clrMapOvr>
+</p:sld>
+</file>
+
+<file path=ppt/slides/slide7.xml><?xml version="1.0" encoding="utf-8"?>
+<p:sld xmlns:a="http://schemas.openxmlformats.org/drawingml/2006/main" xmlns:r="http://schemas.openxmlformats.org/officeDocument/2006/relationships" xmlns:p="http://schemas.openxmlformats.org/presentationml/2006/main">
+  <p:cSld>
+    <p:spTree>
+      <p:nvGrpSpPr>
+        <p:cNvPr id="1" name=""/>
+        <p:cNvGrpSpPr/>
+        <p:nvPr/>
+      </p:nvGrpSpPr>
+      <p:grpSpPr>
+        <a:xfrm>
+          <a:off x="0" y="0"/>
+          <a:ext cx="0" cy="0"/>
+          <a:chOff x="0" y="0"/>
+          <a:chExt cx="0" cy="0"/>
+        </a:xfrm>
+      </p:grpSpPr>
+      <p:sp>
+        <p:nvSpPr>
+          <p:cNvPr id="2" name="Заголовок 1">
+            <a:extLst>
+              <a:ext uri="{FF2B5EF4-FFF2-40B4-BE49-F238E27FC236}">
+                <a16:creationId xmlns:a16="http://schemas.microsoft.com/office/drawing/2014/main" id="{41BA3878-5696-4D21-A3DE-991FD8B305A8}"/>
+              </a:ext>
+            </a:extLst>
+          </p:cNvPr>
+          <p:cNvSpPr>
+            <a:spLocks noGrp="1"/>
+          </p:cNvSpPr>
+          <p:nvPr>
+            <p:ph type="title"/>
+          </p:nvPr>
+        </p:nvSpPr>
+        <p:spPr/>
+        <p:txBody>
+          <a:bodyPr/>
+          <a:lstStyle/>
+          <a:p>
+            <a:r>
+              <a:rPr lang="ru-RU" dirty="0"/>
+              <a:t>Структура системы</a:t>
+            </a:r>
+          </a:p>
+        </p:txBody>
+      </p:sp>
+      <p:pic>
+        <p:nvPicPr>
+          <p:cNvPr id="4" name="image24.png">
+            <a:extLst>
+              <a:ext uri="{FF2B5EF4-FFF2-40B4-BE49-F238E27FC236}">
+                <a16:creationId xmlns:a16="http://schemas.microsoft.com/office/drawing/2014/main" id="{64B8F16D-FE97-4A81-AE7D-17CBA7039182}"/>
+              </a:ext>
+            </a:extLst>
+          </p:cNvPr>
+          <p:cNvPicPr/>
+          <p:nvPr/>
+        </p:nvPicPr>
+        <p:blipFill>
+          <a:blip r:embed="rId2">
+            <a:extLst>
+              <a:ext uri="{28A0092B-C50C-407E-A947-70E740481C1C}">
+                <a14:useLocalDpi xmlns:a14="http://schemas.microsoft.com/office/drawing/2010/main" val="0"/>
+              </a:ext>
+            </a:extLst>
+          </a:blip>
+          <a:srcRect/>
+          <a:stretch>
+            <a:fillRect/>
+          </a:stretch>
+        </p:blipFill>
+        <p:spPr>
+          <a:xfrm>
+            <a:off x="1506220" y="1845941"/>
+            <a:ext cx="3429000" cy="4200525"/>
+          </a:xfrm>
+          <a:prstGeom prst="rect">
+            <a:avLst/>
+          </a:prstGeom>
+          <a:ln/>
+        </p:spPr>
+      </p:pic>
+      <p:pic>
+        <p:nvPicPr>
+          <p:cNvPr id="6" name="image14.png">
+            <a:extLst>
+              <a:ext uri="{FF2B5EF4-FFF2-40B4-BE49-F238E27FC236}">
+                <a16:creationId xmlns:a16="http://schemas.microsoft.com/office/drawing/2014/main" id="{3F62467C-4E2C-495D-87AC-32E29ABD2692}"/>
+              </a:ext>
+            </a:extLst>
+          </p:cNvPr>
+          <p:cNvPicPr/>
+          <p:nvPr/>
+        </p:nvPicPr>
+        <p:blipFill>
+          <a:blip r:embed="rId3"/>
+          <a:srcRect/>
+          <a:stretch>
+            <a:fillRect/>
+          </a:stretch>
+        </p:blipFill>
+        <p:spPr>
+          <a:xfrm>
+            <a:off x="6149340" y="1902742"/>
+            <a:ext cx="4536440" cy="4078171"/>
+          </a:xfrm>
+          <a:prstGeom prst="rect">
+            <a:avLst/>
+          </a:prstGeom>
+          <a:ln/>
+        </p:spPr>
+      </p:pic>
+      <p:sp>
+        <p:nvSpPr>
+          <p:cNvPr id="7" name="Номер слайда 6">
+            <a:extLst>
+              <a:ext uri="{FF2B5EF4-FFF2-40B4-BE49-F238E27FC236}">
+                <a16:creationId xmlns:a16="http://schemas.microsoft.com/office/drawing/2014/main" id="{5874A487-DD61-4F0A-AAF4-9543E1D94AB9}"/>
+              </a:ext>
+            </a:extLst>
+          </p:cNvPr>
+          <p:cNvSpPr>
+            <a:spLocks noGrp="1"/>
+          </p:cNvSpPr>
+          <p:nvPr>
+            <p:ph type="sldNum" sz="quarter" idx="12"/>
+          </p:nvPr>
+        </p:nvSpPr>
+        <p:spPr/>
+        <p:txBody>
+          <a:bodyPr/>
+          <a:lstStyle/>
+          <a:p>
+            <a:fld id="{FFB6C268-143E-4CE1-AEAF-03F5A77D796B}" type="slidenum">
+              <a:rPr lang="ru-RU" smtClean="0"/>
+              <a:t>7</a:t>
+            </a:fld>
+            <a:endParaRPr lang="ru-RU"/>
+          </a:p>
+        </p:txBody>
+      </p:sp>
+    </p:spTree>
+    <p:extLst>
+      <p:ext uri="{BB962C8B-B14F-4D97-AF65-F5344CB8AC3E}">
+        <p14:creationId xmlns:p14="http://schemas.microsoft.com/office/powerpoint/2010/main" val="1483222970"/>
+      </p:ext>
+    </p:extLst>
+  </p:cSld>
+  <p:clrMapOvr>
+    <a:masterClrMapping/>
+  </p:clrMapOvr>
+</p:sld>
+</file>
+
+<file path=ppt/slides/slide8.xml><?xml version="1.0" encoding="utf-8"?>
+<p:sld xmlns:a="http://schemas.openxmlformats.org/drawingml/2006/main" xmlns:r="http://schemas.openxmlformats.org/officeDocument/2006/relationships" xmlns:p="http://schemas.openxmlformats.org/presentationml/2006/main">
+  <p:cSld>
+    <p:spTree>
+      <p:nvGrpSpPr>
+        <p:cNvPr id="1" name=""/>
+        <p:cNvGrpSpPr/>
+        <p:nvPr/>
+      </p:nvGrpSpPr>
+      <p:grpSpPr>
+        <a:xfrm>
+          <a:off x="0" y="0"/>
+          <a:ext cx="0" cy="0"/>
+          <a:chOff x="0" y="0"/>
+          <a:chExt cx="0" cy="0"/>
+        </a:xfrm>
+      </p:grpSpPr>
+      <p:sp>
+        <p:nvSpPr>
+          <p:cNvPr id="2" name="Заголовок 1">
+            <a:extLst>
+              <a:ext uri="{FF2B5EF4-FFF2-40B4-BE49-F238E27FC236}">
+                <a16:creationId xmlns:a16="http://schemas.microsoft.com/office/drawing/2014/main" id="{41BA3878-5696-4D21-A3DE-991FD8B305A8}"/>
+              </a:ext>
+            </a:extLst>
+          </p:cNvPr>
+          <p:cNvSpPr>
+            <a:spLocks noGrp="1"/>
+          </p:cNvSpPr>
+          <p:nvPr>
+            <p:ph type="title"/>
+          </p:nvPr>
+        </p:nvSpPr>
+        <p:spPr/>
+        <p:txBody>
+          <a:bodyPr/>
+          <a:lstStyle/>
+          <a:p>
+            <a:r>
+              <a:rPr lang="ru-RU" dirty="0"/>
+              <a:t>Структура сайта</a:t>
+            </a:r>
+          </a:p>
+        </p:txBody>
+      </p:sp>
+      <p:pic>
+        <p:nvPicPr>
+          <p:cNvPr id="5" name="image9.png">
+            <a:extLst>
+              <a:ext uri="{FF2B5EF4-FFF2-40B4-BE49-F238E27FC236}">
+                <a16:creationId xmlns:a16="http://schemas.microsoft.com/office/drawing/2014/main" id="{D9948F3D-6094-4602-8291-3CB856DE948C}"/>
+              </a:ext>
+            </a:extLst>
+          </p:cNvPr>
+          <p:cNvPicPr/>
+          <p:nvPr/>
+        </p:nvPicPr>
+        <p:blipFill>
+          <a:blip r:embed="rId2"/>
+          <a:srcRect/>
+          <a:stretch>
+            <a:fillRect/>
+          </a:stretch>
+        </p:blipFill>
+        <p:spPr>
+          <a:xfrm>
+            <a:off x="1557219" y="1244600"/>
+            <a:ext cx="9077562" cy="5613400"/>
+          </a:xfrm>
+          <a:prstGeom prst="rect">
+            <a:avLst/>
+          </a:prstGeom>
+          <a:ln/>
+        </p:spPr>
+      </p:pic>
+      <p:sp>
+        <p:nvSpPr>
+          <p:cNvPr id="3" name="Номер слайда 2">
+            <a:extLst>
+              <a:ext uri="{FF2B5EF4-FFF2-40B4-BE49-F238E27FC236}">
+                <a16:creationId xmlns:a16="http://schemas.microsoft.com/office/drawing/2014/main" id="{6295E4C4-11C3-4A0E-93F9-91DAC5FF94A9}"/>
+              </a:ext>
+            </a:extLst>
+          </p:cNvPr>
+          <p:cNvSpPr>
+            <a:spLocks noGrp="1"/>
+          </p:cNvSpPr>
+          <p:nvPr>
+            <p:ph type="sldNum" sz="quarter" idx="12"/>
+          </p:nvPr>
+        </p:nvSpPr>
+        <p:spPr/>
+        <p:txBody>
+          <a:bodyPr/>
+          <a:lstStyle/>
+          <a:p>
+            <a:fld id="{FFB6C268-143E-4CE1-AEAF-03F5A77D796B}" type="slidenum">
+              <a:rPr lang="ru-RU" smtClean="0"/>
+              <a:t>8</a:t>
+            </a:fld>
+            <a:endParaRPr lang="ru-RU"/>
+          </a:p>
+        </p:txBody>
+      </p:sp>
+    </p:spTree>
+    <p:extLst>
+      <p:ext uri="{BB962C8B-B14F-4D97-AF65-F5344CB8AC3E}">
+        <p14:creationId xmlns:p14="http://schemas.microsoft.com/office/powerpoint/2010/main" val="1162380795"/>
+      </p:ext>
+    </p:extLst>
+  </p:cSld>
+  <p:clrMapOvr>
+    <a:masterClrMapping/>
+  </p:clrMapOvr>
+</p:sld>
+</file>
+
+<file path=ppt/slides/slide9.xml><?xml version="1.0" encoding="utf-8"?>
+<p:sld xmlns:a="http://schemas.openxmlformats.org/drawingml/2006/main" xmlns:r="http://schemas.openxmlformats.org/officeDocument/2006/relationships" xmlns:p="http://schemas.openxmlformats.org/presentationml/2006/main">
+  <p:cSld>
+    <p:spTree>
+      <p:nvGrpSpPr>
+        <p:cNvPr id="1" name=""/>
+        <p:cNvGrpSpPr/>
+        <p:nvPr/>
+      </p:nvGrpSpPr>
+      <p:grpSpPr>
+        <a:xfrm>
+          <a:off x="0" y="0"/>
+          <a:ext cx="0" cy="0"/>
+          <a:chOff x="0" y="0"/>
+          <a:chExt cx="0" cy="0"/>
+        </a:xfrm>
+      </p:grpSpPr>
+      <p:sp>
+        <p:nvSpPr>
+          <p:cNvPr id="2" name="Заголовок 1">
+            <a:extLst>
+              <a:ext uri="{FF2B5EF4-FFF2-40B4-BE49-F238E27FC236}">
+                <a16:creationId xmlns:a16="http://schemas.microsoft.com/office/drawing/2014/main" id="{3B44303D-E2F7-4A4B-B54F-89FA01CE2BA7}"/>
+              </a:ext>
+            </a:extLst>
+          </p:cNvPr>
+          <p:cNvSpPr>
+            <a:spLocks noGrp="1"/>
+          </p:cNvSpPr>
+          <p:nvPr>
+            <p:ph type="title"/>
+          </p:nvPr>
+        </p:nvSpPr>
+        <p:spPr/>
+        <p:txBody>
+          <a:bodyPr/>
+          <a:lstStyle/>
+          <a:p>
+            <a:r>
+              <a:rPr lang="en-US" dirty="0"/>
+              <a:t>MVT-</a:t>
+            </a:r>
+            <a:r>
+              <a:rPr lang="ru-RU" dirty="0"/>
+              <a:t>архитектура</a:t>
+            </a:r>
+          </a:p>
+        </p:txBody>
+      </p:sp>
+      <p:sp>
+        <p:nvSpPr>
+          <p:cNvPr id="4" name="Номер слайда 3">
+            <a:extLst>
+              <a:ext uri="{FF2B5EF4-FFF2-40B4-BE49-F238E27FC236}">
+                <a16:creationId xmlns:a16="http://schemas.microsoft.com/office/drawing/2014/main" id="{FF7BFD40-69AA-4D16-A4D6-05CA774905AA}"/>
+              </a:ext>
+            </a:extLst>
+          </p:cNvPr>
+          <p:cNvSpPr>
+            <a:spLocks noGrp="1"/>
+          </p:cNvSpPr>
+          <p:nvPr>
+            <p:ph type="sldNum" sz="quarter" idx="12"/>
+          </p:nvPr>
+        </p:nvSpPr>
+        <p:spPr/>
+        <p:txBody>
+          <a:bodyPr/>
+          <a:lstStyle/>
+          <a:p>
+            <a:fld id="{FFB6C268-143E-4CE1-AEAF-03F5A77D796B}" type="slidenum">
+              <a:rPr lang="ru-RU" smtClean="0"/>
+              <a:t>9</a:t>
+            </a:fld>
+            <a:endParaRPr lang="ru-RU"/>
+          </a:p>
+        </p:txBody>
+      </p:sp>
+      <p:pic>
+        <p:nvPicPr>
+          <p:cNvPr id="1026" name="Picture 2" descr="архитектура фреймворка Джанго">
+            <a:extLst>
+              <a:ext uri="{FF2B5EF4-FFF2-40B4-BE49-F238E27FC236}">
+                <a16:creationId xmlns:a16="http://schemas.microsoft.com/office/drawing/2014/main" id="{063CBB72-23EB-4D12-90A0-B4EA8D5ECFB7}"/>
+              </a:ext>
+            </a:extLst>
+          </p:cNvPr>
+          <p:cNvPicPr>
+            <a:picLocks noChangeAspect="1" noChangeArrowheads="1"/>
+          </p:cNvPicPr>
+          <p:nvPr/>
+        </p:nvPicPr>
+        <p:blipFill>
+          <a:blip r:embed="rId2">
+            <a:extLst>
+              <a:ext uri="{28A0092B-C50C-407E-A947-70E740481C1C}">
+                <a14:useLocalDpi xmlns:a14="http://schemas.microsoft.com/office/drawing/2010/main" val="0"/>
+              </a:ext>
+            </a:extLst>
+          </a:blip>
+          <a:srcRect/>
+          <a:stretch>
+            <a:fillRect/>
+          </a:stretch>
+        </p:blipFill>
+        <p:spPr bwMode="auto">
+          <a:xfrm>
+            <a:off x="513080" y="1359512"/>
+            <a:ext cx="6236557" cy="3304238"/>
+          </a:xfrm>
+          <a:prstGeom prst="rect">
+            <a:avLst/>
+          </a:prstGeom>
+          <a:noFill/>
+          <a:extLst>
+            <a:ext uri="{909E8E84-426E-40DD-AFC4-6F175D3DCCD1}">
+              <a14:hiddenFill xmlns:a14="http://schemas.microsoft.com/office/drawing/2010/main">
+                <a:solidFill>
+                  <a:srgbClr val="FFFFFF"/>
+                </a:solidFill>
+              </a14:hiddenFill>
+            </a:ext>
+          </a:extLst>
+        </p:spPr>
+      </p:pic>
+      <p:graphicFrame>
+        <p:nvGraphicFramePr>
+          <p:cNvPr id="3" name="Таблица 6">
+            <a:extLst>
+              <a:ext uri="{FF2B5EF4-FFF2-40B4-BE49-F238E27FC236}">
+                <a16:creationId xmlns:a16="http://schemas.microsoft.com/office/drawing/2014/main" id="{2871AE31-AAAA-46DB-937E-6A7B5393682F}"/>
+              </a:ext>
+            </a:extLst>
+          </p:cNvPr>
+          <p:cNvGraphicFramePr>
+            <a:graphicFrameLocks noGrp="1"/>
+          </p:cNvGraphicFramePr>
+          <p:nvPr>
+            <p:extLst>
+              <p:ext uri="{D42A27DB-BD31-4B8C-83A1-F6EECF244321}">
+                <p14:modId xmlns:p14="http://schemas.microsoft.com/office/powerpoint/2010/main" val="1155144182"/>
+              </p:ext>
+            </p:extLst>
+          </p:nvPr>
+        </p:nvGraphicFramePr>
+        <p:xfrm>
+          <a:off x="6749637" y="1153867"/>
+          <a:ext cx="5005483" cy="3715528"/>
+        </p:xfrm>
+        <a:graphic>
+          <a:graphicData uri="http://schemas.openxmlformats.org/drawingml/2006/table">
+            <a:tbl>
+              <a:tblPr firstRow="1" bandRow="1">
+                <a:tableStyleId>{5940675A-B579-460E-94D1-54222C63F5DA}</a:tableStyleId>
+              </a:tblPr>
+              <a:tblGrid>
+                <a:gridCol w="1140111">
+                  <a:extLst>
+                    <a:ext uri="{9D8B030D-6E8A-4147-A177-3AD203B41FA5}">
+                      <a16:colId xmlns:a16="http://schemas.microsoft.com/office/drawing/2014/main" val="231017697"/>
+                    </a:ext>
+                  </a:extLst>
+                </a:gridCol>
+                <a:gridCol w="3865372">
+                  <a:extLst>
+                    <a:ext uri="{9D8B030D-6E8A-4147-A177-3AD203B41FA5}">
+                      <a16:colId xmlns:a16="http://schemas.microsoft.com/office/drawing/2014/main" val="1336919172"/>
+                    </a:ext>
+                  </a:extLst>
+                </a:gridCol>
+              </a:tblGrid>
+              <a:tr h="1509884">
+                <a:tc>
+                  <a:txBody>
+                    <a:bodyPr/>
+                    <a:lstStyle/>
+                    <a:p>
+                      <a:pPr algn="ctr"/>
+                      <a:r>
+                        <a:rPr lang="en-US" dirty="0"/>
+                        <a:t>Model</a:t>
+                      </a:r>
+                      <a:endParaRPr lang="ru-RU" dirty="0"/>
+                    </a:p>
+                  </a:txBody>
+                  <a:tcPr anchor="ctr"/>
+                </a:tc>
+                <a:tc>
+                  <a:txBody>
+                    <a:bodyPr/>
+                    <a:lstStyle/>
+                    <a:p>
+                      <a:pPr algn="ctr"/>
+                      <a:r>
+                        <a:rPr lang="ru-RU" dirty="0"/>
+                        <a:t>Описание полей, методов, свойств и других элементов, связанных с манипуляцией данными,  используемыми в системе</a:t>
+                      </a:r>
+                    </a:p>
+                  </a:txBody>
+                  <a:tcPr anchor="ctr"/>
+                </a:tc>
+                <a:extLst>
+                  <a:ext uri="{0D108BD9-81ED-4DB2-BD59-A6C34878D82A}">
+                    <a16:rowId xmlns:a16="http://schemas.microsoft.com/office/drawing/2014/main" val="1547842614"/>
+                  </a:ext>
+                </a:extLst>
+              </a:tr>
+              <a:tr h="1161448">
+                <a:tc>
+                  <a:txBody>
+                    <a:bodyPr/>
+                    <a:lstStyle/>
+                    <a:p>
+                      <a:pPr algn="ctr"/>
+                      <a:r>
+                        <a:rPr lang="en-US" dirty="0"/>
+                        <a:t>View</a:t>
+                      </a:r>
+                      <a:endParaRPr lang="ru-RU" dirty="0"/>
+                    </a:p>
+                  </a:txBody>
+                  <a:tcPr anchor="ctr"/>
+                </a:tc>
+                <a:tc>
+                  <a:txBody>
+                    <a:bodyPr/>
+                    <a:lstStyle/>
+                    <a:p>
+                      <a:pPr algn="ctr"/>
+                      <a:r>
+                        <a:rPr lang="ru-RU" sz="1800" kern="1200" dirty="0">
+                          <a:solidFill>
+                            <a:schemeClr val="tx1"/>
+                          </a:solidFill>
+                          <a:effectLst/>
+                          <a:latin typeface="+mn-lt"/>
+                          <a:ea typeface="+mn-ea"/>
+                          <a:cs typeface="+mn-cs"/>
+                        </a:rPr>
+                        <a:t>Получает запрос, обрабатывает его и отправляет пользователю некоторый ответ. </a:t>
+                      </a:r>
+                      <a:endParaRPr lang="ru-RU" dirty="0"/>
+                    </a:p>
+                  </a:txBody>
+                  <a:tcPr anchor="ctr"/>
+                </a:tc>
+                <a:extLst>
+                  <a:ext uri="{0D108BD9-81ED-4DB2-BD59-A6C34878D82A}">
+                    <a16:rowId xmlns:a16="http://schemas.microsoft.com/office/drawing/2014/main" val="2945552426"/>
+                  </a:ext>
+                </a:extLst>
+              </a:tr>
+              <a:tr h="1044196">
+                <a:tc>
+                  <a:txBody>
+                    <a:bodyPr/>
+                    <a:lstStyle/>
+                    <a:p>
+                      <a:pPr algn="ctr"/>
+                      <a:r>
+                        <a:rPr lang="en-US" dirty="0"/>
+                        <a:t>Template</a:t>
+                      </a:r>
+                      <a:endParaRPr lang="ru-RU" dirty="0"/>
+                    </a:p>
+                  </a:txBody>
+                  <a:tcPr anchor="ctr"/>
+                </a:tc>
+                <a:tc>
+                  <a:txBody>
+                    <a:bodyPr/>
+                    <a:lstStyle/>
+                    <a:p>
+                      <a:pPr algn="ctr"/>
+                      <a:r>
+                        <a:rPr lang="ru-RU" dirty="0"/>
+                        <a:t>Логика представления переданных </a:t>
+                      </a:r>
+                      <a:r>
+                        <a:rPr lang="en-US" dirty="0"/>
+                        <a:t>View </a:t>
+                      </a:r>
+                      <a:r>
+                        <a:rPr lang="ru-RU" dirty="0"/>
+                        <a:t>данных в виде сгенерированной разметки </a:t>
+                      </a:r>
+                      <a:r>
+                        <a:rPr lang="en-US" dirty="0"/>
+                        <a:t>HTML</a:t>
+                      </a:r>
+                      <a:endParaRPr lang="ru-RU" dirty="0"/>
+                    </a:p>
+                  </a:txBody>
+                  <a:tcPr anchor="ctr"/>
+                </a:tc>
+                <a:extLst>
+                  <a:ext uri="{0D108BD9-81ED-4DB2-BD59-A6C34878D82A}">
+                    <a16:rowId xmlns:a16="http://schemas.microsoft.com/office/drawing/2014/main" val="2575005923"/>
+                  </a:ext>
+                </a:extLst>
+              </a:tr>
+            </a:tbl>
+          </a:graphicData>
+        </a:graphic>
+      </p:graphicFrame>
+      <p:sp>
+        <p:nvSpPr>
+          <p:cNvPr id="9" name="Объект 6">
+            <a:extLst>
+              <a:ext uri="{FF2B5EF4-FFF2-40B4-BE49-F238E27FC236}">
+                <a16:creationId xmlns:a16="http://schemas.microsoft.com/office/drawing/2014/main" id="{F9D2CCC8-D0EA-4968-9822-BF2FD23551CE}"/>
+              </a:ext>
+            </a:extLst>
+          </p:cNvPr>
+          <p:cNvSpPr>
+            <a:spLocks noGrp="1"/>
+          </p:cNvSpPr>
+          <p:nvPr>
+            <p:ph idx="1"/>
+          </p:nvPr>
+        </p:nvSpPr>
+        <p:spPr>
+          <a:xfrm>
+            <a:off x="838199" y="5262880"/>
+            <a:ext cx="10515600" cy="983824"/>
+          </a:xfrm>
+        </p:spPr>
+        <p:txBody>
+          <a:bodyPr/>
+          <a:lstStyle/>
+          <a:p>
+            <a:pPr marL="0" indent="0" algn="ctr">
+              <a:buNone/>
+            </a:pPr>
+            <a:r>
+              <a:rPr lang="ru-RU" dirty="0"/>
+              <a:t>Архитектура </a:t>
+            </a:r>
+            <a:r>
+              <a:rPr lang="en-US" dirty="0"/>
+              <a:t>MVT </a:t>
+            </a:r>
+            <a:r>
+              <a:rPr lang="ru-RU" dirty="0"/>
+              <a:t>позволяет работать с визуальным представлением и бизнес-логикой отдельно</a:t>
+            </a:r>
+          </a:p>
+        </p:txBody>
+      </p:sp>
+    </p:spTree>
+    <p:extLst>
+      <p:ext uri="{BB962C8B-B14F-4D97-AF65-F5344CB8AC3E}">
+        <p14:creationId xmlns:p14="http://schemas.microsoft.com/office/powerpoint/2010/main" val="1969400429"/>
       </p:ext>
     </p:extLst>
   </p:cSld>
@@ -3677,4 +10951,299 @@
     </a:ext>
   </a:extLst>
 </a:theme>
+</file>
+
+<file path=ppt/theme/theme2.xml><?xml version="1.0" encoding="utf-8"?>
+<a:theme xmlns:a="http://schemas.openxmlformats.org/drawingml/2006/main" name="Тема Office">
+  <a:themeElements>
+    <a:clrScheme name="Стандартная">
+      <a:dk1>
+        <a:sysClr val="windowText" lastClr="000000"/>
+      </a:dk1>
+      <a:lt1>
+        <a:sysClr val="window" lastClr="FFFFFF"/>
+      </a:lt1>
+      <a:dk2>
+        <a:srgbClr val="44546A"/>
+      </a:dk2>
+      <a:lt2>
+        <a:srgbClr val="E7E6E6"/>
+      </a:lt2>
+      <a:accent1>
+        <a:srgbClr val="4472C4"/>
+      </a:accent1>
+      <a:accent2>
+        <a:srgbClr val="ED7D31"/>
+      </a:accent2>
+      <a:accent3>
+        <a:srgbClr val="A5A5A5"/>
+      </a:accent3>
+      <a:accent4>
+        <a:srgbClr val="FFC000"/>
+      </a:accent4>
+      <a:accent5>
+        <a:srgbClr val="5B9BD5"/>
+      </a:accent5>
+      <a:accent6>
+        <a:srgbClr val="70AD47"/>
+      </a:accent6>
+      <a:hlink>
+        <a:srgbClr val="0563C1"/>
+      </a:hlink>
+      <a:folHlink>
+        <a:srgbClr val="954F72"/>
+      </a:folHlink>
+    </a:clrScheme>
+    <a:fontScheme name="Стандартная">
+      <a:majorFont>
+        <a:latin typeface="Calibri Light" panose="020F0302020204030204"/>
+        <a:ea typeface=""/>
+        <a:cs typeface=""/>
+        <a:font script="Jpan" typeface="游ゴシック Light"/>
+        <a:font script="Hang" typeface="맑은 고딕"/>
+        <a:font script="Hans" typeface="等线 Light"/>
+        <a:font script="Hant" typeface="新細明體"/>
+        <a:font script="Arab" typeface="Times New Roman"/>
+        <a:font script="Hebr" typeface="Times New Roman"/>
+        <a:font script="Thai" typeface="Angsana New"/>
+        <a:font script="Ethi" typeface="Nyala"/>
+        <a:font script="Beng" typeface="Vrinda"/>
+        <a:font script="Gujr" typeface="Shruti"/>
+        <a:font script="Khmr" typeface="MoolBoran"/>
+        <a:font script="Knda" typeface="Tunga"/>
+        <a:font script="Guru" typeface="Raavi"/>
+        <a:font script="Cans" typeface="Euphemia"/>
+        <a:font script="Cher" typeface="Plantagenet Cherokee"/>
+        <a:font script="Yiii" typeface="Microsoft Yi Baiti"/>
+        <a:font script="Tibt" typeface="Microsoft Himalaya"/>
+        <a:font script="Thaa" typeface="MV Boli"/>
+        <a:font script="Deva" typeface="Mangal"/>
+        <a:font script="Telu" typeface="Gautami"/>
+        <a:font script="Taml" typeface="Latha"/>
+        <a:font script="Syrc" typeface="Estrangelo Edessa"/>
+        <a:font script="Orya" typeface="Kalinga"/>
+        <a:font script="Mlym" typeface="Kartika"/>
+        <a:font script="Laoo" typeface="DokChampa"/>
+        <a:font script="Sinh" typeface="Iskoola Pota"/>
+        <a:font script="Mong" typeface="Mongolian Baiti"/>
+        <a:font script="Viet" typeface="Times New Roman"/>
+        <a:font script="Uigh" typeface="Microsoft Uighur"/>
+        <a:font script="Geor" typeface="Sylfaen"/>
+        <a:font script="Armn" typeface="Arial"/>
+        <a:font script="Bugi" typeface="Leelawadee UI"/>
+        <a:font script="Bopo" typeface="Microsoft JhengHei"/>
+        <a:font script="Java" typeface="Javanese Text"/>
+        <a:font script="Lisu" typeface="Segoe UI"/>
+        <a:font script="Mymr" typeface="Myanmar Text"/>
+        <a:font script="Nkoo" typeface="Ebrima"/>
+        <a:font script="Olck" typeface="Nirmala UI"/>
+        <a:font script="Osma" typeface="Ebrima"/>
+        <a:font script="Phag" typeface="Phagspa"/>
+        <a:font script="Syrn" typeface="Estrangelo Edessa"/>
+        <a:font script="Syrj" typeface="Estrangelo Edessa"/>
+        <a:font script="Syre" typeface="Estrangelo Edessa"/>
+        <a:font script="Sora" typeface="Nirmala UI"/>
+        <a:font script="Tale" typeface="Microsoft Tai Le"/>
+        <a:font script="Talu" typeface="Microsoft New Tai Lue"/>
+        <a:font script="Tfng" typeface="Ebrima"/>
+      </a:majorFont>
+      <a:minorFont>
+        <a:latin typeface="Calibri" panose="020F0502020204030204"/>
+        <a:ea typeface=""/>
+        <a:cs typeface=""/>
+        <a:font script="Jpan" typeface="游ゴシック"/>
+        <a:font script="Hang" typeface="맑은 고딕"/>
+        <a:font script="Hans" typeface="等线"/>
+        <a:font script="Hant" typeface="新細明體"/>
+        <a:font script="Arab" typeface="Arial"/>
+        <a:font script="Hebr" typeface="Arial"/>
+        <a:font script="Thai" typeface="Cordia New"/>
+        <a:font script="Ethi" typeface="Nyala"/>
+        <a:font script="Beng" typeface="Vrinda"/>
+        <a:font script="Gujr" typeface="Shruti"/>
+        <a:font script="Khmr" typeface="DaunPenh"/>
+        <a:font script="Knda" typeface="Tunga"/>
+        <a:font script="Guru" typeface="Raavi"/>
+        <a:font script="Cans" typeface="Euphemia"/>
+        <a:font script="Cher" typeface="Plantagenet Cherokee"/>
+        <a:font script="Yiii" typeface="Microsoft Yi Baiti"/>
+        <a:font script="Tibt" typeface="Microsoft Himalaya"/>
+        <a:font script="Thaa" typeface="MV Boli"/>
+        <a:font script="Deva" typeface="Mangal"/>
+        <a:font script="Telu" typeface="Gautami"/>
+        <a:font script="Taml" typeface="Latha"/>
+        <a:font script="Syrc" typeface="Estrangelo Edessa"/>
+        <a:font script="Orya" typeface="Kalinga"/>
+        <a:font script="Mlym" typeface="Kartika"/>
+        <a:font script="Laoo" typeface="DokChampa"/>
+        <a:font script="Sinh" typeface="Iskoola Pota"/>
+        <a:font script="Mong" typeface="Mongolian Baiti"/>
+        <a:font script="Viet" typeface="Arial"/>
+        <a:font script="Uigh" typeface="Microsoft Uighur"/>
+        <a:font script="Geor" typeface="Sylfaen"/>
+        <a:font script="Armn" typeface="Arial"/>
+        <a:font script="Bugi" typeface="Leelawadee UI"/>
+        <a:font script="Bopo" typeface="Microsoft JhengHei"/>
+        <a:font script="Java" typeface="Javanese Text"/>
+        <a:font script="Lisu" typeface="Segoe UI"/>
+        <a:font script="Mymr" typeface="Myanmar Text"/>
+        <a:font script="Nkoo" typeface="Ebrima"/>
+        <a:font script="Olck" typeface="Nirmala UI"/>
+        <a:font script="Osma" typeface="Ebrima"/>
+        <a:font script="Phag" typeface="Phagspa"/>
+        <a:font script="Syrn" typeface="Estrangelo Edessa"/>
+        <a:font script="Syrj" typeface="Estrangelo Edessa"/>
+        <a:font script="Syre" typeface="Estrangelo Edessa"/>
+        <a:font script="Sora" typeface="Nirmala UI"/>
+        <a:font script="Tale" typeface="Microsoft Tai Le"/>
+        <a:font script="Talu" typeface="Microsoft New Tai Lue"/>
+        <a:font script="Tfng" typeface="Ebrima"/>
+      </a:minorFont>
+    </a:fontScheme>
+    <a:fmtScheme name="Стандартная">
+      <a:fillStyleLst>
+        <a:solidFill>
+          <a:schemeClr val="phClr"/>
+        </a:solidFill>
+        <a:gradFill rotWithShape="1">
+          <a:gsLst>
+            <a:gs pos="0">
+              <a:schemeClr val="phClr">
+                <a:lumMod val="110000"/>
+                <a:satMod val="105000"/>
+                <a:tint val="67000"/>
+              </a:schemeClr>
+            </a:gs>
+            <a:gs pos="50000">
+              <a:schemeClr val="phClr">
+                <a:lumMod val="105000"/>
+                <a:satMod val="103000"/>
+                <a:tint val="73000"/>
+              </a:schemeClr>
+            </a:gs>
+            <a:gs pos="100000">
+              <a:schemeClr val="phClr">
+                <a:lumMod val="105000"/>
+                <a:satMod val="109000"/>
+                <a:tint val="81000"/>
+              </a:schemeClr>
+            </a:gs>
+          </a:gsLst>
+          <a:lin ang="5400000" scaled="0"/>
+        </a:gradFill>
+        <a:gradFill rotWithShape="1">
+          <a:gsLst>
+            <a:gs pos="0">
+              <a:schemeClr val="phClr">
+                <a:satMod val="103000"/>
+                <a:lumMod val="102000"/>
+                <a:tint val="94000"/>
+              </a:schemeClr>
+            </a:gs>
+            <a:gs pos="50000">
+              <a:schemeClr val="phClr">
+                <a:satMod val="110000"/>
+                <a:lumMod val="100000"/>
+                <a:shade val="100000"/>
+              </a:schemeClr>
+            </a:gs>
+            <a:gs pos="100000">
+              <a:schemeClr val="phClr">
+                <a:lumMod val="99000"/>
+                <a:satMod val="120000"/>
+                <a:shade val="78000"/>
+              </a:schemeClr>
+            </a:gs>
+          </a:gsLst>
+          <a:lin ang="5400000" scaled="0"/>
+        </a:gradFill>
+      </a:fillStyleLst>
+      <a:lnStyleLst>
+        <a:ln w="6350" cap="flat" cmpd="sng" algn="ctr">
+          <a:solidFill>
+            <a:schemeClr val="phClr"/>
+          </a:solidFill>
+          <a:prstDash val="solid"/>
+          <a:miter lim="800000"/>
+        </a:ln>
+        <a:ln w="12700" cap="flat" cmpd="sng" algn="ctr">
+          <a:solidFill>
+            <a:schemeClr val="phClr"/>
+          </a:solidFill>
+          <a:prstDash val="solid"/>
+          <a:miter lim="800000"/>
+        </a:ln>
+        <a:ln w="19050" cap="flat" cmpd="sng" algn="ctr">
+          <a:solidFill>
+            <a:schemeClr val="phClr"/>
+          </a:solidFill>
+          <a:prstDash val="solid"/>
+          <a:miter lim="800000"/>
+        </a:ln>
+      </a:lnStyleLst>
+      <a:effectStyleLst>
+        <a:effectStyle>
+          <a:effectLst/>
+        </a:effectStyle>
+        <a:effectStyle>
+          <a:effectLst/>
+        </a:effectStyle>
+        <a:effectStyle>
+          <a:effectLst>
+            <a:outerShdw blurRad="57150" dist="19050" dir="5400000" algn="ctr" rotWithShape="0">
+              <a:srgbClr val="000000">
+                <a:alpha val="63000"/>
+              </a:srgbClr>
+            </a:outerShdw>
+          </a:effectLst>
+        </a:effectStyle>
+      </a:effectStyleLst>
+      <a:bgFillStyleLst>
+        <a:solidFill>
+          <a:schemeClr val="phClr"/>
+        </a:solidFill>
+        <a:solidFill>
+          <a:schemeClr val="phClr">
+            <a:tint val="95000"/>
+            <a:satMod val="170000"/>
+          </a:schemeClr>
+        </a:solidFill>
+        <a:gradFill rotWithShape="1">
+          <a:gsLst>
+            <a:gs pos="0">
+              <a:schemeClr val="phClr">
+                <a:tint val="93000"/>
+                <a:satMod val="150000"/>
+                <a:shade val="98000"/>
+                <a:lumMod val="102000"/>
+              </a:schemeClr>
+            </a:gs>
+            <a:gs pos="50000">
+              <a:schemeClr val="phClr">
+                <a:tint val="98000"/>
+                <a:satMod val="130000"/>
+                <a:shade val="90000"/>
+                <a:lumMod val="103000"/>
+              </a:schemeClr>
+            </a:gs>
+            <a:gs pos="100000">
+              <a:schemeClr val="phClr">
+                <a:shade val="63000"/>
+                <a:satMod val="120000"/>
+              </a:schemeClr>
+            </a:gs>
+          </a:gsLst>
+          <a:lin ang="5400000" scaled="0"/>
+        </a:gradFill>
+      </a:bgFillStyleLst>
+    </a:fmtScheme>
+  </a:themeElements>
+  <a:objectDefaults/>
+  <a:extraClrSchemeLst/>
+  <a:extLst>
+    <a:ext uri="{05A4C25C-085E-4340-85A3-A5531E510DB2}">
+      <thm15:themeFamily xmlns:thm15="http://schemas.microsoft.com/office/thememl/2012/main" name="Office Theme" id="{62F939B6-93AF-4DB8-9C6B-D6C7DFDC589F}" vid="{4A3C46E8-61CC-4603-A589-7422A47A8E4A}"/>
+    </a:ext>
+  </a:extLst>
+</a:theme>
 </file>